--- a/docs/Презентация/Презентация.pptx
+++ b/docs/Презентация/Презентация.pptx
@@ -5,22 +5,23 @@
     <p:sldMasterId id="2147483648" r:id="rId1"/>
   </p:sldMasterIdLst>
   <p:notesMasterIdLst>
-    <p:notesMasterId r:id="rId15"/>
+    <p:notesMasterId r:id="rId16"/>
   </p:notesMasterIdLst>
   <p:sldIdLst>
     <p:sldId id="256" r:id="rId2"/>
     <p:sldId id="259" r:id="rId3"/>
-    <p:sldId id="261" r:id="rId4"/>
-    <p:sldId id="260" r:id="rId5"/>
-    <p:sldId id="269" r:id="rId6"/>
-    <p:sldId id="262" r:id="rId7"/>
-    <p:sldId id="270" r:id="rId8"/>
-    <p:sldId id="257" r:id="rId9"/>
-    <p:sldId id="264" r:id="rId10"/>
-    <p:sldId id="265" r:id="rId11"/>
-    <p:sldId id="266" r:id="rId12"/>
-    <p:sldId id="267" r:id="rId13"/>
-    <p:sldId id="268" r:id="rId14"/>
+    <p:sldId id="271" r:id="rId4"/>
+    <p:sldId id="261" r:id="rId5"/>
+    <p:sldId id="262" r:id="rId6"/>
+    <p:sldId id="273" r:id="rId7"/>
+    <p:sldId id="272" r:id="rId8"/>
+    <p:sldId id="270" r:id="rId9"/>
+    <p:sldId id="257" r:id="rId10"/>
+    <p:sldId id="264" r:id="rId11"/>
+    <p:sldId id="265" r:id="rId12"/>
+    <p:sldId id="266" r:id="rId13"/>
+    <p:sldId id="267" r:id="rId14"/>
+    <p:sldId id="268" r:id="rId15"/>
   </p:sldIdLst>
   <p:sldSz cx="12192000" cy="6858000"/>
   <p:notesSz cx="7315200" cy="9601200"/>
@@ -2719,6 +2720,20 @@
         </c:scaling>
         <c:delete val="0"/>
         <c:axPos val="b"/>
+        <c:majorGridlines>
+          <c:spPr>
+            <a:ln w="9525" cap="flat" cmpd="sng" algn="ctr">
+              <a:solidFill>
+                <a:schemeClr val="tx1">
+                  <a:lumMod val="15000"/>
+                  <a:lumOff val="85000"/>
+                </a:schemeClr>
+              </a:solidFill>
+              <a:round/>
+            </a:ln>
+            <a:effectLst/>
+          </c:spPr>
+        </c:majorGridlines>
         <c:numFmt formatCode="mmm\-yy" sourceLinked="1"/>
         <c:majorTickMark val="none"/>
         <c:minorTickMark val="none"/>
@@ -3336,6 +3351,20 @@
         </c:scaling>
         <c:delete val="0"/>
         <c:axPos val="b"/>
+        <c:majorGridlines>
+          <c:spPr>
+            <a:ln w="9525" cap="flat" cmpd="sng" algn="ctr">
+              <a:solidFill>
+                <a:schemeClr val="tx1">
+                  <a:lumMod val="15000"/>
+                  <a:lumOff val="85000"/>
+                </a:schemeClr>
+              </a:solidFill>
+              <a:round/>
+            </a:ln>
+            <a:effectLst/>
+          </c:spPr>
+        </c:majorGridlines>
         <c:numFmt formatCode="mmm\-yy" sourceLinked="1"/>
         <c:majorTickMark val="none"/>
         <c:minorTickMark val="none"/>
@@ -4363,7 +4392,7 @@
           <c:smooth val="0"/>
           <c:extLst>
             <c:ext xmlns:c16="http://schemas.microsoft.com/office/drawing/2014/chart" uri="{C3380CC4-5D6E-409C-BE32-E72D297353CC}">
-              <c16:uniqueId val="{00000000-58E2-4576-A0C4-9FBEE2DAFD06}"/>
+              <c16:uniqueId val="{00000000-5AEA-4B61-8361-5E520E8583A7}"/>
             </c:ext>
           </c:extLst>
         </c:ser>
@@ -5206,7 +5235,7 @@
           <c:smooth val="0"/>
           <c:extLst>
             <c:ext xmlns:c16="http://schemas.microsoft.com/office/drawing/2014/chart" uri="{C3380CC4-5D6E-409C-BE32-E72D297353CC}">
-              <c16:uniqueId val="{00000001-58E2-4576-A0C4-9FBEE2DAFD06}"/>
+              <c16:uniqueId val="{00000001-5AEA-4B61-8361-5E520E8583A7}"/>
             </c:ext>
           </c:extLst>
         </c:ser>
@@ -6049,7 +6078,7 @@
           <c:smooth val="0"/>
           <c:extLst>
             <c:ext xmlns:c16="http://schemas.microsoft.com/office/drawing/2014/chart" uri="{C3380CC4-5D6E-409C-BE32-E72D297353CC}">
-              <c16:uniqueId val="{00000002-58E2-4576-A0C4-9FBEE2DAFD06}"/>
+              <c16:uniqueId val="{00000002-5AEA-4B61-8361-5E520E8583A7}"/>
             </c:ext>
           </c:extLst>
         </c:ser>
@@ -6892,7 +6921,7 @@
           <c:smooth val="0"/>
           <c:extLst>
             <c:ext xmlns:c16="http://schemas.microsoft.com/office/drawing/2014/chart" uri="{C3380CC4-5D6E-409C-BE32-E72D297353CC}">
-              <c16:uniqueId val="{00000003-58E2-4576-A0C4-9FBEE2DAFD06}"/>
+              <c16:uniqueId val="{00000003-5AEA-4B61-8361-5E520E8583A7}"/>
             </c:ext>
           </c:extLst>
         </c:ser>
@@ -6915,6 +6944,20 @@
         </c:scaling>
         <c:delete val="0"/>
         <c:axPos val="b"/>
+        <c:majorGridlines>
+          <c:spPr>
+            <a:ln w="9525" cap="flat" cmpd="sng" algn="ctr">
+              <a:solidFill>
+                <a:schemeClr val="tx1">
+                  <a:lumMod val="15000"/>
+                  <a:lumOff val="85000"/>
+                </a:schemeClr>
+              </a:solidFill>
+              <a:round/>
+            </a:ln>
+            <a:effectLst/>
+          </c:spPr>
+        </c:majorGridlines>
         <c:numFmt formatCode="mmm\-yy" sourceLinked="1"/>
         <c:majorTickMark val="none"/>
         <c:minorTickMark val="none"/>
@@ -7220,7 +7263,7 @@
           <c:smooth val="0"/>
           <c:extLst>
             <c:ext xmlns:c16="http://schemas.microsoft.com/office/drawing/2014/chart" uri="{C3380CC4-5D6E-409C-BE32-E72D297353CC}">
-              <c16:uniqueId val="{00000000-1283-4DB0-B044-7D4FDF6BADE2}"/>
+              <c16:uniqueId val="{00000000-2257-4DD7-A74D-C28B04BBF46E}"/>
             </c:ext>
           </c:extLst>
         </c:ser>
@@ -7343,7 +7386,7 @@
           <c:smooth val="0"/>
           <c:extLst>
             <c:ext xmlns:c16="http://schemas.microsoft.com/office/drawing/2014/chart" uri="{C3380CC4-5D6E-409C-BE32-E72D297353CC}">
-              <c16:uniqueId val="{00000001-1283-4DB0-B044-7D4FDF6BADE2}"/>
+              <c16:uniqueId val="{00000001-2257-4DD7-A74D-C28B04BBF46E}"/>
             </c:ext>
           </c:extLst>
         </c:ser>
@@ -7466,7 +7509,7 @@
           <c:smooth val="0"/>
           <c:extLst>
             <c:ext xmlns:c16="http://schemas.microsoft.com/office/drawing/2014/chart" uri="{C3380CC4-5D6E-409C-BE32-E72D297353CC}">
-              <c16:uniqueId val="{00000002-1283-4DB0-B044-7D4FDF6BADE2}"/>
+              <c16:uniqueId val="{00000002-2257-4DD7-A74D-C28B04BBF46E}"/>
             </c:ext>
           </c:extLst>
         </c:ser>
@@ -7589,7 +7632,7 @@
           <c:smooth val="0"/>
           <c:extLst>
             <c:ext xmlns:c16="http://schemas.microsoft.com/office/drawing/2014/chart" uri="{C3380CC4-5D6E-409C-BE32-E72D297353CC}">
-              <c16:uniqueId val="{00000003-1283-4DB0-B044-7D4FDF6BADE2}"/>
+              <c16:uniqueId val="{00000003-2257-4DD7-A74D-C28B04BBF46E}"/>
             </c:ext>
           </c:extLst>
         </c:ser>
@@ -7612,6 +7655,20 @@
         </c:scaling>
         <c:delete val="0"/>
         <c:axPos val="b"/>
+        <c:majorGridlines>
+          <c:spPr>
+            <a:ln w="9525" cap="flat" cmpd="sng" algn="ctr">
+              <a:solidFill>
+                <a:schemeClr val="tx1">
+                  <a:lumMod val="15000"/>
+                  <a:lumOff val="85000"/>
+                </a:schemeClr>
+              </a:solidFill>
+              <a:round/>
+            </a:ln>
+            <a:effectLst/>
+          </c:spPr>
+        </c:majorGridlines>
         <c:numFmt formatCode="mmm\-yy" sourceLinked="1"/>
         <c:majorTickMark val="none"/>
         <c:minorTickMark val="none"/>
@@ -7797,6 +7854,82 @@
       <c:layout/>
       <c:pieChart>
         <c:varyColors val="1"/>
+        <c:dLbls>
+          <c:dLblPos val="outEnd"/>
+          <c:showLegendKey val="0"/>
+          <c:showVal val="0"/>
+          <c:showCatName val="0"/>
+          <c:showSerName val="0"/>
+          <c:showPercent val="1"/>
+          <c:showBubbleSize val="0"/>
+          <c:showLeaderLines val="0"/>
+        </c:dLbls>
+        <c:firstSliceAng val="0"/>
+      </c:pieChart>
+      <c:spPr>
+        <a:noFill/>
+        <a:ln>
+          <a:noFill/>
+        </a:ln>
+        <a:effectLst/>
+      </c:spPr>
+    </c:plotArea>
+    <c:plotVisOnly val="1"/>
+    <c:dispBlanksAs val="gap"/>
+    <c:showDLblsOverMax val="0"/>
+  </c:chart>
+  <c:spPr>
+    <a:noFill/>
+    <a:ln>
+      <a:noFill/>
+    </a:ln>
+    <a:effectLst/>
+  </c:spPr>
+  <c:txPr>
+    <a:bodyPr/>
+    <a:lstStyle/>
+    <a:p>
+      <a:pPr>
+        <a:defRPr/>
+      </a:pPr>
+      <a:endParaRPr lang="ru-RU"/>
+    </a:p>
+  </c:txPr>
+  <c:externalData r:id="rId3">
+    <c:autoUpdate val="0"/>
+  </c:externalData>
+</c:chartSpace>
+</file>
+
+<file path=ppt/charts/chart6.xml><?xml version="1.0" encoding="utf-8"?>
+<c:chartSpace xmlns:c="http://schemas.openxmlformats.org/drawingml/2006/chart" xmlns:a="http://schemas.openxmlformats.org/drawingml/2006/main" xmlns:r="http://schemas.openxmlformats.org/officeDocument/2006/relationships" xmlns:c16r2="http://schemas.microsoft.com/office/drawing/2015/06/chart">
+  <c:date1904 val="0"/>
+  <c:lang val="ru-RU"/>
+  <c:roundedCorners val="0"/>
+  <mc:AlternateContent xmlns:mc="http://schemas.openxmlformats.org/markup-compatibility/2006">
+    <mc:Choice xmlns:c14="http://schemas.microsoft.com/office/drawing/2007/8/2/chart" Requires="c14">
+      <c14:style val="102"/>
+    </mc:Choice>
+    <mc:Fallback>
+      <c:style val="2"/>
+    </mc:Fallback>
+  </mc:AlternateContent>
+  <c:chart>
+    <c:autoTitleDeleted val="1"/>
+    <c:plotArea>
+      <c:layout>
+        <c:manualLayout>
+          <c:layoutTarget val="inner"/>
+          <c:xMode val="edge"/>
+          <c:yMode val="edge"/>
+          <c:x val="8.3225772377484256E-2"/>
+          <c:y val="0.10547915052332843"/>
+          <c:w val="0.32781915281423157"/>
+          <c:h val="0.80693945308118531"/>
+        </c:manualLayout>
+      </c:layout>
+      <c:pieChart>
+        <c:varyColors val="1"/>
         <c:ser>
           <c:idx val="0"/>
           <c:order val="0"/>
@@ -7806,7 +7939,7 @@
               <c:strCache>
                 <c:ptCount val="1"/>
                 <c:pt idx="0">
-                  <c:v>Продажи</c:v>
+                  <c:v>Угрозы</c:v>
                 </c:pt>
               </c:strCache>
             </c:strRef>
@@ -7816,22 +7949,21 @@
             <c:bubble3D val="0"/>
             <c:spPr>
               <a:solidFill>
-                <a:schemeClr val="accent1"/>
+                <a:schemeClr val="tx2">
+                  <a:lumMod val="40000"/>
+                  <a:lumOff val="60000"/>
+                </a:schemeClr>
               </a:solidFill>
-              <a:ln>
-                <a:noFill/>
+              <a:ln w="19050">
+                <a:solidFill>
+                  <a:schemeClr val="lt1"/>
+                </a:solidFill>
               </a:ln>
-              <a:effectLst>
-                <a:outerShdw blurRad="63500" sx="102000" sy="102000" algn="ctr" rotWithShape="0">
-                  <a:prstClr val="black">
-                    <a:alpha val="20000"/>
-                  </a:prstClr>
-                </a:outerShdw>
-              </a:effectLst>
+              <a:effectLst/>
             </c:spPr>
             <c:extLst>
               <c:ext xmlns:c16="http://schemas.microsoft.com/office/drawing/2014/chart" uri="{C3380CC4-5D6E-409C-BE32-E72D297353CC}">
-                <c16:uniqueId val="{00000001-B01C-4F9D-BBA4-03B68933040F}"/>
+                <c16:uniqueId val="{00000001-AF5F-4697-AEBD-D67734C3F699}"/>
               </c:ext>
             </c:extLst>
           </c:dPt>
@@ -7840,22 +7972,21 @@
             <c:bubble3D val="0"/>
             <c:spPr>
               <a:solidFill>
-                <a:schemeClr val="accent2"/>
+                <a:schemeClr val="accent2">
+                  <a:lumMod val="60000"/>
+                  <a:lumOff val="40000"/>
+                </a:schemeClr>
               </a:solidFill>
-              <a:ln>
-                <a:noFill/>
+              <a:ln w="19050">
+                <a:solidFill>
+                  <a:schemeClr val="lt1"/>
+                </a:solidFill>
               </a:ln>
-              <a:effectLst>
-                <a:outerShdw blurRad="63500" sx="102000" sy="102000" algn="ctr" rotWithShape="0">
-                  <a:prstClr val="black">
-                    <a:alpha val="20000"/>
-                  </a:prstClr>
-                </a:outerShdw>
-              </a:effectLst>
+              <a:effectLst/>
             </c:spPr>
             <c:extLst>
               <c:ext xmlns:c16="http://schemas.microsoft.com/office/drawing/2014/chart" uri="{C3380CC4-5D6E-409C-BE32-E72D297353CC}">
-                <c16:uniqueId val="{00000002-B01C-4F9D-BBA4-03B68933040F}"/>
+                <c16:uniqueId val="{00000003-AF5F-4697-AEBD-D67734C3F699}"/>
               </c:ext>
             </c:extLst>
           </c:dPt>
@@ -7864,22 +7995,18 @@
             <c:bubble3D val="0"/>
             <c:spPr>
               <a:solidFill>
-                <a:schemeClr val="accent3"/>
+                <a:srgbClr val="92D050"/>
               </a:solidFill>
-              <a:ln>
-                <a:noFill/>
+              <a:ln w="19050">
+                <a:solidFill>
+                  <a:schemeClr val="lt1"/>
+                </a:solidFill>
               </a:ln>
-              <a:effectLst>
-                <a:outerShdw blurRad="63500" sx="102000" sy="102000" algn="ctr" rotWithShape="0">
-                  <a:prstClr val="black">
-                    <a:alpha val="20000"/>
-                  </a:prstClr>
-                </a:outerShdw>
-              </a:effectLst>
+              <a:effectLst/>
             </c:spPr>
             <c:extLst>
               <c:ext xmlns:c16="http://schemas.microsoft.com/office/drawing/2014/chart" uri="{C3380CC4-5D6E-409C-BE32-E72D297353CC}">
-                <c16:uniqueId val="{00000003-B01C-4F9D-BBA4-03B68933040F}"/>
+                <c16:uniqueId val="{00000005-AF5F-4697-AEBD-D67734C3F699}"/>
               </c:ext>
             </c:extLst>
           </c:dPt>
@@ -7888,22 +8015,21 @@
             <c:bubble3D val="0"/>
             <c:spPr>
               <a:solidFill>
-                <a:schemeClr val="accent4"/>
+                <a:schemeClr val="accent4">
+                  <a:lumMod val="60000"/>
+                  <a:lumOff val="40000"/>
+                </a:schemeClr>
               </a:solidFill>
-              <a:ln>
-                <a:noFill/>
+              <a:ln w="19050">
+                <a:solidFill>
+                  <a:schemeClr val="lt1"/>
+                </a:solidFill>
               </a:ln>
-              <a:effectLst>
-                <a:outerShdw blurRad="63500" sx="102000" sy="102000" algn="ctr" rotWithShape="0">
-                  <a:prstClr val="black">
-                    <a:alpha val="20000"/>
-                  </a:prstClr>
-                </a:outerShdw>
-              </a:effectLst>
+              <a:effectLst/>
             </c:spPr>
             <c:extLst>
               <c:ext xmlns:c16="http://schemas.microsoft.com/office/drawing/2014/chart" uri="{C3380CC4-5D6E-409C-BE32-E72D297353CC}">
-                <c16:uniqueId val="{00000004-B01C-4F9D-BBA4-03B68933040F}"/>
+                <c16:uniqueId val="{00000007-AF5F-4697-AEBD-D67734C3F699}"/>
               </c:ext>
             </c:extLst>
           </c:dPt>
@@ -7912,22 +8038,20 @@
             <c:bubble3D val="0"/>
             <c:spPr>
               <a:solidFill>
-                <a:schemeClr val="accent5"/>
+                <a:schemeClr val="bg2">
+                  <a:lumMod val="50000"/>
+                </a:schemeClr>
               </a:solidFill>
-              <a:ln>
-                <a:noFill/>
+              <a:ln w="19050">
+                <a:solidFill>
+                  <a:schemeClr val="lt1"/>
+                </a:solidFill>
               </a:ln>
-              <a:effectLst>
-                <a:outerShdw blurRad="63500" sx="102000" sy="102000" algn="ctr" rotWithShape="0">
-                  <a:prstClr val="black">
-                    <a:alpha val="20000"/>
-                  </a:prstClr>
-                </a:outerShdw>
-              </a:effectLst>
+              <a:effectLst/>
             </c:spPr>
             <c:extLst>
               <c:ext xmlns:c16="http://schemas.microsoft.com/office/drawing/2014/chart" uri="{C3380CC4-5D6E-409C-BE32-E72D297353CC}">
-                <c16:uniqueId val="{00000005-B01C-4F9D-BBA4-03B68933040F}"/>
+                <c16:uniqueId val="{00000009-AF5F-4697-AEBD-D67734C3F699}"/>
               </c:ext>
             </c:extLst>
           </c:dPt>
@@ -7938,46 +8062,31 @@
               <a:solidFill>
                 <a:schemeClr val="accent6"/>
               </a:solidFill>
-              <a:ln>
-                <a:noFill/>
+              <a:ln w="19050">
+                <a:solidFill>
+                  <a:schemeClr val="lt1"/>
+                </a:solidFill>
               </a:ln>
-              <a:effectLst>
-                <a:outerShdw blurRad="63500" sx="102000" sy="102000" algn="ctr" rotWithShape="0">
-                  <a:prstClr val="black">
-                    <a:alpha val="20000"/>
-                  </a:prstClr>
-                </a:outerShdw>
-              </a:effectLst>
+              <a:effectLst/>
             </c:spPr>
-            <c:extLst>
-              <c:ext xmlns:c16="http://schemas.microsoft.com/office/drawing/2014/chart" uri="{C3380CC4-5D6E-409C-BE32-E72D297353CC}">
-                <c16:uniqueId val="{00000006-B01C-4F9D-BBA4-03B68933040F}"/>
-              </c:ext>
-            </c:extLst>
           </c:dPt>
           <c:dPt>
             <c:idx val="6"/>
             <c:bubble3D val="0"/>
             <c:spPr>
               <a:solidFill>
-                <a:schemeClr val="accent1">
-                  <a:lumMod val="60000"/>
-                </a:schemeClr>
+                <a:srgbClr val="00B0F0"/>
               </a:solidFill>
-              <a:ln>
-                <a:noFill/>
+              <a:ln w="19050">
+                <a:solidFill>
+                  <a:schemeClr val="lt1"/>
+                </a:solidFill>
               </a:ln>
-              <a:effectLst>
-                <a:outerShdw blurRad="63500" sx="102000" sy="102000" algn="ctr" rotWithShape="0">
-                  <a:prstClr val="black">
-                    <a:alpha val="20000"/>
-                  </a:prstClr>
-                </a:outerShdw>
-              </a:effectLst>
+              <a:effectLst/>
             </c:spPr>
             <c:extLst>
               <c:ext xmlns:c16="http://schemas.microsoft.com/office/drawing/2014/chart" uri="{C3380CC4-5D6E-409C-BE32-E72D297353CC}">
-                <c16:uniqueId val="{00000007-B01C-4F9D-BBA4-03B68933040F}"/>
+                <c16:uniqueId val="{0000000B-AF5F-4697-AEBD-D67734C3F699}"/>
               </c:ext>
             </c:extLst>
           </c:dPt>
@@ -7986,24 +8095,18 @@
             <c:bubble3D val="0"/>
             <c:spPr>
               <a:solidFill>
-                <a:schemeClr val="accent2">
-                  <a:lumMod val="60000"/>
-                </a:schemeClr>
+                <a:srgbClr val="FF5050"/>
               </a:solidFill>
-              <a:ln>
-                <a:noFill/>
+              <a:ln w="19050">
+                <a:solidFill>
+                  <a:schemeClr val="lt1"/>
+                </a:solidFill>
               </a:ln>
-              <a:effectLst>
-                <a:outerShdw blurRad="63500" sx="102000" sy="102000" algn="ctr" rotWithShape="0">
-                  <a:prstClr val="black">
-                    <a:alpha val="20000"/>
-                  </a:prstClr>
-                </a:outerShdw>
-              </a:effectLst>
+              <a:effectLst/>
             </c:spPr>
             <c:extLst>
               <c:ext xmlns:c16="http://schemas.microsoft.com/office/drawing/2014/chart" uri="{C3380CC4-5D6E-409C-BE32-E72D297353CC}">
-                <c16:uniqueId val="{00000008-B01C-4F9D-BBA4-03B68933040F}"/>
+                <c16:uniqueId val="{0000000C-AF5F-4697-AEBD-D67734C3F699}"/>
               </c:ext>
             </c:extLst>
           </c:dPt>
@@ -8012,407 +8115,54 @@
             <c:bubble3D val="0"/>
             <c:spPr>
               <a:solidFill>
-                <a:schemeClr val="accent3">
-                  <a:lumMod val="60000"/>
-                </a:schemeClr>
+                <a:srgbClr val="42D268"/>
               </a:solidFill>
-              <a:ln>
-                <a:noFill/>
+              <a:ln w="19050">
+                <a:solidFill>
+                  <a:schemeClr val="lt1"/>
+                </a:solidFill>
               </a:ln>
-              <a:effectLst>
-                <a:outerShdw blurRad="63500" sx="102000" sy="102000" algn="ctr" rotWithShape="0">
-                  <a:prstClr val="black">
-                    <a:alpha val="20000"/>
-                  </a:prstClr>
-                </a:outerShdw>
-              </a:effectLst>
+              <a:effectLst/>
             </c:spPr>
             <c:extLst>
               <c:ext xmlns:c16="http://schemas.microsoft.com/office/drawing/2014/chart" uri="{C3380CC4-5D6E-409C-BE32-E72D297353CC}">
-                <c16:uniqueId val="{00000009-B01C-4F9D-BBA4-03B68933040F}"/>
+                <c16:uniqueId val="{0000000D-AF5F-4697-AEBD-D67734C3F699}"/>
               </c:ext>
             </c:extLst>
           </c:dPt>
           <c:dLbls>
-            <c:dLbl>
-              <c:idx val="0"/>
-              <c:spPr>
+            <c:spPr>
+              <a:noFill/>
+              <a:ln>
                 <a:noFill/>
-                <a:ln>
-                  <a:noFill/>
-                </a:ln>
-                <a:effectLst/>
-              </c:spPr>
-              <c:txPr>
-                <a:bodyPr rot="0" spcFirstLastPara="1" vertOverflow="ellipsis" vert="horz" wrap="square" lIns="38100" tIns="19050" rIns="38100" bIns="19050" anchor="ctr" anchorCtr="1">
-                  <a:spAutoFit/>
-                </a:bodyPr>
-                <a:lstStyle/>
-                <a:p>
-                  <a:pPr>
-                    <a:defRPr sz="1330" b="1" i="0" u="none" strike="noStrike" kern="1200" spc="0" baseline="0">
-                      <a:solidFill>
-                        <a:schemeClr val="accent1"/>
-                      </a:solidFill>
-                      <a:latin typeface="+mn-lt"/>
-                      <a:ea typeface="+mn-ea"/>
-                      <a:cs typeface="+mn-cs"/>
-                    </a:defRPr>
-                  </a:pPr>
-                  <a:endParaRPr lang="ru-RU"/>
-                </a:p>
-              </c:txPr>
-              <c:dLblPos val="outEnd"/>
-              <c:showLegendKey val="0"/>
-              <c:showVal val="0"/>
-              <c:showCatName val="1"/>
-              <c:showSerName val="0"/>
-              <c:showPercent val="1"/>
-              <c:showBubbleSize val="0"/>
-              <c:extLst>
-                <c:ext xmlns:c16="http://schemas.microsoft.com/office/drawing/2014/chart" uri="{C3380CC4-5D6E-409C-BE32-E72D297353CC}">
-                  <c16:uniqueId val="{00000001-B01C-4F9D-BBA4-03B68933040F}"/>
-                </c:ext>
-              </c:extLst>
-            </c:dLbl>
-            <c:dLbl>
-              <c:idx val="1"/>
-              <c:spPr>
-                <a:noFill/>
-                <a:ln>
-                  <a:noFill/>
-                </a:ln>
-                <a:effectLst/>
-              </c:spPr>
-              <c:txPr>
-                <a:bodyPr rot="0" spcFirstLastPara="1" vertOverflow="ellipsis" vert="horz" wrap="square" lIns="38100" tIns="19050" rIns="38100" bIns="19050" anchor="ctr" anchorCtr="1">
-                  <a:spAutoFit/>
-                </a:bodyPr>
-                <a:lstStyle/>
-                <a:p>
-                  <a:pPr>
-                    <a:defRPr sz="1330" b="1" i="0" u="none" strike="noStrike" kern="1200" spc="0" baseline="0">
-                      <a:solidFill>
-                        <a:schemeClr val="accent2"/>
-                      </a:solidFill>
-                      <a:latin typeface="+mn-lt"/>
-                      <a:ea typeface="+mn-ea"/>
-                      <a:cs typeface="+mn-cs"/>
-                    </a:defRPr>
-                  </a:pPr>
-                  <a:endParaRPr lang="ru-RU"/>
-                </a:p>
-              </c:txPr>
-              <c:dLblPos val="outEnd"/>
-              <c:showLegendKey val="0"/>
-              <c:showVal val="0"/>
-              <c:showCatName val="1"/>
-              <c:showSerName val="0"/>
-              <c:showPercent val="1"/>
-              <c:showBubbleSize val="0"/>
-              <c:extLst>
-                <c:ext xmlns:c16="http://schemas.microsoft.com/office/drawing/2014/chart" uri="{C3380CC4-5D6E-409C-BE32-E72D297353CC}">
-                  <c16:uniqueId val="{00000002-B01C-4F9D-BBA4-03B68933040F}"/>
-                </c:ext>
-              </c:extLst>
-            </c:dLbl>
-            <c:dLbl>
-              <c:idx val="2"/>
-              <c:spPr>
-                <a:noFill/>
-                <a:ln>
-                  <a:noFill/>
-                </a:ln>
-                <a:effectLst/>
-              </c:spPr>
-              <c:txPr>
-                <a:bodyPr rot="0" spcFirstLastPara="1" vertOverflow="ellipsis" vert="horz" wrap="square" lIns="38100" tIns="19050" rIns="38100" bIns="19050" anchor="ctr" anchorCtr="1">
-                  <a:spAutoFit/>
-                </a:bodyPr>
-                <a:lstStyle/>
-                <a:p>
-                  <a:pPr>
-                    <a:defRPr sz="1330" b="1" i="0" u="none" strike="noStrike" kern="1200" spc="0" baseline="0">
-                      <a:solidFill>
-                        <a:schemeClr val="accent3"/>
-                      </a:solidFill>
-                      <a:latin typeface="+mn-lt"/>
-                      <a:ea typeface="+mn-ea"/>
-                      <a:cs typeface="+mn-cs"/>
-                    </a:defRPr>
-                  </a:pPr>
-                  <a:endParaRPr lang="ru-RU"/>
-                </a:p>
-              </c:txPr>
-              <c:dLblPos val="outEnd"/>
-              <c:showLegendKey val="0"/>
-              <c:showVal val="0"/>
-              <c:showCatName val="1"/>
-              <c:showSerName val="0"/>
-              <c:showPercent val="1"/>
-              <c:showBubbleSize val="0"/>
-              <c:extLst>
-                <c:ext xmlns:c16="http://schemas.microsoft.com/office/drawing/2014/chart" uri="{C3380CC4-5D6E-409C-BE32-E72D297353CC}">
-                  <c16:uniqueId val="{00000003-B01C-4F9D-BBA4-03B68933040F}"/>
-                </c:ext>
-              </c:extLst>
-            </c:dLbl>
-            <c:dLbl>
-              <c:idx val="3"/>
-              <c:spPr>
-                <a:noFill/>
-                <a:ln>
-                  <a:noFill/>
-                </a:ln>
-                <a:effectLst/>
-              </c:spPr>
-              <c:txPr>
-                <a:bodyPr rot="0" spcFirstLastPara="1" vertOverflow="ellipsis" vert="horz" wrap="square" lIns="38100" tIns="19050" rIns="38100" bIns="19050" anchor="ctr" anchorCtr="1">
-                  <a:spAutoFit/>
-                </a:bodyPr>
-                <a:lstStyle/>
-                <a:p>
-                  <a:pPr>
-                    <a:defRPr sz="1330" b="1" i="0" u="none" strike="noStrike" kern="1200" spc="0" baseline="0">
-                      <a:solidFill>
-                        <a:schemeClr val="accent4"/>
-                      </a:solidFill>
-                      <a:latin typeface="+mn-lt"/>
-                      <a:ea typeface="+mn-ea"/>
-                      <a:cs typeface="+mn-cs"/>
-                    </a:defRPr>
-                  </a:pPr>
-                  <a:endParaRPr lang="ru-RU"/>
-                </a:p>
-              </c:txPr>
-              <c:dLblPos val="outEnd"/>
-              <c:showLegendKey val="0"/>
-              <c:showVal val="0"/>
-              <c:showCatName val="1"/>
-              <c:showSerName val="0"/>
-              <c:showPercent val="1"/>
-              <c:showBubbleSize val="0"/>
-              <c:extLst>
-                <c:ext xmlns:c16="http://schemas.microsoft.com/office/drawing/2014/chart" uri="{C3380CC4-5D6E-409C-BE32-E72D297353CC}">
-                  <c16:uniqueId val="{00000004-B01C-4F9D-BBA4-03B68933040F}"/>
-                </c:ext>
-              </c:extLst>
-            </c:dLbl>
-            <c:dLbl>
-              <c:idx val="4"/>
-              <c:spPr>
-                <a:noFill/>
-                <a:ln>
-                  <a:noFill/>
-                </a:ln>
-                <a:effectLst/>
-              </c:spPr>
-              <c:txPr>
-                <a:bodyPr rot="0" spcFirstLastPara="1" vertOverflow="ellipsis" vert="horz" wrap="square" lIns="38100" tIns="19050" rIns="38100" bIns="19050" anchor="ctr" anchorCtr="1">
-                  <a:spAutoFit/>
-                </a:bodyPr>
-                <a:lstStyle/>
-                <a:p>
-                  <a:pPr>
-                    <a:defRPr sz="1330" b="1" i="0" u="none" strike="noStrike" kern="1200" spc="0" baseline="0">
-                      <a:solidFill>
-                        <a:schemeClr val="accent5"/>
-                      </a:solidFill>
-                      <a:latin typeface="+mn-lt"/>
-                      <a:ea typeface="+mn-ea"/>
-                      <a:cs typeface="+mn-cs"/>
-                    </a:defRPr>
-                  </a:pPr>
-                  <a:endParaRPr lang="ru-RU"/>
-                </a:p>
-              </c:txPr>
-              <c:dLblPos val="outEnd"/>
-              <c:showLegendKey val="0"/>
-              <c:showVal val="0"/>
-              <c:showCatName val="1"/>
-              <c:showSerName val="0"/>
-              <c:showPercent val="1"/>
-              <c:showBubbleSize val="0"/>
-              <c:extLst>
-                <c:ext xmlns:c16="http://schemas.microsoft.com/office/drawing/2014/chart" uri="{C3380CC4-5D6E-409C-BE32-E72D297353CC}">
-                  <c16:uniqueId val="{00000005-B01C-4F9D-BBA4-03B68933040F}"/>
-                </c:ext>
-              </c:extLst>
-            </c:dLbl>
-            <c:dLbl>
-              <c:idx val="5"/>
-              <c:spPr>
-                <a:noFill/>
-                <a:ln>
-                  <a:noFill/>
-                </a:ln>
-                <a:effectLst/>
-              </c:spPr>
-              <c:txPr>
-                <a:bodyPr rot="0" spcFirstLastPara="1" vertOverflow="ellipsis" vert="horz" wrap="square" lIns="38100" tIns="19050" rIns="38100" bIns="19050" anchor="ctr" anchorCtr="1">
-                  <a:spAutoFit/>
-                </a:bodyPr>
-                <a:lstStyle/>
-                <a:p>
-                  <a:pPr>
-                    <a:defRPr sz="1330" b="1" i="0" u="none" strike="noStrike" kern="1200" spc="0" baseline="0">
-                      <a:solidFill>
-                        <a:schemeClr val="accent6"/>
-                      </a:solidFill>
-                      <a:latin typeface="+mn-lt"/>
-                      <a:ea typeface="+mn-ea"/>
-                      <a:cs typeface="+mn-cs"/>
-                    </a:defRPr>
-                  </a:pPr>
-                  <a:endParaRPr lang="ru-RU"/>
-                </a:p>
-              </c:txPr>
-              <c:dLblPos val="outEnd"/>
-              <c:showLegendKey val="0"/>
-              <c:showVal val="0"/>
-              <c:showCatName val="1"/>
-              <c:showSerName val="0"/>
-              <c:showPercent val="1"/>
-              <c:showBubbleSize val="0"/>
-              <c:extLst>
-                <c:ext xmlns:c16="http://schemas.microsoft.com/office/drawing/2014/chart" uri="{C3380CC4-5D6E-409C-BE32-E72D297353CC}">
-                  <c16:uniqueId val="{00000006-B01C-4F9D-BBA4-03B68933040F}"/>
-                </c:ext>
-              </c:extLst>
-            </c:dLbl>
-            <c:dLbl>
-              <c:idx val="6"/>
-              <c:spPr>
-                <a:noFill/>
-                <a:ln>
-                  <a:noFill/>
-                </a:ln>
-                <a:effectLst/>
-              </c:spPr>
-              <c:txPr>
-                <a:bodyPr rot="0" spcFirstLastPara="1" vertOverflow="ellipsis" vert="horz" wrap="square" lIns="38100" tIns="19050" rIns="38100" bIns="19050" anchor="ctr" anchorCtr="1">
-                  <a:spAutoFit/>
-                </a:bodyPr>
-                <a:lstStyle/>
-                <a:p>
-                  <a:pPr>
-                    <a:defRPr sz="1330" b="1" i="0" u="none" strike="noStrike" kern="1200" spc="0" baseline="0">
-                      <a:solidFill>
-                        <a:schemeClr val="accent1">
-                          <a:lumMod val="60000"/>
-                        </a:schemeClr>
-                      </a:solidFill>
-                      <a:latin typeface="+mn-lt"/>
-                      <a:ea typeface="+mn-ea"/>
-                      <a:cs typeface="+mn-cs"/>
-                    </a:defRPr>
-                  </a:pPr>
-                  <a:endParaRPr lang="ru-RU"/>
-                </a:p>
-              </c:txPr>
-              <c:dLblPos val="outEnd"/>
-              <c:showLegendKey val="0"/>
-              <c:showVal val="0"/>
-              <c:showCatName val="1"/>
-              <c:showSerName val="0"/>
-              <c:showPercent val="1"/>
-              <c:showBubbleSize val="0"/>
-              <c:extLst>
-                <c:ext xmlns:c16="http://schemas.microsoft.com/office/drawing/2014/chart" uri="{C3380CC4-5D6E-409C-BE32-E72D297353CC}">
-                  <c16:uniqueId val="{00000007-B01C-4F9D-BBA4-03B68933040F}"/>
-                </c:ext>
-              </c:extLst>
-            </c:dLbl>
-            <c:dLbl>
-              <c:idx val="7"/>
-              <c:spPr>
-                <a:noFill/>
-                <a:ln>
-                  <a:noFill/>
-                </a:ln>
-                <a:effectLst/>
-              </c:spPr>
-              <c:txPr>
-                <a:bodyPr rot="0" spcFirstLastPara="1" vertOverflow="ellipsis" vert="horz" wrap="square" lIns="38100" tIns="19050" rIns="38100" bIns="19050" anchor="ctr" anchorCtr="1">
-                  <a:spAutoFit/>
-                </a:bodyPr>
-                <a:lstStyle/>
-                <a:p>
-                  <a:pPr>
-                    <a:defRPr sz="1330" b="1" i="0" u="none" strike="noStrike" kern="1200" spc="0" baseline="0">
-                      <a:solidFill>
-                        <a:schemeClr val="accent2">
-                          <a:lumMod val="60000"/>
-                        </a:schemeClr>
-                      </a:solidFill>
-                      <a:latin typeface="+mn-lt"/>
-                      <a:ea typeface="+mn-ea"/>
-                      <a:cs typeface="+mn-cs"/>
-                    </a:defRPr>
-                  </a:pPr>
-                  <a:endParaRPr lang="ru-RU"/>
-                </a:p>
-              </c:txPr>
-              <c:dLblPos val="outEnd"/>
-              <c:showLegendKey val="0"/>
-              <c:showVal val="0"/>
-              <c:showCatName val="1"/>
-              <c:showSerName val="0"/>
-              <c:showPercent val="1"/>
-              <c:showBubbleSize val="0"/>
-              <c:extLst>
-                <c:ext xmlns:c16="http://schemas.microsoft.com/office/drawing/2014/chart" uri="{C3380CC4-5D6E-409C-BE32-E72D297353CC}">
-                  <c16:uniqueId val="{00000008-B01C-4F9D-BBA4-03B68933040F}"/>
-                </c:ext>
-              </c:extLst>
-            </c:dLbl>
-            <c:dLbl>
-              <c:idx val="8"/>
-              <c:spPr>
-                <a:noFill/>
-                <a:ln>
-                  <a:noFill/>
-                </a:ln>
-                <a:effectLst/>
-              </c:spPr>
-              <c:txPr>
-                <a:bodyPr rot="0" spcFirstLastPara="1" vertOverflow="ellipsis" vert="horz" wrap="square" lIns="38100" tIns="19050" rIns="38100" bIns="19050" anchor="ctr" anchorCtr="1">
-                  <a:spAutoFit/>
-                </a:bodyPr>
-                <a:lstStyle/>
-                <a:p>
-                  <a:pPr>
-                    <a:defRPr sz="1330" b="1" i="0" u="none" strike="noStrike" kern="1200" spc="0" baseline="0">
-                      <a:solidFill>
-                        <a:schemeClr val="accent3">
-                          <a:lumMod val="60000"/>
-                        </a:schemeClr>
-                      </a:solidFill>
-                      <a:latin typeface="+mn-lt"/>
-                      <a:ea typeface="+mn-ea"/>
-                      <a:cs typeface="+mn-cs"/>
-                    </a:defRPr>
-                  </a:pPr>
-                  <a:endParaRPr lang="ru-RU"/>
-                </a:p>
-              </c:txPr>
-              <c:dLblPos val="outEnd"/>
-              <c:showLegendKey val="0"/>
-              <c:showVal val="0"/>
-              <c:showCatName val="1"/>
-              <c:showSerName val="0"/>
-              <c:showPercent val="1"/>
-              <c:showBubbleSize val="0"/>
-              <c:extLst>
-                <c:ext xmlns:c16="http://schemas.microsoft.com/office/drawing/2014/chart" uri="{C3380CC4-5D6E-409C-BE32-E72D297353CC}">
-                  <c16:uniqueId val="{00000009-B01C-4F9D-BBA4-03B68933040F}"/>
-                </c:ext>
-              </c:extLst>
-            </c:dLbl>
-            <c:dLblPos val="outEnd"/>
+              </a:ln>
+              <a:effectLst/>
+            </c:spPr>
+            <c:txPr>
+              <a:bodyPr rot="0" spcFirstLastPara="1" vertOverflow="ellipsis" vert="horz" wrap="square" lIns="38100" tIns="19050" rIns="38100" bIns="19050" anchor="ctr" anchorCtr="1">
+                <a:spAutoFit/>
+              </a:bodyPr>
+              <a:lstStyle/>
+              <a:p>
+                <a:pPr>
+                  <a:defRPr sz="2300" b="0" i="0" u="none" strike="noStrike" kern="1200" baseline="0">
+                    <a:solidFill>
+                      <a:schemeClr val="tx1">
+                        <a:lumMod val="75000"/>
+                        <a:lumOff val="25000"/>
+                      </a:schemeClr>
+                    </a:solidFill>
+                    <a:latin typeface="Calibri" panose="020F0502020204030204" pitchFamily="34" charset="0"/>
+                    <a:ea typeface="+mn-ea"/>
+                    <a:cs typeface="Calibri" panose="020F0502020204030204" pitchFamily="34" charset="0"/>
+                  </a:defRPr>
+                </a:pPr>
+                <a:endParaRPr lang="ru-RU"/>
+              </a:p>
+            </c:txPr>
             <c:showLegendKey val="0"/>
             <c:showVal val="0"/>
-            <c:showCatName val="1"/>
+            <c:showCatName val="0"/>
             <c:showSerName val="0"/>
             <c:showPercent val="1"/>
             <c:showBubbleSize val="0"/>
@@ -8449,25 +8199,25 @@
                   <c:v>Действия сотрудников</c:v>
                 </c:pt>
                 <c:pt idx="2">
+                  <c:v>Фишинг</c:v>
+                </c:pt>
+                <c:pt idx="3">
                   <c:v>Инсайдеры</c:v>
-                </c:pt>
-                <c:pt idx="3">
-                  <c:v>Фишинг</c:v>
                 </c:pt>
                 <c:pt idx="4">
                   <c:v>DDoS атаки</c:v>
                 </c:pt>
                 <c:pt idx="5">
-                  <c:v>Эксполиты</c:v>
+                  <c:v>Кража оборудования</c:v>
                 </c:pt>
                 <c:pt idx="6">
                   <c:v>Криптеры</c:v>
                 </c:pt>
                 <c:pt idx="7">
-                  <c:v>Кража оборудования</c:v>
+                  <c:v>Таргетированная атака</c:v>
                 </c:pt>
                 <c:pt idx="8">
-                  <c:v>Таргетированная атака</c:v>
+                  <c:v>Эксплойты</c:v>
                 </c:pt>
               </c:strCache>
             </c:strRef>
@@ -8479,43 +8229,42 @@
                 <c:formatCode>General</c:formatCode>
                 <c:ptCount val="9"/>
                 <c:pt idx="0">
-                  <c:v>19</c:v>
+                  <c:v>26</c:v>
                 </c:pt>
                 <c:pt idx="1">
-                  <c:v>12</c:v>
+                  <c:v>16</c:v>
                 </c:pt>
                 <c:pt idx="2">
-                  <c:v>6</c:v>
+                  <c:v>10</c:v>
                 </c:pt>
                 <c:pt idx="3">
+                  <c:v>8</c:v>
+                </c:pt>
+                <c:pt idx="4">
+                  <c:v>10</c:v>
+                </c:pt>
+                <c:pt idx="5">
+                  <c:v>10</c:v>
+                </c:pt>
+                <c:pt idx="6">
                   <c:v>7</c:v>
                 </c:pt>
-                <c:pt idx="4">
-                  <c:v>7</c:v>
-                </c:pt>
-                <c:pt idx="5">
-                  <c:v>4</c:v>
-                </c:pt>
-                <c:pt idx="6">
+                <c:pt idx="7">
+                  <c:v>8</c:v>
+                </c:pt>
+                <c:pt idx="8">
                   <c:v>5</c:v>
-                </c:pt>
-                <c:pt idx="7">
-                  <c:v>7</c:v>
-                </c:pt>
-                <c:pt idx="8">
-                  <c:v>6</c:v>
                 </c:pt>
               </c:numCache>
             </c:numRef>
           </c:val>
           <c:extLst>
             <c:ext xmlns:c16="http://schemas.microsoft.com/office/drawing/2014/chart" uri="{C3380CC4-5D6E-409C-BE32-E72D297353CC}">
-              <c16:uniqueId val="{00000000-B01C-4F9D-BBA4-03B68933040F}"/>
+              <c16:uniqueId val="{0000000A-AF5F-4697-AEBD-D67734C3F699}"/>
             </c:ext>
           </c:extLst>
         </c:ser>
         <c:dLbls>
-          <c:dLblPos val="outEnd"/>
           <c:showLegendKey val="0"/>
           <c:showVal val="0"/>
           <c:showCatName val="0"/>
@@ -8534,6 +8283,395 @@
         <a:effectLst/>
       </c:spPr>
     </c:plotArea>
+    <c:legend>
+      <c:legendPos val="b"/>
+      <c:layout>
+        <c:manualLayout>
+          <c:xMode val="edge"/>
+          <c:yMode val="edge"/>
+          <c:x val="0.42639956339683155"/>
+          <c:y val="0.12690166493658817"/>
+          <c:w val="0.48645809811391533"/>
+          <c:h val="0.77699752319692428"/>
+        </c:manualLayout>
+      </c:layout>
+      <c:overlay val="0"/>
+      <c:spPr>
+        <a:noFill/>
+        <a:ln>
+          <a:noFill/>
+        </a:ln>
+        <a:effectLst/>
+      </c:spPr>
+      <c:txPr>
+        <a:bodyPr rot="0" spcFirstLastPara="1" vertOverflow="ellipsis" vert="horz" wrap="square" anchor="ctr" anchorCtr="1"/>
+        <a:lstStyle/>
+        <a:p>
+          <a:pPr>
+            <a:defRPr sz="2300" b="0" i="0" u="none" strike="noStrike" kern="1200" baseline="0">
+              <a:solidFill>
+                <a:schemeClr val="tx1">
+                  <a:lumMod val="65000"/>
+                  <a:lumOff val="35000"/>
+                </a:schemeClr>
+              </a:solidFill>
+              <a:latin typeface="Calibri" panose="020F0502020204030204" pitchFamily="34" charset="0"/>
+              <a:ea typeface="+mn-ea"/>
+              <a:cs typeface="Calibri" panose="020F0502020204030204" pitchFamily="34" charset="0"/>
+            </a:defRPr>
+          </a:pPr>
+          <a:endParaRPr lang="ru-RU"/>
+        </a:p>
+      </c:txPr>
+    </c:legend>
+    <c:plotVisOnly val="1"/>
+    <c:dispBlanksAs val="gap"/>
+    <c:showDLblsOverMax val="0"/>
+  </c:chart>
+  <c:spPr>
+    <a:noFill/>
+    <a:ln>
+      <a:noFill/>
+    </a:ln>
+    <a:effectLst/>
+  </c:spPr>
+  <c:txPr>
+    <a:bodyPr/>
+    <a:lstStyle/>
+    <a:p>
+      <a:pPr>
+        <a:defRPr/>
+      </a:pPr>
+      <a:endParaRPr lang="ru-RU"/>
+    </a:p>
+  </c:txPr>
+  <c:externalData r:id="rId3">
+    <c:autoUpdate val="0"/>
+  </c:externalData>
+</c:chartSpace>
+</file>
+
+<file path=ppt/charts/chart7.xml><?xml version="1.0" encoding="utf-8"?>
+<c:chartSpace xmlns:c="http://schemas.openxmlformats.org/drawingml/2006/chart" xmlns:a="http://schemas.openxmlformats.org/drawingml/2006/main" xmlns:r="http://schemas.openxmlformats.org/officeDocument/2006/relationships" xmlns:c16r2="http://schemas.microsoft.com/office/drawing/2015/06/chart">
+  <c:date1904 val="0"/>
+  <c:lang val="ru-RU"/>
+  <c:roundedCorners val="0"/>
+  <mc:AlternateContent xmlns:mc="http://schemas.openxmlformats.org/markup-compatibility/2006">
+    <mc:Choice xmlns:c14="http://schemas.microsoft.com/office/drawing/2007/8/2/chart" Requires="c14">
+      <c14:style val="102"/>
+    </mc:Choice>
+    <mc:Fallback>
+      <c:style val="2"/>
+    </mc:Fallback>
+  </mc:AlternateContent>
+  <c:chart>
+    <c:autoTitleDeleted val="1"/>
+    <c:plotArea>
+      <c:layout>
+        <c:manualLayout>
+          <c:layoutTarget val="inner"/>
+          <c:xMode val="edge"/>
+          <c:yMode val="edge"/>
+          <c:x val="8.3225772377484256E-2"/>
+          <c:y val="0.10547915052332843"/>
+          <c:w val="0.32781915281423157"/>
+          <c:h val="0.80693945308118531"/>
+        </c:manualLayout>
+      </c:layout>
+      <c:pieChart>
+        <c:varyColors val="1"/>
+        <c:ser>
+          <c:idx val="0"/>
+          <c:order val="0"/>
+          <c:tx>
+            <c:strRef>
+              <c:f>Лист1!$B$1</c:f>
+              <c:strCache>
+                <c:ptCount val="1"/>
+                <c:pt idx="0">
+                  <c:v>Утечки</c:v>
+                </c:pt>
+              </c:strCache>
+            </c:strRef>
+          </c:tx>
+          <c:dPt>
+            <c:idx val="0"/>
+            <c:bubble3D val="0"/>
+            <c:spPr>
+              <a:solidFill>
+                <a:schemeClr val="tx2">
+                  <a:lumMod val="40000"/>
+                  <a:lumOff val="60000"/>
+                </a:schemeClr>
+              </a:solidFill>
+              <a:ln w="19050">
+                <a:solidFill>
+                  <a:schemeClr val="lt1"/>
+                </a:solidFill>
+              </a:ln>
+              <a:effectLst/>
+            </c:spPr>
+            <c:extLst>
+              <c:ext xmlns:c16="http://schemas.microsoft.com/office/drawing/2014/chart" uri="{C3380CC4-5D6E-409C-BE32-E72D297353CC}">
+                <c16:uniqueId val="{00000001-F4E0-4A41-8E4C-0207DC11A90E}"/>
+              </c:ext>
+            </c:extLst>
+          </c:dPt>
+          <c:dPt>
+            <c:idx val="1"/>
+            <c:bubble3D val="0"/>
+            <c:spPr>
+              <a:solidFill>
+                <a:schemeClr val="accent2">
+                  <a:lumMod val="60000"/>
+                  <a:lumOff val="40000"/>
+                </a:schemeClr>
+              </a:solidFill>
+              <a:ln w="19050">
+                <a:solidFill>
+                  <a:schemeClr val="lt1"/>
+                </a:solidFill>
+              </a:ln>
+              <a:effectLst/>
+            </c:spPr>
+            <c:extLst>
+              <c:ext xmlns:c16="http://schemas.microsoft.com/office/drawing/2014/chart" uri="{C3380CC4-5D6E-409C-BE32-E72D297353CC}">
+                <c16:uniqueId val="{00000003-F4E0-4A41-8E4C-0207DC11A90E}"/>
+              </c:ext>
+            </c:extLst>
+          </c:dPt>
+          <c:dPt>
+            <c:idx val="2"/>
+            <c:bubble3D val="0"/>
+            <c:spPr>
+              <a:solidFill>
+                <a:schemeClr val="accent3"/>
+              </a:solidFill>
+              <a:ln w="19050">
+                <a:solidFill>
+                  <a:schemeClr val="lt1"/>
+                </a:solidFill>
+              </a:ln>
+              <a:effectLst/>
+            </c:spPr>
+            <c:extLst>
+              <c:ext xmlns:c16="http://schemas.microsoft.com/office/drawing/2014/chart" uri="{C3380CC4-5D6E-409C-BE32-E72D297353CC}">
+                <c16:uniqueId val="{00000005-F4E0-4A41-8E4C-0207DC11A90E}"/>
+              </c:ext>
+            </c:extLst>
+          </c:dPt>
+          <c:dPt>
+            <c:idx val="3"/>
+            <c:bubble3D val="0"/>
+            <c:spPr>
+              <a:solidFill>
+                <a:schemeClr val="accent4"/>
+              </a:solidFill>
+              <a:ln w="19050">
+                <a:solidFill>
+                  <a:schemeClr val="lt1"/>
+                </a:solidFill>
+              </a:ln>
+              <a:effectLst/>
+            </c:spPr>
+            <c:extLst>
+              <c:ext xmlns:c16="http://schemas.microsoft.com/office/drawing/2014/chart" uri="{C3380CC4-5D6E-409C-BE32-E72D297353CC}">
+                <c16:uniqueId val="{00000007-F4E0-4A41-8E4C-0207DC11A90E}"/>
+              </c:ext>
+            </c:extLst>
+          </c:dPt>
+          <c:dPt>
+            <c:idx val="4"/>
+            <c:bubble3D val="0"/>
+            <c:spPr>
+              <a:solidFill>
+                <a:schemeClr val="accent5">
+                  <a:lumMod val="75000"/>
+                </a:schemeClr>
+              </a:solidFill>
+              <a:ln w="19050">
+                <a:solidFill>
+                  <a:schemeClr val="lt1"/>
+                </a:solidFill>
+              </a:ln>
+              <a:effectLst/>
+            </c:spPr>
+            <c:extLst>
+              <c:ext xmlns:c16="http://schemas.microsoft.com/office/drawing/2014/chart" uri="{C3380CC4-5D6E-409C-BE32-E72D297353CC}">
+                <c16:uniqueId val="{00000009-F4E0-4A41-8E4C-0207DC11A90E}"/>
+              </c:ext>
+            </c:extLst>
+          </c:dPt>
+          <c:dLbls>
+            <c:spPr>
+              <a:noFill/>
+              <a:ln>
+                <a:noFill/>
+              </a:ln>
+              <a:effectLst/>
+            </c:spPr>
+            <c:txPr>
+              <a:bodyPr rot="0" spcFirstLastPara="1" vertOverflow="ellipsis" vert="horz" wrap="square" lIns="38100" tIns="19050" rIns="38100" bIns="19050" anchor="ctr" anchorCtr="1">
+                <a:spAutoFit/>
+              </a:bodyPr>
+              <a:lstStyle/>
+              <a:p>
+                <a:pPr>
+                  <a:defRPr sz="2300" b="0" i="0" u="none" strike="noStrike" kern="1200" baseline="0">
+                    <a:solidFill>
+                      <a:schemeClr val="tx1">
+                        <a:lumMod val="75000"/>
+                        <a:lumOff val="25000"/>
+                      </a:schemeClr>
+                    </a:solidFill>
+                    <a:latin typeface="Calibri" panose="020F0502020204030204" pitchFamily="34" charset="0"/>
+                    <a:ea typeface="+mn-ea"/>
+                    <a:cs typeface="Calibri" panose="020F0502020204030204" pitchFamily="34" charset="0"/>
+                  </a:defRPr>
+                </a:pPr>
+                <a:endParaRPr lang="ru-RU"/>
+              </a:p>
+            </c:txPr>
+            <c:showLegendKey val="0"/>
+            <c:showVal val="0"/>
+            <c:showCatName val="0"/>
+            <c:showSerName val="0"/>
+            <c:showPercent val="1"/>
+            <c:showBubbleSize val="0"/>
+            <c:showLeaderLines val="1"/>
+            <c:leaderLines>
+              <c:spPr>
+                <a:ln w="9525" cap="flat" cmpd="sng" algn="ctr">
+                  <a:solidFill>
+                    <a:schemeClr val="tx1">
+                      <a:lumMod val="35000"/>
+                      <a:lumOff val="65000"/>
+                    </a:schemeClr>
+                  </a:solidFill>
+                  <a:round/>
+                </a:ln>
+                <a:effectLst/>
+              </c:spPr>
+            </c:leaderLines>
+            <c:extLst>
+              <c:ext xmlns:c15="http://schemas.microsoft.com/office/drawing/2012/chart" uri="{CE6537A1-D6FC-4f65-9D91-7224C49458BB}">
+                <c15:layout/>
+              </c:ext>
+            </c:extLst>
+          </c:dLbls>
+          <c:cat>
+            <c:strRef>
+              <c:f>Лист1!$A$2:$A$6</c:f>
+              <c:strCache>
+                <c:ptCount val="5"/>
+                <c:pt idx="0">
+                  <c:v>Непривилигированный сотрудник</c:v>
+                </c:pt>
+                <c:pt idx="1">
+                  <c:v>Внешний злоумышленник</c:v>
+                </c:pt>
+                <c:pt idx="2">
+                  <c:v>Руководитель</c:v>
+                </c:pt>
+                <c:pt idx="3">
+                  <c:v>Бывший сотрудник</c:v>
+                </c:pt>
+                <c:pt idx="4">
+                  <c:v>Подрядчик</c:v>
+                </c:pt>
+              </c:strCache>
+            </c:strRef>
+          </c:cat>
+          <c:val>
+            <c:numRef>
+              <c:f>Лист1!$B$2:$B$6</c:f>
+              <c:numCache>
+                <c:formatCode>General</c:formatCode>
+                <c:ptCount val="5"/>
+                <c:pt idx="0">
+                  <c:v>72.099999999999994</c:v>
+                </c:pt>
+                <c:pt idx="1">
+                  <c:v>29.1</c:v>
+                </c:pt>
+                <c:pt idx="2">
+                  <c:v>5</c:v>
+                </c:pt>
+                <c:pt idx="3">
+                  <c:v>2</c:v>
+                </c:pt>
+                <c:pt idx="4">
+                  <c:v>1</c:v>
+                </c:pt>
+              </c:numCache>
+            </c:numRef>
+          </c:val>
+          <c:extLst>
+            <c:ext xmlns:c16="http://schemas.microsoft.com/office/drawing/2014/chart" uri="{C3380CC4-5D6E-409C-BE32-E72D297353CC}">
+              <c16:uniqueId val="{0000000A-F4E0-4A41-8E4C-0207DC11A90E}"/>
+            </c:ext>
+          </c:extLst>
+        </c:ser>
+        <c:dLbls>
+          <c:showLegendKey val="0"/>
+          <c:showVal val="0"/>
+          <c:showCatName val="0"/>
+          <c:showSerName val="0"/>
+          <c:showPercent val="1"/>
+          <c:showBubbleSize val="0"/>
+          <c:showLeaderLines val="1"/>
+        </c:dLbls>
+        <c:firstSliceAng val="0"/>
+      </c:pieChart>
+      <c:spPr>
+        <a:noFill/>
+        <a:ln>
+          <a:noFill/>
+        </a:ln>
+        <a:effectLst/>
+      </c:spPr>
+    </c:plotArea>
+    <c:legend>
+      <c:legendPos val="b"/>
+      <c:layout>
+        <c:manualLayout>
+          <c:xMode val="edge"/>
+          <c:yMode val="edge"/>
+          <c:x val="0.4252588334266576"/>
+          <c:y val="0.12690166493658817"/>
+          <c:w val="0.42942159960521759"/>
+          <c:h val="0.77699752319692428"/>
+        </c:manualLayout>
+      </c:layout>
+      <c:overlay val="0"/>
+      <c:spPr>
+        <a:noFill/>
+        <a:ln>
+          <a:noFill/>
+        </a:ln>
+        <a:effectLst/>
+      </c:spPr>
+      <c:txPr>
+        <a:bodyPr rot="0" spcFirstLastPara="1" vertOverflow="ellipsis" vert="horz" wrap="square" anchor="ctr" anchorCtr="1"/>
+        <a:lstStyle/>
+        <a:p>
+          <a:pPr>
+            <a:defRPr sz="2300" b="0" i="0" u="none" strike="noStrike" kern="1200" baseline="0">
+              <a:solidFill>
+                <a:schemeClr val="tx1">
+                  <a:lumMod val="65000"/>
+                  <a:lumOff val="35000"/>
+                </a:schemeClr>
+              </a:solidFill>
+              <a:latin typeface="Calibri" panose="020F0502020204030204" pitchFamily="34" charset="0"/>
+              <a:ea typeface="+mn-ea"/>
+              <a:cs typeface="Calibri" panose="020F0502020204030204" pitchFamily="34" charset="0"/>
+            </a:defRPr>
+          </a:pPr>
+          <a:endParaRPr lang="ru-RU"/>
+        </a:p>
+      </c:txPr>
+    </c:legend>
     <c:plotVisOnly val="1"/>
     <c:dispBlanksAs val="gap"/>
     <c:showDLblsOverMax val="0"/>
@@ -8722,6 +8860,86 @@
 </file>
 
 <file path=ppt/charts/colors5.xml><?xml version="1.0" encoding="utf-8"?>
+<cs:colorStyle xmlns:cs="http://schemas.microsoft.com/office/drawing/2012/chartStyle" xmlns:a="http://schemas.openxmlformats.org/drawingml/2006/main" meth="cycle" id="10">
+  <a:schemeClr val="accent1"/>
+  <a:schemeClr val="accent2"/>
+  <a:schemeClr val="accent3"/>
+  <a:schemeClr val="accent4"/>
+  <a:schemeClr val="accent5"/>
+  <a:schemeClr val="accent6"/>
+  <cs:variation/>
+  <cs:variation>
+    <a:lumMod val="60000"/>
+  </cs:variation>
+  <cs:variation>
+    <a:lumMod val="80000"/>
+    <a:lumOff val="20000"/>
+  </cs:variation>
+  <cs:variation>
+    <a:lumMod val="80000"/>
+  </cs:variation>
+  <cs:variation>
+    <a:lumMod val="60000"/>
+    <a:lumOff val="40000"/>
+  </cs:variation>
+  <cs:variation>
+    <a:lumMod val="50000"/>
+  </cs:variation>
+  <cs:variation>
+    <a:lumMod val="70000"/>
+    <a:lumOff val="30000"/>
+  </cs:variation>
+  <cs:variation>
+    <a:lumMod val="70000"/>
+  </cs:variation>
+  <cs:variation>
+    <a:lumMod val="50000"/>
+    <a:lumOff val="50000"/>
+  </cs:variation>
+</cs:colorStyle>
+</file>
+
+<file path=ppt/charts/colors6.xml><?xml version="1.0" encoding="utf-8"?>
+<cs:colorStyle xmlns:cs="http://schemas.microsoft.com/office/drawing/2012/chartStyle" xmlns:a="http://schemas.openxmlformats.org/drawingml/2006/main" meth="cycle" id="10">
+  <a:schemeClr val="accent1"/>
+  <a:schemeClr val="accent2"/>
+  <a:schemeClr val="accent3"/>
+  <a:schemeClr val="accent4"/>
+  <a:schemeClr val="accent5"/>
+  <a:schemeClr val="accent6"/>
+  <cs:variation/>
+  <cs:variation>
+    <a:lumMod val="60000"/>
+  </cs:variation>
+  <cs:variation>
+    <a:lumMod val="80000"/>
+    <a:lumOff val="20000"/>
+  </cs:variation>
+  <cs:variation>
+    <a:lumMod val="80000"/>
+  </cs:variation>
+  <cs:variation>
+    <a:lumMod val="60000"/>
+    <a:lumOff val="40000"/>
+  </cs:variation>
+  <cs:variation>
+    <a:lumMod val="50000"/>
+  </cs:variation>
+  <cs:variation>
+    <a:lumMod val="70000"/>
+    <a:lumOff val="30000"/>
+  </cs:variation>
+  <cs:variation>
+    <a:lumMod val="70000"/>
+  </cs:variation>
+  <cs:variation>
+    <a:lumMod val="50000"/>
+    <a:lumOff val="50000"/>
+  </cs:variation>
+</cs:colorStyle>
+</file>
+
+<file path=ppt/charts/colors7.xml><?xml version="1.0" encoding="utf-8"?>
 <cs:colorStyle xmlns:cs="http://schemas.microsoft.com/office/drawing/2012/chartStyle" xmlns:a="http://schemas.openxmlformats.org/drawingml/2006/main" meth="cycle" id="10">
   <a:schemeClr val="accent1"/>
   <a:schemeClr val="accent2"/>
@@ -11345,6 +11563,1044 @@
 </cs:chartStyle>
 </file>
 
+<file path=ppt/charts/style6.xml><?xml version="1.0" encoding="utf-8"?>
+<cs:chartStyle xmlns:cs="http://schemas.microsoft.com/office/drawing/2012/chartStyle" xmlns:a="http://schemas.openxmlformats.org/drawingml/2006/main" id="251">
+  <cs:axisTitle>
+    <cs:lnRef idx="0"/>
+    <cs:fillRef idx="0"/>
+    <cs:effectRef idx="0"/>
+    <cs:fontRef idx="minor">
+      <a:schemeClr val="tx1">
+        <a:lumMod val="65000"/>
+        <a:lumOff val="35000"/>
+      </a:schemeClr>
+    </cs:fontRef>
+    <cs:defRPr sz="1000" kern="1200"/>
+  </cs:axisTitle>
+  <cs:categoryAxis>
+    <cs:lnRef idx="0"/>
+    <cs:fillRef idx="0"/>
+    <cs:effectRef idx="0"/>
+    <cs:fontRef idx="minor">
+      <a:schemeClr val="tx1">
+        <a:lumMod val="65000"/>
+        <a:lumOff val="35000"/>
+      </a:schemeClr>
+    </cs:fontRef>
+    <cs:spPr>
+      <a:ln w="9525" cap="flat" cmpd="sng" algn="ctr">
+        <a:solidFill>
+          <a:schemeClr val="tx1">
+            <a:lumMod val="15000"/>
+            <a:lumOff val="85000"/>
+          </a:schemeClr>
+        </a:solidFill>
+        <a:round/>
+      </a:ln>
+    </cs:spPr>
+    <cs:defRPr sz="900" kern="1200"/>
+  </cs:categoryAxis>
+  <cs:chartArea mods="allowNoFillOverride allowNoLineOverride">
+    <cs:lnRef idx="0"/>
+    <cs:fillRef idx="0"/>
+    <cs:effectRef idx="0"/>
+    <cs:fontRef idx="minor">
+      <a:schemeClr val="tx1"/>
+    </cs:fontRef>
+    <cs:spPr>
+      <a:solidFill>
+        <a:schemeClr val="bg1"/>
+      </a:solidFill>
+      <a:ln w="9525" cap="flat" cmpd="sng" algn="ctr">
+        <a:solidFill>
+          <a:schemeClr val="tx1">
+            <a:lumMod val="15000"/>
+            <a:lumOff val="85000"/>
+          </a:schemeClr>
+        </a:solidFill>
+        <a:round/>
+      </a:ln>
+    </cs:spPr>
+    <cs:defRPr sz="900" kern="1200"/>
+  </cs:chartArea>
+  <cs:dataLabel>
+    <cs:lnRef idx="0"/>
+    <cs:fillRef idx="0"/>
+    <cs:effectRef idx="0"/>
+    <cs:fontRef idx="minor">
+      <a:schemeClr val="tx1">
+        <a:lumMod val="75000"/>
+        <a:lumOff val="25000"/>
+      </a:schemeClr>
+    </cs:fontRef>
+    <cs:defRPr sz="900" kern="1200"/>
+  </cs:dataLabel>
+  <cs:dataLabelCallout>
+    <cs:lnRef idx="0"/>
+    <cs:fillRef idx="0"/>
+    <cs:effectRef idx="0"/>
+    <cs:fontRef idx="minor">
+      <a:schemeClr val="dk1">
+        <a:lumMod val="65000"/>
+        <a:lumOff val="35000"/>
+      </a:schemeClr>
+    </cs:fontRef>
+    <cs:spPr>
+      <a:solidFill>
+        <a:schemeClr val="lt1"/>
+      </a:solidFill>
+      <a:ln>
+        <a:solidFill>
+          <a:schemeClr val="dk1">
+            <a:lumMod val="25000"/>
+            <a:lumOff val="75000"/>
+          </a:schemeClr>
+        </a:solidFill>
+      </a:ln>
+    </cs:spPr>
+    <cs:defRPr sz="900" kern="1200"/>
+    <cs:bodyPr rot="0" spcFirstLastPara="1" vertOverflow="clip" horzOverflow="clip" vert="horz" wrap="square" lIns="36576" tIns="18288" rIns="36576" bIns="18288" anchor="ctr" anchorCtr="1">
+      <a:spAutoFit/>
+    </cs:bodyPr>
+  </cs:dataLabelCallout>
+  <cs:dataPoint>
+    <cs:lnRef idx="0"/>
+    <cs:fillRef idx="1">
+      <cs:styleClr val="auto"/>
+    </cs:fillRef>
+    <cs:effectRef idx="0"/>
+    <cs:fontRef idx="minor">
+      <a:schemeClr val="tx1"/>
+    </cs:fontRef>
+    <cs:spPr>
+      <a:ln w="19050">
+        <a:solidFill>
+          <a:schemeClr val="lt1"/>
+        </a:solidFill>
+      </a:ln>
+    </cs:spPr>
+  </cs:dataPoint>
+  <cs:dataPoint3D>
+    <cs:lnRef idx="0"/>
+    <cs:fillRef idx="1">
+      <cs:styleClr val="auto"/>
+    </cs:fillRef>
+    <cs:effectRef idx="0"/>
+    <cs:fontRef idx="minor">
+      <a:schemeClr val="tx1"/>
+    </cs:fontRef>
+    <cs:spPr>
+      <a:ln w="25400">
+        <a:solidFill>
+          <a:schemeClr val="lt1"/>
+        </a:solidFill>
+      </a:ln>
+    </cs:spPr>
+  </cs:dataPoint3D>
+  <cs:dataPointLine>
+    <cs:lnRef idx="0">
+      <cs:styleClr val="auto"/>
+    </cs:lnRef>
+    <cs:fillRef idx="0"/>
+    <cs:effectRef idx="0"/>
+    <cs:fontRef idx="minor">
+      <a:schemeClr val="tx1"/>
+    </cs:fontRef>
+    <cs:spPr>
+      <a:ln w="28575" cap="rnd">
+        <a:solidFill>
+          <a:schemeClr val="phClr"/>
+        </a:solidFill>
+        <a:round/>
+      </a:ln>
+    </cs:spPr>
+  </cs:dataPointLine>
+  <cs:dataPointMarker>
+    <cs:lnRef idx="0">
+      <cs:styleClr val="auto"/>
+    </cs:lnRef>
+    <cs:fillRef idx="1">
+      <cs:styleClr val="auto"/>
+    </cs:fillRef>
+    <cs:effectRef idx="0"/>
+    <cs:fontRef idx="minor">
+      <a:schemeClr val="tx1"/>
+    </cs:fontRef>
+    <cs:spPr>
+      <a:ln w="9525">
+        <a:solidFill>
+          <a:schemeClr val="phClr"/>
+        </a:solidFill>
+      </a:ln>
+    </cs:spPr>
+  </cs:dataPointMarker>
+  <cs:dataPointMarkerLayout symbol="circle" size="5"/>
+  <cs:dataPointWireframe>
+    <cs:lnRef idx="0">
+      <cs:styleClr val="auto"/>
+    </cs:lnRef>
+    <cs:fillRef idx="0"/>
+    <cs:effectRef idx="0"/>
+    <cs:fontRef idx="minor">
+      <a:schemeClr val="tx1"/>
+    </cs:fontRef>
+    <cs:spPr>
+      <a:ln w="9525" cap="rnd">
+        <a:solidFill>
+          <a:schemeClr val="phClr"/>
+        </a:solidFill>
+        <a:round/>
+      </a:ln>
+    </cs:spPr>
+  </cs:dataPointWireframe>
+  <cs:dataTable>
+    <cs:lnRef idx="0"/>
+    <cs:fillRef idx="0"/>
+    <cs:effectRef idx="0"/>
+    <cs:fontRef idx="minor">
+      <a:schemeClr val="tx1">
+        <a:lumMod val="65000"/>
+        <a:lumOff val="35000"/>
+      </a:schemeClr>
+    </cs:fontRef>
+    <cs:spPr>
+      <a:noFill/>
+      <a:ln w="9525" cap="flat" cmpd="sng" algn="ctr">
+        <a:solidFill>
+          <a:schemeClr val="tx1">
+            <a:lumMod val="15000"/>
+            <a:lumOff val="85000"/>
+          </a:schemeClr>
+        </a:solidFill>
+        <a:round/>
+      </a:ln>
+    </cs:spPr>
+    <cs:defRPr sz="900" kern="1200"/>
+  </cs:dataTable>
+  <cs:downBar>
+    <cs:lnRef idx="0"/>
+    <cs:fillRef idx="0"/>
+    <cs:effectRef idx="0"/>
+    <cs:fontRef idx="minor">
+      <a:schemeClr val="tx1"/>
+    </cs:fontRef>
+    <cs:spPr>
+      <a:solidFill>
+        <a:schemeClr val="dk1">
+          <a:lumMod val="75000"/>
+          <a:lumOff val="25000"/>
+        </a:schemeClr>
+      </a:solidFill>
+      <a:ln w="9525" cap="flat" cmpd="sng" algn="ctr">
+        <a:solidFill>
+          <a:schemeClr val="tx1">
+            <a:lumMod val="65000"/>
+            <a:lumOff val="35000"/>
+          </a:schemeClr>
+        </a:solidFill>
+        <a:round/>
+      </a:ln>
+    </cs:spPr>
+  </cs:downBar>
+  <cs:dropLine>
+    <cs:lnRef idx="0"/>
+    <cs:fillRef idx="0"/>
+    <cs:effectRef idx="0"/>
+    <cs:fontRef idx="minor">
+      <a:schemeClr val="tx1"/>
+    </cs:fontRef>
+    <cs:spPr>
+      <a:ln w="9525" cap="flat" cmpd="sng" algn="ctr">
+        <a:solidFill>
+          <a:schemeClr val="tx1">
+            <a:lumMod val="35000"/>
+            <a:lumOff val="65000"/>
+          </a:schemeClr>
+        </a:solidFill>
+        <a:round/>
+      </a:ln>
+    </cs:spPr>
+  </cs:dropLine>
+  <cs:errorBar>
+    <cs:lnRef idx="0"/>
+    <cs:fillRef idx="0"/>
+    <cs:effectRef idx="0"/>
+    <cs:fontRef idx="minor">
+      <a:schemeClr val="tx1"/>
+    </cs:fontRef>
+    <cs:spPr>
+      <a:ln w="9525" cap="flat" cmpd="sng" algn="ctr">
+        <a:solidFill>
+          <a:schemeClr val="tx1">
+            <a:lumMod val="65000"/>
+            <a:lumOff val="35000"/>
+          </a:schemeClr>
+        </a:solidFill>
+        <a:round/>
+      </a:ln>
+    </cs:spPr>
+  </cs:errorBar>
+  <cs:floor>
+    <cs:lnRef idx="0"/>
+    <cs:fillRef idx="0"/>
+    <cs:effectRef idx="0"/>
+    <cs:fontRef idx="minor">
+      <a:schemeClr val="tx1"/>
+    </cs:fontRef>
+    <cs:spPr>
+      <a:noFill/>
+      <a:ln>
+        <a:noFill/>
+      </a:ln>
+    </cs:spPr>
+  </cs:floor>
+  <cs:gridlineMajor>
+    <cs:lnRef idx="0"/>
+    <cs:fillRef idx="0"/>
+    <cs:effectRef idx="0"/>
+    <cs:fontRef idx="minor">
+      <a:schemeClr val="tx1"/>
+    </cs:fontRef>
+    <cs:spPr>
+      <a:ln w="9525" cap="flat" cmpd="sng" algn="ctr">
+        <a:solidFill>
+          <a:schemeClr val="tx1">
+            <a:lumMod val="15000"/>
+            <a:lumOff val="85000"/>
+          </a:schemeClr>
+        </a:solidFill>
+        <a:round/>
+      </a:ln>
+    </cs:spPr>
+  </cs:gridlineMajor>
+  <cs:gridlineMinor>
+    <cs:lnRef idx="0"/>
+    <cs:fillRef idx="0"/>
+    <cs:effectRef idx="0"/>
+    <cs:fontRef idx="minor">
+      <a:schemeClr val="tx1"/>
+    </cs:fontRef>
+    <cs:spPr>
+      <a:ln w="9525" cap="flat" cmpd="sng" algn="ctr">
+        <a:solidFill>
+          <a:schemeClr val="tx1">
+            <a:lumMod val="5000"/>
+            <a:lumOff val="95000"/>
+          </a:schemeClr>
+        </a:solidFill>
+        <a:round/>
+      </a:ln>
+    </cs:spPr>
+  </cs:gridlineMinor>
+  <cs:hiLoLine>
+    <cs:lnRef idx="0"/>
+    <cs:fillRef idx="0"/>
+    <cs:effectRef idx="0"/>
+    <cs:fontRef idx="minor">
+      <a:schemeClr val="tx1"/>
+    </cs:fontRef>
+    <cs:spPr>
+      <a:ln w="9525" cap="flat" cmpd="sng" algn="ctr">
+        <a:solidFill>
+          <a:schemeClr val="tx1">
+            <a:lumMod val="50000"/>
+            <a:lumOff val="50000"/>
+          </a:schemeClr>
+        </a:solidFill>
+        <a:round/>
+      </a:ln>
+    </cs:spPr>
+  </cs:hiLoLine>
+  <cs:leaderLine>
+    <cs:lnRef idx="0"/>
+    <cs:fillRef idx="0"/>
+    <cs:effectRef idx="0"/>
+    <cs:fontRef idx="minor">
+      <a:schemeClr val="tx1"/>
+    </cs:fontRef>
+    <cs:spPr>
+      <a:ln w="9525" cap="flat" cmpd="sng" algn="ctr">
+        <a:solidFill>
+          <a:schemeClr val="tx1">
+            <a:lumMod val="35000"/>
+            <a:lumOff val="65000"/>
+          </a:schemeClr>
+        </a:solidFill>
+        <a:round/>
+      </a:ln>
+    </cs:spPr>
+  </cs:leaderLine>
+  <cs:legend>
+    <cs:lnRef idx="0"/>
+    <cs:fillRef idx="0"/>
+    <cs:effectRef idx="0"/>
+    <cs:fontRef idx="minor">
+      <a:schemeClr val="tx1">
+        <a:lumMod val="65000"/>
+        <a:lumOff val="35000"/>
+      </a:schemeClr>
+    </cs:fontRef>
+    <cs:defRPr sz="900" kern="1200"/>
+  </cs:legend>
+  <cs:plotArea mods="allowNoFillOverride allowNoLineOverride">
+    <cs:lnRef idx="0"/>
+    <cs:fillRef idx="0"/>
+    <cs:effectRef idx="0"/>
+    <cs:fontRef idx="minor">
+      <a:schemeClr val="tx1"/>
+    </cs:fontRef>
+  </cs:plotArea>
+  <cs:plotArea3D mods="allowNoFillOverride allowNoLineOverride">
+    <cs:lnRef idx="0"/>
+    <cs:fillRef idx="0"/>
+    <cs:effectRef idx="0"/>
+    <cs:fontRef idx="minor">
+      <a:schemeClr val="tx1"/>
+    </cs:fontRef>
+  </cs:plotArea3D>
+  <cs:seriesAxis>
+    <cs:lnRef idx="0"/>
+    <cs:fillRef idx="0"/>
+    <cs:effectRef idx="0"/>
+    <cs:fontRef idx="minor">
+      <a:schemeClr val="tx1">
+        <a:lumMod val="65000"/>
+        <a:lumOff val="35000"/>
+      </a:schemeClr>
+    </cs:fontRef>
+    <cs:defRPr sz="900" kern="1200"/>
+  </cs:seriesAxis>
+  <cs:seriesLine>
+    <cs:lnRef idx="0"/>
+    <cs:fillRef idx="0"/>
+    <cs:effectRef idx="0"/>
+    <cs:fontRef idx="minor">
+      <a:schemeClr val="tx1"/>
+    </cs:fontRef>
+    <cs:spPr>
+      <a:ln w="9525" cap="flat" cmpd="sng" algn="ctr">
+        <a:solidFill>
+          <a:schemeClr val="tx1">
+            <a:lumMod val="35000"/>
+            <a:lumOff val="65000"/>
+          </a:schemeClr>
+        </a:solidFill>
+        <a:round/>
+      </a:ln>
+    </cs:spPr>
+  </cs:seriesLine>
+  <cs:title>
+    <cs:lnRef idx="0"/>
+    <cs:fillRef idx="0"/>
+    <cs:effectRef idx="0"/>
+    <cs:fontRef idx="minor">
+      <a:schemeClr val="tx1">
+        <a:lumMod val="65000"/>
+        <a:lumOff val="35000"/>
+      </a:schemeClr>
+    </cs:fontRef>
+    <cs:defRPr sz="1400" b="0" kern="1200" spc="0" baseline="0"/>
+  </cs:title>
+  <cs:trendline>
+    <cs:lnRef idx="0">
+      <cs:styleClr val="auto"/>
+    </cs:lnRef>
+    <cs:fillRef idx="0"/>
+    <cs:effectRef idx="0"/>
+    <cs:fontRef idx="minor">
+      <a:schemeClr val="tx1"/>
+    </cs:fontRef>
+    <cs:spPr>
+      <a:ln w="19050" cap="rnd">
+        <a:solidFill>
+          <a:schemeClr val="phClr"/>
+        </a:solidFill>
+        <a:prstDash val="sysDot"/>
+      </a:ln>
+    </cs:spPr>
+  </cs:trendline>
+  <cs:trendlineLabel>
+    <cs:lnRef idx="0"/>
+    <cs:fillRef idx="0"/>
+    <cs:effectRef idx="0"/>
+    <cs:fontRef idx="minor">
+      <a:schemeClr val="tx1">
+        <a:lumMod val="65000"/>
+        <a:lumOff val="35000"/>
+      </a:schemeClr>
+    </cs:fontRef>
+    <cs:defRPr sz="900" kern="1200"/>
+  </cs:trendlineLabel>
+  <cs:upBar>
+    <cs:lnRef idx="0"/>
+    <cs:fillRef idx="0"/>
+    <cs:effectRef idx="0"/>
+    <cs:fontRef idx="minor">
+      <a:schemeClr val="tx1"/>
+    </cs:fontRef>
+    <cs:spPr>
+      <a:solidFill>
+        <a:schemeClr val="lt1"/>
+      </a:solidFill>
+      <a:ln w="9525" cap="flat" cmpd="sng" algn="ctr">
+        <a:solidFill>
+          <a:schemeClr val="tx1">
+            <a:lumMod val="65000"/>
+            <a:lumOff val="35000"/>
+          </a:schemeClr>
+        </a:solidFill>
+        <a:round/>
+      </a:ln>
+    </cs:spPr>
+  </cs:upBar>
+  <cs:valueAxis>
+    <cs:lnRef idx="0"/>
+    <cs:fillRef idx="0"/>
+    <cs:effectRef idx="0"/>
+    <cs:fontRef idx="minor">
+      <a:schemeClr val="tx1">
+        <a:lumMod val="65000"/>
+        <a:lumOff val="35000"/>
+      </a:schemeClr>
+    </cs:fontRef>
+    <cs:defRPr sz="900" kern="1200"/>
+  </cs:valueAxis>
+  <cs:wall>
+    <cs:lnRef idx="0"/>
+    <cs:fillRef idx="0"/>
+    <cs:effectRef idx="0"/>
+    <cs:fontRef idx="minor">
+      <a:schemeClr val="tx1"/>
+    </cs:fontRef>
+    <cs:spPr>
+      <a:noFill/>
+      <a:ln>
+        <a:noFill/>
+      </a:ln>
+    </cs:spPr>
+  </cs:wall>
+</cs:chartStyle>
+</file>
+
+<file path=ppt/charts/style7.xml><?xml version="1.0" encoding="utf-8"?>
+<cs:chartStyle xmlns:cs="http://schemas.microsoft.com/office/drawing/2012/chartStyle" xmlns:a="http://schemas.openxmlformats.org/drawingml/2006/main" id="251">
+  <cs:axisTitle>
+    <cs:lnRef idx="0"/>
+    <cs:fillRef idx="0"/>
+    <cs:effectRef idx="0"/>
+    <cs:fontRef idx="minor">
+      <a:schemeClr val="tx1">
+        <a:lumMod val="65000"/>
+        <a:lumOff val="35000"/>
+      </a:schemeClr>
+    </cs:fontRef>
+    <cs:defRPr sz="1000" kern="1200"/>
+  </cs:axisTitle>
+  <cs:categoryAxis>
+    <cs:lnRef idx="0"/>
+    <cs:fillRef idx="0"/>
+    <cs:effectRef idx="0"/>
+    <cs:fontRef idx="minor">
+      <a:schemeClr val="tx1">
+        <a:lumMod val="65000"/>
+        <a:lumOff val="35000"/>
+      </a:schemeClr>
+    </cs:fontRef>
+    <cs:spPr>
+      <a:ln w="9525" cap="flat" cmpd="sng" algn="ctr">
+        <a:solidFill>
+          <a:schemeClr val="tx1">
+            <a:lumMod val="15000"/>
+            <a:lumOff val="85000"/>
+          </a:schemeClr>
+        </a:solidFill>
+        <a:round/>
+      </a:ln>
+    </cs:spPr>
+    <cs:defRPr sz="900" kern="1200"/>
+  </cs:categoryAxis>
+  <cs:chartArea mods="allowNoFillOverride allowNoLineOverride">
+    <cs:lnRef idx="0"/>
+    <cs:fillRef idx="0"/>
+    <cs:effectRef idx="0"/>
+    <cs:fontRef idx="minor">
+      <a:schemeClr val="tx1"/>
+    </cs:fontRef>
+    <cs:spPr>
+      <a:solidFill>
+        <a:schemeClr val="bg1"/>
+      </a:solidFill>
+      <a:ln w="9525" cap="flat" cmpd="sng" algn="ctr">
+        <a:solidFill>
+          <a:schemeClr val="tx1">
+            <a:lumMod val="15000"/>
+            <a:lumOff val="85000"/>
+          </a:schemeClr>
+        </a:solidFill>
+        <a:round/>
+      </a:ln>
+    </cs:spPr>
+    <cs:defRPr sz="900" kern="1200"/>
+  </cs:chartArea>
+  <cs:dataLabel>
+    <cs:lnRef idx="0"/>
+    <cs:fillRef idx="0"/>
+    <cs:effectRef idx="0"/>
+    <cs:fontRef idx="minor">
+      <a:schemeClr val="tx1">
+        <a:lumMod val="75000"/>
+        <a:lumOff val="25000"/>
+      </a:schemeClr>
+    </cs:fontRef>
+    <cs:defRPr sz="900" kern="1200"/>
+  </cs:dataLabel>
+  <cs:dataLabelCallout>
+    <cs:lnRef idx="0"/>
+    <cs:fillRef idx="0"/>
+    <cs:effectRef idx="0"/>
+    <cs:fontRef idx="minor">
+      <a:schemeClr val="dk1">
+        <a:lumMod val="65000"/>
+        <a:lumOff val="35000"/>
+      </a:schemeClr>
+    </cs:fontRef>
+    <cs:spPr>
+      <a:solidFill>
+        <a:schemeClr val="lt1"/>
+      </a:solidFill>
+      <a:ln>
+        <a:solidFill>
+          <a:schemeClr val="dk1">
+            <a:lumMod val="25000"/>
+            <a:lumOff val="75000"/>
+          </a:schemeClr>
+        </a:solidFill>
+      </a:ln>
+    </cs:spPr>
+    <cs:defRPr sz="900" kern="1200"/>
+    <cs:bodyPr rot="0" spcFirstLastPara="1" vertOverflow="clip" horzOverflow="clip" vert="horz" wrap="square" lIns="36576" tIns="18288" rIns="36576" bIns="18288" anchor="ctr" anchorCtr="1">
+      <a:spAutoFit/>
+    </cs:bodyPr>
+  </cs:dataLabelCallout>
+  <cs:dataPoint>
+    <cs:lnRef idx="0"/>
+    <cs:fillRef idx="1">
+      <cs:styleClr val="auto"/>
+    </cs:fillRef>
+    <cs:effectRef idx="0"/>
+    <cs:fontRef idx="minor">
+      <a:schemeClr val="tx1"/>
+    </cs:fontRef>
+    <cs:spPr>
+      <a:ln w="19050">
+        <a:solidFill>
+          <a:schemeClr val="lt1"/>
+        </a:solidFill>
+      </a:ln>
+    </cs:spPr>
+  </cs:dataPoint>
+  <cs:dataPoint3D>
+    <cs:lnRef idx="0"/>
+    <cs:fillRef idx="1">
+      <cs:styleClr val="auto"/>
+    </cs:fillRef>
+    <cs:effectRef idx="0"/>
+    <cs:fontRef idx="minor">
+      <a:schemeClr val="tx1"/>
+    </cs:fontRef>
+    <cs:spPr>
+      <a:ln w="25400">
+        <a:solidFill>
+          <a:schemeClr val="lt1"/>
+        </a:solidFill>
+      </a:ln>
+    </cs:spPr>
+  </cs:dataPoint3D>
+  <cs:dataPointLine>
+    <cs:lnRef idx="0">
+      <cs:styleClr val="auto"/>
+    </cs:lnRef>
+    <cs:fillRef idx="0"/>
+    <cs:effectRef idx="0"/>
+    <cs:fontRef idx="minor">
+      <a:schemeClr val="tx1"/>
+    </cs:fontRef>
+    <cs:spPr>
+      <a:ln w="28575" cap="rnd">
+        <a:solidFill>
+          <a:schemeClr val="phClr"/>
+        </a:solidFill>
+        <a:round/>
+      </a:ln>
+    </cs:spPr>
+  </cs:dataPointLine>
+  <cs:dataPointMarker>
+    <cs:lnRef idx="0">
+      <cs:styleClr val="auto"/>
+    </cs:lnRef>
+    <cs:fillRef idx="1">
+      <cs:styleClr val="auto"/>
+    </cs:fillRef>
+    <cs:effectRef idx="0"/>
+    <cs:fontRef idx="minor">
+      <a:schemeClr val="tx1"/>
+    </cs:fontRef>
+    <cs:spPr>
+      <a:ln w="9525">
+        <a:solidFill>
+          <a:schemeClr val="phClr"/>
+        </a:solidFill>
+      </a:ln>
+    </cs:spPr>
+  </cs:dataPointMarker>
+  <cs:dataPointMarkerLayout symbol="circle" size="5"/>
+  <cs:dataPointWireframe>
+    <cs:lnRef idx="0">
+      <cs:styleClr val="auto"/>
+    </cs:lnRef>
+    <cs:fillRef idx="0"/>
+    <cs:effectRef idx="0"/>
+    <cs:fontRef idx="minor">
+      <a:schemeClr val="tx1"/>
+    </cs:fontRef>
+    <cs:spPr>
+      <a:ln w="9525" cap="rnd">
+        <a:solidFill>
+          <a:schemeClr val="phClr"/>
+        </a:solidFill>
+        <a:round/>
+      </a:ln>
+    </cs:spPr>
+  </cs:dataPointWireframe>
+  <cs:dataTable>
+    <cs:lnRef idx="0"/>
+    <cs:fillRef idx="0"/>
+    <cs:effectRef idx="0"/>
+    <cs:fontRef idx="minor">
+      <a:schemeClr val="tx1">
+        <a:lumMod val="65000"/>
+        <a:lumOff val="35000"/>
+      </a:schemeClr>
+    </cs:fontRef>
+    <cs:spPr>
+      <a:noFill/>
+      <a:ln w="9525" cap="flat" cmpd="sng" algn="ctr">
+        <a:solidFill>
+          <a:schemeClr val="tx1">
+            <a:lumMod val="15000"/>
+            <a:lumOff val="85000"/>
+          </a:schemeClr>
+        </a:solidFill>
+        <a:round/>
+      </a:ln>
+    </cs:spPr>
+    <cs:defRPr sz="900" kern="1200"/>
+  </cs:dataTable>
+  <cs:downBar>
+    <cs:lnRef idx="0"/>
+    <cs:fillRef idx="0"/>
+    <cs:effectRef idx="0"/>
+    <cs:fontRef idx="minor">
+      <a:schemeClr val="tx1"/>
+    </cs:fontRef>
+    <cs:spPr>
+      <a:solidFill>
+        <a:schemeClr val="dk1">
+          <a:lumMod val="75000"/>
+          <a:lumOff val="25000"/>
+        </a:schemeClr>
+      </a:solidFill>
+      <a:ln w="9525" cap="flat" cmpd="sng" algn="ctr">
+        <a:solidFill>
+          <a:schemeClr val="tx1">
+            <a:lumMod val="65000"/>
+            <a:lumOff val="35000"/>
+          </a:schemeClr>
+        </a:solidFill>
+        <a:round/>
+      </a:ln>
+    </cs:spPr>
+  </cs:downBar>
+  <cs:dropLine>
+    <cs:lnRef idx="0"/>
+    <cs:fillRef idx="0"/>
+    <cs:effectRef idx="0"/>
+    <cs:fontRef idx="minor">
+      <a:schemeClr val="tx1"/>
+    </cs:fontRef>
+    <cs:spPr>
+      <a:ln w="9525" cap="flat" cmpd="sng" algn="ctr">
+        <a:solidFill>
+          <a:schemeClr val="tx1">
+            <a:lumMod val="35000"/>
+            <a:lumOff val="65000"/>
+          </a:schemeClr>
+        </a:solidFill>
+        <a:round/>
+      </a:ln>
+    </cs:spPr>
+  </cs:dropLine>
+  <cs:errorBar>
+    <cs:lnRef idx="0"/>
+    <cs:fillRef idx="0"/>
+    <cs:effectRef idx="0"/>
+    <cs:fontRef idx="minor">
+      <a:schemeClr val="tx1"/>
+    </cs:fontRef>
+    <cs:spPr>
+      <a:ln w="9525" cap="flat" cmpd="sng" algn="ctr">
+        <a:solidFill>
+          <a:schemeClr val="tx1">
+            <a:lumMod val="65000"/>
+            <a:lumOff val="35000"/>
+          </a:schemeClr>
+        </a:solidFill>
+        <a:round/>
+      </a:ln>
+    </cs:spPr>
+  </cs:errorBar>
+  <cs:floor>
+    <cs:lnRef idx="0"/>
+    <cs:fillRef idx="0"/>
+    <cs:effectRef idx="0"/>
+    <cs:fontRef idx="minor">
+      <a:schemeClr val="tx1"/>
+    </cs:fontRef>
+    <cs:spPr>
+      <a:noFill/>
+      <a:ln>
+        <a:noFill/>
+      </a:ln>
+    </cs:spPr>
+  </cs:floor>
+  <cs:gridlineMajor>
+    <cs:lnRef idx="0"/>
+    <cs:fillRef idx="0"/>
+    <cs:effectRef idx="0"/>
+    <cs:fontRef idx="minor">
+      <a:schemeClr val="tx1"/>
+    </cs:fontRef>
+    <cs:spPr>
+      <a:ln w="9525" cap="flat" cmpd="sng" algn="ctr">
+        <a:solidFill>
+          <a:schemeClr val="tx1">
+            <a:lumMod val="15000"/>
+            <a:lumOff val="85000"/>
+          </a:schemeClr>
+        </a:solidFill>
+        <a:round/>
+      </a:ln>
+    </cs:spPr>
+  </cs:gridlineMajor>
+  <cs:gridlineMinor>
+    <cs:lnRef idx="0"/>
+    <cs:fillRef idx="0"/>
+    <cs:effectRef idx="0"/>
+    <cs:fontRef idx="minor">
+      <a:schemeClr val="tx1"/>
+    </cs:fontRef>
+    <cs:spPr>
+      <a:ln w="9525" cap="flat" cmpd="sng" algn="ctr">
+        <a:solidFill>
+          <a:schemeClr val="tx1">
+            <a:lumMod val="5000"/>
+            <a:lumOff val="95000"/>
+          </a:schemeClr>
+        </a:solidFill>
+        <a:round/>
+      </a:ln>
+    </cs:spPr>
+  </cs:gridlineMinor>
+  <cs:hiLoLine>
+    <cs:lnRef idx="0"/>
+    <cs:fillRef idx="0"/>
+    <cs:effectRef idx="0"/>
+    <cs:fontRef idx="minor">
+      <a:schemeClr val="tx1"/>
+    </cs:fontRef>
+    <cs:spPr>
+      <a:ln w="9525" cap="flat" cmpd="sng" algn="ctr">
+        <a:solidFill>
+          <a:schemeClr val="tx1">
+            <a:lumMod val="50000"/>
+            <a:lumOff val="50000"/>
+          </a:schemeClr>
+        </a:solidFill>
+        <a:round/>
+      </a:ln>
+    </cs:spPr>
+  </cs:hiLoLine>
+  <cs:leaderLine>
+    <cs:lnRef idx="0"/>
+    <cs:fillRef idx="0"/>
+    <cs:effectRef idx="0"/>
+    <cs:fontRef idx="minor">
+      <a:schemeClr val="tx1"/>
+    </cs:fontRef>
+    <cs:spPr>
+      <a:ln w="9525" cap="flat" cmpd="sng" algn="ctr">
+        <a:solidFill>
+          <a:schemeClr val="tx1">
+            <a:lumMod val="35000"/>
+            <a:lumOff val="65000"/>
+          </a:schemeClr>
+        </a:solidFill>
+        <a:round/>
+      </a:ln>
+    </cs:spPr>
+  </cs:leaderLine>
+  <cs:legend>
+    <cs:lnRef idx="0"/>
+    <cs:fillRef idx="0"/>
+    <cs:effectRef idx="0"/>
+    <cs:fontRef idx="minor">
+      <a:schemeClr val="tx1">
+        <a:lumMod val="65000"/>
+        <a:lumOff val="35000"/>
+      </a:schemeClr>
+    </cs:fontRef>
+    <cs:defRPr sz="900" kern="1200"/>
+  </cs:legend>
+  <cs:plotArea mods="allowNoFillOverride allowNoLineOverride">
+    <cs:lnRef idx="0"/>
+    <cs:fillRef idx="0"/>
+    <cs:effectRef idx="0"/>
+    <cs:fontRef idx="minor">
+      <a:schemeClr val="tx1"/>
+    </cs:fontRef>
+  </cs:plotArea>
+  <cs:plotArea3D mods="allowNoFillOverride allowNoLineOverride">
+    <cs:lnRef idx="0"/>
+    <cs:fillRef idx="0"/>
+    <cs:effectRef idx="0"/>
+    <cs:fontRef idx="minor">
+      <a:schemeClr val="tx1"/>
+    </cs:fontRef>
+  </cs:plotArea3D>
+  <cs:seriesAxis>
+    <cs:lnRef idx="0"/>
+    <cs:fillRef idx="0"/>
+    <cs:effectRef idx="0"/>
+    <cs:fontRef idx="minor">
+      <a:schemeClr val="tx1">
+        <a:lumMod val="65000"/>
+        <a:lumOff val="35000"/>
+      </a:schemeClr>
+    </cs:fontRef>
+    <cs:defRPr sz="900" kern="1200"/>
+  </cs:seriesAxis>
+  <cs:seriesLine>
+    <cs:lnRef idx="0"/>
+    <cs:fillRef idx="0"/>
+    <cs:effectRef idx="0"/>
+    <cs:fontRef idx="minor">
+      <a:schemeClr val="tx1"/>
+    </cs:fontRef>
+    <cs:spPr>
+      <a:ln w="9525" cap="flat" cmpd="sng" algn="ctr">
+        <a:solidFill>
+          <a:schemeClr val="tx1">
+            <a:lumMod val="35000"/>
+            <a:lumOff val="65000"/>
+          </a:schemeClr>
+        </a:solidFill>
+        <a:round/>
+      </a:ln>
+    </cs:spPr>
+  </cs:seriesLine>
+  <cs:title>
+    <cs:lnRef idx="0"/>
+    <cs:fillRef idx="0"/>
+    <cs:effectRef idx="0"/>
+    <cs:fontRef idx="minor">
+      <a:schemeClr val="tx1">
+        <a:lumMod val="65000"/>
+        <a:lumOff val="35000"/>
+      </a:schemeClr>
+    </cs:fontRef>
+    <cs:defRPr sz="1400" b="0" kern="1200" spc="0" baseline="0"/>
+  </cs:title>
+  <cs:trendline>
+    <cs:lnRef idx="0">
+      <cs:styleClr val="auto"/>
+    </cs:lnRef>
+    <cs:fillRef idx="0"/>
+    <cs:effectRef idx="0"/>
+    <cs:fontRef idx="minor">
+      <a:schemeClr val="tx1"/>
+    </cs:fontRef>
+    <cs:spPr>
+      <a:ln w="19050" cap="rnd">
+        <a:solidFill>
+          <a:schemeClr val="phClr"/>
+        </a:solidFill>
+        <a:prstDash val="sysDot"/>
+      </a:ln>
+    </cs:spPr>
+  </cs:trendline>
+  <cs:trendlineLabel>
+    <cs:lnRef idx="0"/>
+    <cs:fillRef idx="0"/>
+    <cs:effectRef idx="0"/>
+    <cs:fontRef idx="minor">
+      <a:schemeClr val="tx1">
+        <a:lumMod val="65000"/>
+        <a:lumOff val="35000"/>
+      </a:schemeClr>
+    </cs:fontRef>
+    <cs:defRPr sz="900" kern="1200"/>
+  </cs:trendlineLabel>
+  <cs:upBar>
+    <cs:lnRef idx="0"/>
+    <cs:fillRef idx="0"/>
+    <cs:effectRef idx="0"/>
+    <cs:fontRef idx="minor">
+      <a:schemeClr val="tx1"/>
+    </cs:fontRef>
+    <cs:spPr>
+      <a:solidFill>
+        <a:schemeClr val="lt1"/>
+      </a:solidFill>
+      <a:ln w="9525" cap="flat" cmpd="sng" algn="ctr">
+        <a:solidFill>
+          <a:schemeClr val="tx1">
+            <a:lumMod val="65000"/>
+            <a:lumOff val="35000"/>
+          </a:schemeClr>
+        </a:solidFill>
+        <a:round/>
+      </a:ln>
+    </cs:spPr>
+  </cs:upBar>
+  <cs:valueAxis>
+    <cs:lnRef idx="0"/>
+    <cs:fillRef idx="0"/>
+    <cs:effectRef idx="0"/>
+    <cs:fontRef idx="minor">
+      <a:schemeClr val="tx1">
+        <a:lumMod val="65000"/>
+        <a:lumOff val="35000"/>
+      </a:schemeClr>
+    </cs:fontRef>
+    <cs:defRPr sz="900" kern="1200"/>
+  </cs:valueAxis>
+  <cs:wall>
+    <cs:lnRef idx="0"/>
+    <cs:fillRef idx="0"/>
+    <cs:effectRef idx="0"/>
+    <cs:fontRef idx="minor">
+      <a:schemeClr val="tx1"/>
+    </cs:fontRef>
+    <cs:spPr>
+      <a:noFill/>
+      <a:ln>
+        <a:noFill/>
+      </a:ln>
+    </cs:spPr>
+  </cs:wall>
+</cs:chartStyle>
+</file>
+
 <file path=ppt/notesMasters/notesMaster1.xml><?xml version="1.0" encoding="utf-8"?>
 <p:notesMaster xmlns:a="http://schemas.openxmlformats.org/drawingml/2006/main" xmlns:r="http://schemas.openxmlformats.org/officeDocument/2006/relationships" xmlns:p="http://schemas.openxmlformats.org/presentationml/2006/main">
   <p:cSld>
@@ -11869,7 +13125,7 @@
               <a:rPr lang="ru-RU" sz="1500" spc="-1">
                 <a:latin typeface="Times New Roman"/>
               </a:rPr>
-              <a:t>7</a:t>
+              <a:t>8</a:t>
             </a:fld>
             <a:endParaRPr lang="ru-RU" sz="1500" spc="-1">
               <a:latin typeface="Times New Roman"/>
@@ -11993,7 +13249,7 @@
               <a:rPr lang="ru-RU" sz="1300" spc="-1">
                 <a:latin typeface="Times New Roman"/>
               </a:rPr>
-              <a:t>8</a:t>
+              <a:t>9</a:t>
             </a:fld>
             <a:endParaRPr lang="ru-RU" sz="1300" spc="-1">
               <a:latin typeface="Times New Roman"/>
@@ -12112,7 +13368,7 @@
               <a:rPr lang="ru-RU" sz="1300" spc="-1">
                 <a:latin typeface="Times New Roman"/>
               </a:rPr>
-              <a:t>9</a:t>
+              <a:t>10</a:t>
             </a:fld>
             <a:endParaRPr lang="ru-RU" sz="1300" spc="-1">
               <a:latin typeface="Times New Roman"/>
@@ -12236,7 +13492,7 @@
               <a:rPr lang="ru-RU" sz="1300" spc="-1">
                 <a:latin typeface="Times New Roman"/>
               </a:rPr>
-              <a:t>10</a:t>
+              <a:t>11</a:t>
             </a:fld>
             <a:endParaRPr lang="ru-RU" sz="1300" spc="-1">
               <a:latin typeface="Times New Roman"/>
@@ -12360,7 +13616,7 @@
               <a:rPr lang="ru-RU" sz="1300" spc="-1">
                 <a:latin typeface="Times New Roman"/>
               </a:rPr>
-              <a:t>11</a:t>
+              <a:t>12</a:t>
             </a:fld>
             <a:endParaRPr lang="ru-RU" sz="1300" spc="-1">
               <a:latin typeface="Times New Roman"/>
@@ -12484,7 +13740,7 @@
               <a:rPr lang="ru-RU" sz="1300" spc="-1">
                 <a:latin typeface="Times New Roman"/>
               </a:rPr>
-              <a:t>12</a:t>
+              <a:t>13</a:t>
             </a:fld>
             <a:endParaRPr lang="ru-RU" sz="1300" spc="-1">
               <a:latin typeface="Times New Roman"/>
@@ -12578,7 +13834,7 @@
               <a:rPr lang="ru-RU" sz="1500" spc="-1">
                 <a:latin typeface="Times New Roman"/>
               </a:rPr>
-              <a:t>13</a:t>
+              <a:t>14</a:t>
             </a:fld>
             <a:endParaRPr lang="ru-RU" sz="1500" spc="-1">
               <a:latin typeface="Times New Roman"/>
@@ -15338,7 +16594,7 @@
         </p:nvSpPr>
         <p:spPr>
           <a:xfrm>
-            <a:off x="677160" y="2641680"/>
+            <a:off x="1044865" y="2612160"/>
             <a:ext cx="8596440" cy="2031120"/>
           </a:xfrm>
           <a:prstGeom prst="rect">
@@ -15361,56 +16617,62 @@
               </a:lnSpc>
             </a:pPr>
             <a:r>
-              <a:rPr lang="ru-RU" sz="2800" b="1" strike="noStrike" spc="-1" dirty="0" smtClean="0">
+              <a:rPr lang="ru-RU" sz="3200" b="1" strike="noStrike" spc="-1" dirty="0" smtClean="0">
                 <a:solidFill>
                   <a:srgbClr val="226292"/>
                 </a:solidFill>
-                <a:latin typeface="Trebuchet MS"/>
+                <a:latin typeface="Calibri" panose="020F0502020204030204" pitchFamily="34" charset="0"/>
                 <a:ea typeface="Microsoft YaHei"/>
+                <a:cs typeface="Calibri" panose="020F0502020204030204" pitchFamily="34" charset="0"/>
               </a:rPr>
               <a:t>Выпускная квалификационная работа на тему</a:t>
             </a:r>
             <a:r>
-              <a:rPr lang="ru-RU" sz="2800" b="1" strike="noStrike" spc="-1" dirty="0" smtClean="0">
+              <a:rPr lang="ru-RU" sz="3200" b="1" strike="noStrike" spc="-1" dirty="0" smtClean="0">
                 <a:solidFill>
                   <a:srgbClr val="226292"/>
                 </a:solidFill>
-                <a:latin typeface="Trebuchet MS"/>
+                <a:latin typeface="Calibri" panose="020F0502020204030204" pitchFamily="34" charset="0"/>
+                <a:cs typeface="Calibri" panose="020F0502020204030204" pitchFamily="34" charset="0"/>
               </a:rPr>
               <a:t>: </a:t>
             </a:r>
             <a:r>
-              <a:rPr lang="ru-RU" sz="2800" spc="-1" dirty="0">
+              <a:rPr lang="ru-RU" sz="3200" spc="-1" dirty="0">
                 <a:solidFill>
                   <a:srgbClr val="0070C0"/>
                 </a:solidFill>
-                <a:latin typeface="Trebuchet MS"/>
+                <a:latin typeface="Calibri" panose="020F0502020204030204" pitchFamily="34" charset="0"/>
+                <a:cs typeface="Calibri" panose="020F0502020204030204" pitchFamily="34" charset="0"/>
               </a:rPr>
               <a:t>«Разработка сервиса поведенческого анализа функционирования мобильных устройств на операционных системах </a:t>
             </a:r>
             <a:r>
-              <a:rPr lang="ru-RU" sz="2800" spc="-1" dirty="0" err="1">
+              <a:rPr lang="ru-RU" sz="3200" spc="-1" dirty="0" err="1">
                 <a:solidFill>
                   <a:srgbClr val="0070C0"/>
                 </a:solidFill>
-                <a:latin typeface="Trebuchet MS"/>
+                <a:latin typeface="Calibri" panose="020F0502020204030204" pitchFamily="34" charset="0"/>
+                <a:cs typeface="Calibri" panose="020F0502020204030204" pitchFamily="34" charset="0"/>
               </a:rPr>
               <a:t>андроид</a:t>
             </a:r>
             <a:r>
-              <a:rPr lang="ru-RU" sz="2800" spc="-1" dirty="0">
+              <a:rPr lang="ru-RU" sz="3200" spc="-1" dirty="0">
                 <a:solidFill>
                   <a:srgbClr val="0070C0"/>
                 </a:solidFill>
-                <a:latin typeface="Trebuchet MS"/>
+                <a:latin typeface="Calibri" panose="020F0502020204030204" pitchFamily="34" charset="0"/>
+                <a:cs typeface="Calibri" panose="020F0502020204030204" pitchFamily="34" charset="0"/>
               </a:rPr>
               <a:t>»</a:t>
             </a:r>
-            <a:endParaRPr lang="en-US" sz="2800" b="0" strike="noStrike" spc="-1" dirty="0">
+            <a:endParaRPr lang="en-US" sz="3200" b="0" strike="noStrike" spc="-1" dirty="0">
               <a:solidFill>
                 <a:srgbClr val="000000"/>
               </a:solidFill>
-              <a:latin typeface="Trebuchet MS"/>
+              <a:latin typeface="Calibri" panose="020F0502020204030204" pitchFamily="34" charset="0"/>
+              <a:cs typeface="Calibri" panose="020F0502020204030204" pitchFamily="34" charset="0"/>
             </a:endParaRPr>
           </a:p>
         </p:txBody>
@@ -15423,8 +16685,8 @@
         </p:nvSpPr>
         <p:spPr>
           <a:xfrm>
-            <a:off x="677160" y="5469120"/>
-            <a:ext cx="8596440" cy="1388520"/>
+            <a:off x="504720" y="5180362"/>
+            <a:ext cx="8596440" cy="1108143"/>
           </a:xfrm>
           <a:prstGeom prst="rect">
             <a:avLst/>
@@ -15436,7 +16698,7 @@
         </p:spPr>
         <p:txBody>
           <a:bodyPr>
-            <a:normAutofit fontScale="92500" lnSpcReduction="20000"/>
+            <a:normAutofit fontScale="92500"/>
           </a:bodyPr>
           <a:lstStyle/>
           <a:p>
@@ -15450,13 +16712,24 @@
               <a:buSzPct val="80000"/>
             </a:pPr>
             <a:r>
-              <a:rPr lang="ru-RU" sz="1800" b="0" strike="noStrike" spc="-1" dirty="0" smtClean="0">
+              <a:rPr lang="ru-RU" sz="2300" spc="-1" dirty="0">
                 <a:solidFill>
                   <a:srgbClr val="404040"/>
                 </a:solidFill>
-                <a:latin typeface="Trebuchet MS"/>
+                <a:latin typeface="Calibri" panose="020F0502020204030204" pitchFamily="34" charset="0"/>
+                <a:cs typeface="Calibri" panose="020F0502020204030204" pitchFamily="34" charset="0"/>
               </a:rPr>
-              <a:t>Студент: Князев Константин Антонович</a:t>
+              <a:t>Выполнил: студент </a:t>
+            </a:r>
+            <a:r>
+              <a:rPr lang="ru-RU" sz="2300" b="0" strike="noStrike" spc="-1" dirty="0" smtClean="0">
+                <a:solidFill>
+                  <a:srgbClr val="404040"/>
+                </a:solidFill>
+                <a:latin typeface="Calibri" panose="020F0502020204030204" pitchFamily="34" charset="0"/>
+                <a:cs typeface="Calibri" panose="020F0502020204030204" pitchFamily="34" charset="0"/>
+              </a:rPr>
+              <a:t>Князев Константин Антонович</a:t>
             </a:r>
           </a:p>
           <a:p>
@@ -15470,31 +16743,54 @@
               <a:buSzPct val="80000"/>
             </a:pPr>
             <a:r>
-              <a:rPr lang="ru-RU" spc="-1" dirty="0" smtClean="0">
+              <a:rPr lang="ru-RU" sz="2300" spc="-1" dirty="0" smtClean="0">
                 <a:solidFill>
                   <a:srgbClr val="404040"/>
                 </a:solidFill>
-                <a:latin typeface="Trebuchet MS"/>
+                <a:latin typeface="Calibri" panose="020F0502020204030204" pitchFamily="34" charset="0"/>
+                <a:cs typeface="Calibri" panose="020F0502020204030204" pitchFamily="34" charset="0"/>
               </a:rPr>
-              <a:t>Научный руководитель: </a:t>
+              <a:t>Научный </a:t>
             </a:r>
             <a:r>
-              <a:rPr lang="ru-RU" spc="-1" dirty="0" err="1" smtClean="0">
+              <a:rPr lang="ru-RU" sz="2300" spc="-1" dirty="0" smtClean="0">
                 <a:solidFill>
                   <a:srgbClr val="404040"/>
                 </a:solidFill>
-                <a:latin typeface="Trebuchet MS"/>
+                <a:latin typeface="Calibri" panose="020F0502020204030204" pitchFamily="34" charset="0"/>
+                <a:cs typeface="Calibri" panose="020F0502020204030204" pitchFamily="34" charset="0"/>
+              </a:rPr>
+              <a:t>руководитель: к.т.н., доцент </a:t>
+            </a:r>
+            <a:r>
+              <a:rPr lang="ru-RU" sz="2300" spc="-1" dirty="0" err="1" smtClean="0">
+                <a:solidFill>
+                  <a:srgbClr val="404040"/>
+                </a:solidFill>
+                <a:latin typeface="Calibri" panose="020F0502020204030204" pitchFamily="34" charset="0"/>
+                <a:cs typeface="Calibri" panose="020F0502020204030204" pitchFamily="34" charset="0"/>
               </a:rPr>
               <a:t>Трубиенко</a:t>
             </a:r>
             <a:r>
-              <a:rPr lang="ru-RU" spc="-1" dirty="0" smtClean="0">
+              <a:rPr lang="ru-RU" sz="2300" spc="-1" dirty="0" smtClean="0">
                 <a:solidFill>
                   <a:srgbClr val="404040"/>
                 </a:solidFill>
-                <a:latin typeface="Trebuchet MS"/>
+                <a:latin typeface="Calibri" panose="020F0502020204030204" pitchFamily="34" charset="0"/>
+                <a:cs typeface="Calibri" panose="020F0502020204030204" pitchFamily="34" charset="0"/>
               </a:rPr>
-              <a:t> Олег Владимирович</a:t>
+              <a:t> </a:t>
+            </a:r>
+            <a:r>
+              <a:rPr lang="ru-RU" sz="2300" spc="-1" dirty="0" smtClean="0">
+                <a:solidFill>
+                  <a:srgbClr val="404040"/>
+                </a:solidFill>
+                <a:latin typeface="Calibri" panose="020F0502020204030204" pitchFamily="34" charset="0"/>
+                <a:cs typeface="Calibri" panose="020F0502020204030204" pitchFamily="34" charset="0"/>
+              </a:rPr>
+              <a:t>Олег Владимирович</a:t>
             </a:r>
           </a:p>
           <a:p>
@@ -15508,37 +16804,61 @@
               <a:buSzPct val="80000"/>
             </a:pPr>
             <a:r>
-              <a:rPr lang="ru-RU" sz="1800" b="0" strike="noStrike" spc="-1" dirty="0" smtClean="0">
+              <a:rPr lang="ru-RU" sz="2300" b="0" strike="noStrike" spc="-1" dirty="0" smtClean="0">
                 <a:solidFill>
                   <a:srgbClr val="404040"/>
                 </a:solidFill>
-                <a:latin typeface="Trebuchet MS"/>
+                <a:latin typeface="Calibri" panose="020F0502020204030204" pitchFamily="34" charset="0"/>
+                <a:cs typeface="Calibri" panose="020F0502020204030204" pitchFamily="34" charset="0"/>
               </a:rPr>
               <a:t>Научный консультант: </a:t>
             </a:r>
             <a:r>
-              <a:rPr lang="ru-RU" sz="1800" b="0" strike="noStrike" spc="-1" dirty="0" err="1" smtClean="0">
+              <a:rPr lang="ru-RU" sz="2300" b="0" strike="noStrike" spc="-1" dirty="0" smtClean="0">
                 <a:solidFill>
                   <a:srgbClr val="404040"/>
                 </a:solidFill>
-                <a:latin typeface="Trebuchet MS"/>
+                <a:latin typeface="Calibri" panose="020F0502020204030204" pitchFamily="34" charset="0"/>
+                <a:cs typeface="Calibri" panose="020F0502020204030204" pitchFamily="34" charset="0"/>
+              </a:rPr>
+              <a:t>к.т.н., доцент </a:t>
+            </a:r>
+            <a:r>
+              <a:rPr lang="ru-RU" sz="2300" b="0" strike="noStrike" spc="-1" dirty="0" err="1" smtClean="0">
+                <a:solidFill>
+                  <a:srgbClr val="404040"/>
+                </a:solidFill>
+                <a:latin typeface="Calibri" panose="020F0502020204030204" pitchFamily="34" charset="0"/>
+                <a:cs typeface="Calibri" panose="020F0502020204030204" pitchFamily="34" charset="0"/>
               </a:rPr>
               <a:t>Потерпеев</a:t>
             </a:r>
             <a:r>
-              <a:rPr lang="ru-RU" sz="1800" b="0" strike="noStrike" spc="-1" dirty="0" smtClean="0">
+              <a:rPr lang="ru-RU" sz="2300" b="0" strike="noStrike" spc="-1" dirty="0" smtClean="0">
                 <a:solidFill>
                   <a:srgbClr val="404040"/>
                 </a:solidFill>
-                <a:latin typeface="Trebuchet MS"/>
+                <a:latin typeface="Calibri" panose="020F0502020204030204" pitchFamily="34" charset="0"/>
+                <a:cs typeface="Calibri" panose="020F0502020204030204" pitchFamily="34" charset="0"/>
               </a:rPr>
-              <a:t> Герман Юрьевич</a:t>
+              <a:t> </a:t>
             </a:r>
-            <a:endParaRPr lang="en-US" sz="1800" b="0" strike="noStrike" spc="-1" dirty="0">
+            <a:r>
+              <a:rPr lang="ru-RU" sz="2300" b="0" strike="noStrike" spc="-1" dirty="0" smtClean="0">
+                <a:solidFill>
+                  <a:srgbClr val="404040"/>
+                </a:solidFill>
+                <a:latin typeface="Calibri" panose="020F0502020204030204" pitchFamily="34" charset="0"/>
+                <a:cs typeface="Calibri" panose="020F0502020204030204" pitchFamily="34" charset="0"/>
+              </a:rPr>
+              <a:t>Герман Юрьевич</a:t>
+            </a:r>
+            <a:endParaRPr lang="en-US" sz="2300" b="0" strike="noStrike" spc="-1" dirty="0">
               <a:solidFill>
                 <a:srgbClr val="404040"/>
               </a:solidFill>
-              <a:latin typeface="Trebuchet MS"/>
+              <a:latin typeface="Calibri" panose="020F0502020204030204" pitchFamily="34" charset="0"/>
+              <a:cs typeface="Calibri" panose="020F0502020204030204" pitchFamily="34" charset="0"/>
             </a:endParaRPr>
           </a:p>
           <a:p>
@@ -15553,11 +16873,12 @@
               <a:buFont typeface="Wingdings 3" charset="2"/>
               <a:buChar char=""/>
             </a:pPr>
-            <a:endParaRPr lang="en-US" sz="1800" b="0" strike="noStrike" spc="-1" dirty="0">
+            <a:endParaRPr lang="en-US" sz="2300" b="0" strike="noStrike" spc="-1" dirty="0">
               <a:solidFill>
                 <a:srgbClr val="404040"/>
               </a:solidFill>
-              <a:latin typeface="Trebuchet MS"/>
+              <a:latin typeface="Calibri" panose="020F0502020204030204" pitchFamily="34" charset="0"/>
+              <a:cs typeface="Calibri" panose="020F0502020204030204" pitchFamily="34" charset="0"/>
             </a:endParaRPr>
           </a:p>
           <a:p>
@@ -15566,42 +16887,12 @@
                 <a:spcPct val="100000"/>
               </a:lnSpc>
             </a:pPr>
-            <a:endParaRPr lang="en-US" sz="1800" b="0" strike="noStrike" spc="-1" dirty="0">
+            <a:endParaRPr lang="en-US" sz="2300" b="0" strike="noStrike" spc="-1" dirty="0">
               <a:solidFill>
                 <a:srgbClr val="404040"/>
               </a:solidFill>
-              <a:latin typeface="Trebuchet MS"/>
-            </a:endParaRPr>
-          </a:p>
-          <a:p>
-            <a:pPr algn="ctr">
-              <a:lnSpc>
-                <a:spcPct val="100000"/>
-              </a:lnSpc>
-            </a:pPr>
-            <a:r>
-              <a:rPr lang="ru-RU" sz="1800" b="0" strike="noStrike" spc="-1" dirty="0">
-                <a:solidFill>
-                  <a:srgbClr val="404040"/>
-                </a:solidFill>
-                <a:latin typeface="Trebuchet MS"/>
-              </a:rPr>
-              <a:t>Москва </a:t>
-            </a:r>
-            <a:r>
-              <a:rPr lang="ru-RU" sz="1800" b="0" strike="noStrike" spc="-1" dirty="0" smtClean="0">
-                <a:solidFill>
-                  <a:srgbClr val="404040"/>
-                </a:solidFill>
-                <a:latin typeface="Trebuchet MS"/>
-              </a:rPr>
-              <a:t>2021</a:t>
-            </a:r>
-            <a:endParaRPr lang="en-US" sz="1800" b="0" strike="noStrike" spc="-1" dirty="0">
-              <a:solidFill>
-                <a:srgbClr val="404040"/>
-              </a:solidFill>
-              <a:latin typeface="Trebuchet MS"/>
+              <a:latin typeface="Calibri" panose="020F0502020204030204" pitchFamily="34" charset="0"/>
+              <a:cs typeface="Calibri" panose="020F0502020204030204" pitchFamily="34" charset="0"/>
             </a:endParaRPr>
           </a:p>
           <a:p>
@@ -15682,8 +16973,8 @@
         </p:nvSpPr>
         <p:spPr>
           <a:xfrm>
-            <a:off x="2307600" y="155520"/>
-            <a:ext cx="7166880" cy="2102400"/>
+            <a:off x="1929139" y="228420"/>
+            <a:ext cx="7712166" cy="1846659"/>
           </a:xfrm>
           <a:prstGeom prst="rect">
             <a:avLst/>
@@ -15706,7 +16997,7 @@
           <a:fontRef idx="minor"/>
         </p:style>
         <p:txBody>
-          <a:bodyPr anchor="ctr">
+          <a:bodyPr wrap="square" anchor="ctr">
             <a:spAutoFit/>
           </a:bodyPr>
           <a:lstStyle/>
@@ -15717,31 +17008,43 @@
               </a:lnSpc>
             </a:pPr>
             <a:r>
-              <a:rPr lang="ru-RU" sz="1800" b="0" strike="noStrike" spc="-1">
+              <a:rPr lang="ru-RU" sz="1800" b="0" strike="noStrike" spc="-1" dirty="0">
                 <a:solidFill>
                   <a:srgbClr val="226292"/>
                 </a:solidFill>
-                <a:latin typeface="Arial"/>
+                <a:latin typeface="Calibri" panose="020F0502020204030204" pitchFamily="34" charset="0"/>
                 <a:ea typeface="Times New Roman"/>
+                <a:cs typeface="Calibri" panose="020F0502020204030204" pitchFamily="34" charset="0"/>
               </a:rPr>
               <a:t>Федеральное государственное бюджетное образовательное учреждение </a:t>
             </a:r>
             <a:r>
+              <a:rPr dirty="0">
+                <a:latin typeface="Calibri" panose="020F0502020204030204" pitchFamily="34" charset="0"/>
+                <a:cs typeface="Calibri" panose="020F0502020204030204" pitchFamily="34" charset="0"/>
+              </a:rPr>
               <a:t/>
             </a:r>
-            <a:br/>
+            <a:br>
+              <a:rPr dirty="0">
+                <a:latin typeface="Calibri" panose="020F0502020204030204" pitchFamily="34" charset="0"/>
+                <a:cs typeface="Calibri" panose="020F0502020204030204" pitchFamily="34" charset="0"/>
+              </a:rPr>
+            </a:br>
             <a:r>
-              <a:rPr lang="ru-RU" sz="1800" b="0" strike="noStrike" spc="-1">
+              <a:rPr lang="ru-RU" sz="1800" b="0" strike="noStrike" spc="-1" dirty="0">
                 <a:solidFill>
                   <a:srgbClr val="226292"/>
                 </a:solidFill>
-                <a:latin typeface="Arial"/>
+                <a:latin typeface="Calibri" panose="020F0502020204030204" pitchFamily="34" charset="0"/>
                 <a:ea typeface="Times New Roman"/>
+                <a:cs typeface="Calibri" panose="020F0502020204030204" pitchFamily="34" charset="0"/>
               </a:rPr>
               <a:t>высшего образования</a:t>
             </a:r>
-            <a:endParaRPr lang="ru-RU" sz="1800" b="0" strike="noStrike" spc="-1">
-              <a:latin typeface="Arial"/>
+            <a:endParaRPr lang="ru-RU" sz="1800" b="0" strike="noStrike" spc="-1" dirty="0">
+              <a:latin typeface="Calibri" panose="020F0502020204030204" pitchFamily="34" charset="0"/>
+              <a:cs typeface="Calibri" panose="020F0502020204030204" pitchFamily="34" charset="0"/>
             </a:endParaRPr>
           </a:p>
           <a:p>
@@ -15751,17 +17054,19 @@
               </a:lnSpc>
             </a:pPr>
             <a:r>
-              <a:rPr lang="ru-RU" sz="1800" b="1" strike="noStrike" spc="-1">
+              <a:rPr lang="ru-RU" sz="1800" b="1" strike="noStrike" spc="-1" dirty="0">
                 <a:solidFill>
                   <a:srgbClr val="226292"/>
                 </a:solidFill>
-                <a:latin typeface="Arial"/>
+                <a:latin typeface="Calibri" panose="020F0502020204030204" pitchFamily="34" charset="0"/>
                 <a:ea typeface="Times New Roman"/>
+                <a:cs typeface="Calibri" panose="020F0502020204030204" pitchFamily="34" charset="0"/>
               </a:rPr>
               <a:t>«МИРЭА - Российский технологический университет»</a:t>
             </a:r>
-            <a:endParaRPr lang="ru-RU" sz="1800" b="0" strike="noStrike" spc="-1">
-              <a:latin typeface="Arial"/>
+            <a:endParaRPr lang="ru-RU" sz="1800" b="0" strike="noStrike" spc="-1" dirty="0">
+              <a:latin typeface="Calibri" panose="020F0502020204030204" pitchFamily="34" charset="0"/>
+              <a:cs typeface="Calibri" panose="020F0502020204030204" pitchFamily="34" charset="0"/>
             </a:endParaRPr>
           </a:p>
           <a:p>
@@ -15771,17 +17076,19 @@
               </a:lnSpc>
             </a:pPr>
             <a:r>
-              <a:rPr lang="ru-RU" sz="1600" b="1" strike="noStrike" spc="-1">
+              <a:rPr lang="ru-RU" sz="1600" b="1" strike="noStrike" spc="-1" dirty="0">
                 <a:solidFill>
                   <a:srgbClr val="226292"/>
                 </a:solidFill>
-                <a:latin typeface="Times New Roman"/>
+                <a:latin typeface="Calibri" panose="020F0502020204030204" pitchFamily="34" charset="0"/>
                 <a:ea typeface="Times New Roman"/>
+                <a:cs typeface="Calibri" panose="020F0502020204030204" pitchFamily="34" charset="0"/>
               </a:rPr>
               <a:t>РТУ МИРЭА</a:t>
             </a:r>
-            <a:endParaRPr lang="ru-RU" sz="1600" b="0" strike="noStrike" spc="-1">
-              <a:latin typeface="Arial"/>
+            <a:endParaRPr lang="ru-RU" sz="1600" b="0" strike="noStrike" spc="-1" dirty="0">
+              <a:latin typeface="Calibri" panose="020F0502020204030204" pitchFamily="34" charset="0"/>
+              <a:cs typeface="Calibri" panose="020F0502020204030204" pitchFamily="34" charset="0"/>
             </a:endParaRPr>
           </a:p>
           <a:p>
@@ -15791,17 +17098,19 @@
               </a:lnSpc>
             </a:pPr>
             <a:r>
-              <a:rPr lang="ru-RU" sz="1600" b="1" strike="noStrike" spc="-1">
+              <a:rPr lang="ru-RU" sz="1600" b="1" strike="noStrike" spc="-1" dirty="0">
                 <a:solidFill>
                   <a:srgbClr val="226292"/>
                 </a:solidFill>
-                <a:latin typeface="Times New Roman"/>
+                <a:latin typeface="Calibri" panose="020F0502020204030204" pitchFamily="34" charset="0"/>
                 <a:ea typeface="Times New Roman"/>
+                <a:cs typeface="Calibri" panose="020F0502020204030204" pitchFamily="34" charset="0"/>
               </a:rPr>
               <a:t>__________________________________________________________</a:t>
             </a:r>
-            <a:endParaRPr lang="ru-RU" sz="1600" b="0" strike="noStrike" spc="-1">
-              <a:latin typeface="Arial"/>
+            <a:endParaRPr lang="ru-RU" sz="1600" b="0" strike="noStrike" spc="-1" dirty="0">
+              <a:latin typeface="Calibri" panose="020F0502020204030204" pitchFamily="34" charset="0"/>
+              <a:cs typeface="Calibri" panose="020F0502020204030204" pitchFamily="34" charset="0"/>
             </a:endParaRPr>
           </a:p>
           <a:p>
@@ -15811,17 +17120,19 @@
               </a:lnSpc>
             </a:pPr>
             <a:r>
-              <a:rPr lang="ru-RU" sz="1400" b="0" strike="noStrike" spc="-1">
+              <a:rPr lang="ru-RU" sz="1400" b="0" strike="noStrike" spc="-1" dirty="0">
                 <a:solidFill>
                   <a:srgbClr val="226292"/>
                 </a:solidFill>
-                <a:latin typeface="Times New Roman"/>
+                <a:latin typeface="Calibri" panose="020F0502020204030204" pitchFamily="34" charset="0"/>
                 <a:ea typeface="Times New Roman"/>
+                <a:cs typeface="Calibri" panose="020F0502020204030204" pitchFamily="34" charset="0"/>
               </a:rPr>
               <a:t>Институт комплексной безопасности и специального приборостроения</a:t>
             </a:r>
-            <a:endParaRPr lang="ru-RU" sz="1400" b="0" strike="noStrike" spc="-1">
-              <a:latin typeface="Arial"/>
+            <a:endParaRPr lang="ru-RU" sz="1400" b="0" strike="noStrike" spc="-1" dirty="0">
+              <a:latin typeface="Calibri" panose="020F0502020204030204" pitchFamily="34" charset="0"/>
+              <a:cs typeface="Calibri" panose="020F0502020204030204" pitchFamily="34" charset="0"/>
             </a:endParaRPr>
           </a:p>
           <a:p>
@@ -15831,18 +17142,50 @@
               </a:lnSpc>
             </a:pPr>
             <a:r>
-              <a:rPr lang="ru-RU" sz="1400" b="0" strike="noStrike" spc="-1">
+              <a:rPr lang="ru-RU" sz="1400" b="0" strike="noStrike" spc="-1" dirty="0">
                 <a:solidFill>
                   <a:srgbClr val="226292"/>
                 </a:solidFill>
-                <a:latin typeface="Times New Roman"/>
+                <a:latin typeface="Calibri" panose="020F0502020204030204" pitchFamily="34" charset="0"/>
                 <a:ea typeface="Times New Roman"/>
+                <a:cs typeface="Calibri" panose="020F0502020204030204" pitchFamily="34" charset="0"/>
               </a:rPr>
               <a:t>Кафедра КБ-2 «Прикладные информационные технологии»</a:t>
             </a:r>
-            <a:endParaRPr lang="ru-RU" sz="1400" b="0" strike="noStrike" spc="-1">
-              <a:latin typeface="Arial"/>
+            <a:endParaRPr lang="ru-RU" sz="1400" b="0" strike="noStrike" spc="-1" dirty="0">
+              <a:latin typeface="Calibri" panose="020F0502020204030204" pitchFamily="34" charset="0"/>
+              <a:cs typeface="Calibri" panose="020F0502020204030204" pitchFamily="34" charset="0"/>
             </a:endParaRPr>
+          </a:p>
+        </p:txBody>
+      </p:sp>
+      <p:sp>
+        <p:nvSpPr>
+          <p:cNvPr id="2" name="TextBox 1"/>
+          <p:cNvSpPr txBox="1"/>
+          <p:nvPr/>
+        </p:nvSpPr>
+        <p:spPr>
+          <a:xfrm>
+            <a:off x="5221585" y="6488668"/>
+            <a:ext cx="1748589" cy="369332"/>
+          </a:xfrm>
+          <a:prstGeom prst="rect">
+            <a:avLst/>
+          </a:prstGeom>
+          <a:noFill/>
+        </p:spPr>
+        <p:txBody>
+          <a:bodyPr wrap="square" rtlCol="0">
+            <a:spAutoFit/>
+          </a:bodyPr>
+          <a:lstStyle/>
+          <a:p>
+            <a:r>
+              <a:rPr lang="ru-RU" dirty="0" smtClean="0"/>
+              <a:t>Москва, 2021</a:t>
+            </a:r>
+            <a:endParaRPr lang="ru-RU" dirty="0"/>
           </a:p>
         </p:txBody>
       </p:sp>
@@ -15909,19 +17252,21 @@
               </a:lnSpc>
             </a:pPr>
             <a:r>
-              <a:rPr lang="ru-RU" sz="2400" b="1" strike="noStrike" spc="-1" dirty="0" smtClean="0">
+              <a:rPr lang="ru-RU" sz="2800" b="1" strike="noStrike" spc="-1" dirty="0" smtClean="0">
                 <a:solidFill>
                   <a:srgbClr val="226292"/>
                 </a:solidFill>
-                <a:latin typeface="Trebuchet MS"/>
+                <a:latin typeface="Calibri" panose="020F0502020204030204" pitchFamily="34" charset="0"/>
+                <a:cs typeface="Calibri" panose="020F0502020204030204" pitchFamily="34" charset="0"/>
               </a:rPr>
-              <a:t>Клиент-серверная часть системы</a:t>
+              <a:t>Мобильное приложение</a:t>
             </a:r>
-            <a:endParaRPr lang="en-US" sz="2400" b="0" strike="noStrike" spc="-1" dirty="0">
+            <a:endParaRPr lang="en-US" sz="2800" b="0" strike="noStrike" spc="-1" dirty="0">
               <a:solidFill>
                 <a:srgbClr val="000000"/>
               </a:solidFill>
-              <a:latin typeface="Trebuchet MS"/>
+              <a:latin typeface="Calibri" panose="020F0502020204030204" pitchFamily="34" charset="0"/>
+              <a:cs typeface="Calibri" panose="020F0502020204030204" pitchFamily="34" charset="0"/>
             </a:endParaRPr>
           </a:p>
         </p:txBody>
@@ -15934,8 +17279,8 @@
         </p:nvSpPr>
         <p:spPr>
           <a:xfrm>
-            <a:off x="1010687" y="1318473"/>
-            <a:ext cx="3402471" cy="2916055"/>
+            <a:off x="971550" y="1464412"/>
+            <a:ext cx="2826728" cy="3959860"/>
           </a:xfrm>
           <a:prstGeom prst="rect">
             <a:avLst/>
@@ -15947,7 +17292,7 @@
         </p:spPr>
         <p:txBody>
           <a:bodyPr>
-            <a:normAutofit fontScale="87000" lnSpcReduction="10000"/>
+            <a:noAutofit/>
           </a:bodyPr>
           <a:lstStyle/>
           <a:p>
@@ -15964,19 +17309,125 @@
               <a:buSzPct val="80000"/>
             </a:pPr>
             <a:r>
-              <a:rPr lang="ru-RU" spc="-1" dirty="0" smtClean="0">
+              <a:rPr lang="ru-RU" sz="2300" b="0" strike="noStrike" spc="-1" dirty="0" smtClean="0">
                 <a:solidFill>
                   <a:srgbClr val="404040"/>
                 </a:solidFill>
-                <a:latin typeface="Trebuchet MS"/>
+                <a:latin typeface="Calibri" panose="020F0502020204030204" pitchFamily="34" charset="0"/>
+                <a:cs typeface="Calibri" panose="020F0502020204030204" pitchFamily="34" charset="0"/>
               </a:rPr>
-              <a:t>Используемые технологии:</a:t>
+              <a:t>Модули:</a:t>
             </a:r>
-            <a:endParaRPr lang="en-US" b="0" strike="noStrike" spc="-1" dirty="0" smtClean="0">
+          </a:p>
+          <a:p>
+            <a:pPr marL="286110" indent="-285750">
+              <a:lnSpc>
+                <a:spcPct val="100000"/>
+              </a:lnSpc>
+              <a:spcBef>
+                <a:spcPts val="1001"/>
+              </a:spcBef>
+              <a:buClr>
+                <a:srgbClr val="5FCBEF"/>
+              </a:buClr>
+              <a:buSzPct val="80000"/>
+              <a:buFont typeface="Arial" panose="020B0604020202020204" pitchFamily="34" charset="0"/>
+              <a:buChar char="•"/>
+            </a:pPr>
+            <a:r>
+              <a:rPr lang="ru-RU" sz="2300" spc="-1" dirty="0" smtClean="0">
+                <a:solidFill>
+                  <a:srgbClr val="404040"/>
+                </a:solidFill>
+                <a:latin typeface="Calibri" panose="020F0502020204030204" pitchFamily="34" charset="0"/>
+                <a:cs typeface="Calibri" panose="020F0502020204030204" pitchFamily="34" charset="0"/>
+              </a:rPr>
+              <a:t>Приложений</a:t>
+            </a:r>
+          </a:p>
+          <a:p>
+            <a:pPr marL="286110" indent="-285750">
+              <a:lnSpc>
+                <a:spcPct val="100000"/>
+              </a:lnSpc>
+              <a:spcBef>
+                <a:spcPts val="1001"/>
+              </a:spcBef>
+              <a:buClr>
+                <a:srgbClr val="5FCBEF"/>
+              </a:buClr>
+              <a:buSzPct val="80000"/>
+              <a:buFont typeface="Arial" panose="020B0604020202020204" pitchFamily="34" charset="0"/>
+              <a:buChar char="•"/>
+            </a:pPr>
+            <a:r>
+              <a:rPr lang="ru-RU" sz="2300" b="0" strike="noStrike" spc="-1" dirty="0" smtClean="0">
+                <a:solidFill>
+                  <a:srgbClr val="404040"/>
+                </a:solidFill>
+                <a:latin typeface="Calibri" panose="020F0502020204030204" pitchFamily="34" charset="0"/>
+                <a:cs typeface="Calibri" panose="020F0502020204030204" pitchFamily="34" charset="0"/>
+              </a:rPr>
+              <a:t>Вызовов</a:t>
+            </a:r>
+          </a:p>
+          <a:p>
+            <a:pPr marL="286110" indent="-285750">
+              <a:lnSpc>
+                <a:spcPct val="100000"/>
+              </a:lnSpc>
+              <a:spcBef>
+                <a:spcPts val="1001"/>
+              </a:spcBef>
+              <a:buClr>
+                <a:srgbClr val="5FCBEF"/>
+              </a:buClr>
+              <a:buSzPct val="80000"/>
+              <a:buFont typeface="Arial" panose="020B0604020202020204" pitchFamily="34" charset="0"/>
+              <a:buChar char="•"/>
+            </a:pPr>
+            <a:r>
+              <a:rPr lang="ru-RU" sz="2300" spc="-1" dirty="0" smtClean="0">
+                <a:solidFill>
+                  <a:srgbClr val="404040"/>
+                </a:solidFill>
+                <a:latin typeface="Calibri" panose="020F0502020204030204" pitchFamily="34" charset="0"/>
+                <a:cs typeface="Calibri" panose="020F0502020204030204" pitchFamily="34" charset="0"/>
+              </a:rPr>
+              <a:t>Контактов</a:t>
+            </a:r>
+          </a:p>
+          <a:p>
+            <a:pPr marL="286110" indent="-285750">
+              <a:lnSpc>
+                <a:spcPct val="100000"/>
+              </a:lnSpc>
+              <a:spcBef>
+                <a:spcPts val="1001"/>
+              </a:spcBef>
+              <a:buClr>
+                <a:srgbClr val="5FCBEF"/>
+              </a:buClr>
+              <a:buSzPct val="80000"/>
+              <a:buFont typeface="Arial" panose="020B0604020202020204" pitchFamily="34" charset="0"/>
+              <a:buChar char="•"/>
+            </a:pPr>
+            <a:r>
+              <a:rPr lang="ru-RU" sz="2300" b="0" strike="noStrike" spc="-1" dirty="0" err="1" smtClean="0">
+                <a:solidFill>
+                  <a:srgbClr val="404040"/>
+                </a:solidFill>
+                <a:latin typeface="Calibri" panose="020F0502020204030204" pitchFamily="34" charset="0"/>
+                <a:cs typeface="Calibri" panose="020F0502020204030204" pitchFamily="34" charset="0"/>
+              </a:rPr>
+              <a:t>Геолокации</a:t>
+            </a:r>
+            <a:endParaRPr lang="ru-RU" sz="2300" b="0" strike="noStrike" spc="-1" dirty="0" smtClean="0">
               <a:solidFill>
                 <a:srgbClr val="404040"/>
               </a:solidFill>
-              <a:latin typeface="Trebuchet MS"/>
+              <a:latin typeface="Calibri" panose="020F0502020204030204" pitchFamily="34" charset="0"/>
+              <a:cs typeface="Calibri" panose="020F0502020204030204" pitchFamily="34" charset="0"/>
             </a:endParaRPr>
           </a:p>
           <a:p>
@@ -15995,13 +17446,14 @@
               <a:buChar char="•"/>
             </a:pPr>
             <a:r>
-              <a:rPr lang="en-US" b="0" strike="noStrike" spc="-1" dirty="0" smtClean="0">
+              <a:rPr lang="en-US" sz="2300" spc="-1" dirty="0" smtClean="0">
                 <a:solidFill>
                   <a:srgbClr val="404040"/>
                 </a:solidFill>
-                <a:latin typeface="Trebuchet MS"/>
+                <a:latin typeface="Calibri" panose="020F0502020204030204" pitchFamily="34" charset="0"/>
+                <a:cs typeface="Calibri" panose="020F0502020204030204" pitchFamily="34" charset="0"/>
               </a:rPr>
-              <a:t>.NET Core 3.1</a:t>
+              <a:t>SMS</a:t>
             </a:r>
           </a:p>
           <a:p>
@@ -16020,44 +17472,14 @@
               <a:buChar char="•"/>
             </a:pPr>
             <a:r>
-              <a:rPr lang="en-US" spc="-1" dirty="0" smtClean="0">
+              <a:rPr lang="en-US" sz="2300" b="0" strike="noStrike" spc="-1" dirty="0" smtClean="0">
                 <a:solidFill>
                   <a:srgbClr val="404040"/>
                 </a:solidFill>
-                <a:latin typeface="Trebuchet MS"/>
+                <a:latin typeface="Calibri" panose="020F0502020204030204" pitchFamily="34" charset="0"/>
+                <a:cs typeface="Calibri" panose="020F0502020204030204" pitchFamily="34" charset="0"/>
               </a:rPr>
-              <a:t>C#</a:t>
-            </a:r>
-            <a:endParaRPr lang="ru-RU" spc="-1" dirty="0" smtClean="0">
-              <a:solidFill>
-                <a:srgbClr val="404040"/>
-              </a:solidFill>
-              <a:latin typeface="Trebuchet MS"/>
-            </a:endParaRPr>
-          </a:p>
-          <a:p>
-            <a:pPr marL="286110" indent="-285750">
-              <a:lnSpc>
-                <a:spcPct val="100000"/>
-              </a:lnSpc>
-              <a:spcBef>
-                <a:spcPts val="1001"/>
-              </a:spcBef>
-              <a:buClr>
-                <a:srgbClr val="5FCBEF"/>
-              </a:buClr>
-              <a:buSzPct val="80000"/>
-              <a:buFont typeface="Arial" panose="020B0604020202020204" pitchFamily="34" charset="0"/>
-              <a:buChar char="•"/>
-            </a:pPr>
-            <a:r>
-              <a:rPr lang="en-US" spc="-1" dirty="0" smtClean="0">
-                <a:solidFill>
-                  <a:srgbClr val="404040"/>
-                </a:solidFill>
-                <a:latin typeface="Trebuchet MS"/>
-              </a:rPr>
-              <a:t>IIS</a:t>
+              <a:t>Wi-Fi</a:t>
             </a:r>
           </a:p>
           <a:p>
@@ -16076,13 +17498,14 @@
               <a:buChar char="•"/>
             </a:pPr>
             <a:r>
-              <a:rPr lang="en-US" b="0" strike="noStrike" spc="-1" dirty="0" smtClean="0">
+              <a:rPr lang="ru-RU" sz="2300" b="0" strike="noStrike" spc="-1" dirty="0" smtClean="0">
                 <a:solidFill>
                   <a:srgbClr val="404040"/>
                 </a:solidFill>
-                <a:latin typeface="Trebuchet MS"/>
+                <a:latin typeface="Calibri" panose="020F0502020204030204" pitchFamily="34" charset="0"/>
+                <a:cs typeface="Calibri" panose="020F0502020204030204" pitchFamily="34" charset="0"/>
               </a:rPr>
-              <a:t>Entity Framework Core</a:t>
+              <a:t>Уведомлений</a:t>
             </a:r>
           </a:p>
           <a:p>
@@ -16101,53 +17524,14 @@
               <a:buChar char="•"/>
             </a:pPr>
             <a:r>
-              <a:rPr lang="en-US" spc="-1" dirty="0" err="1" smtClean="0">
+              <a:rPr lang="ru-RU" sz="2300" spc="-1" dirty="0" smtClean="0">
                 <a:solidFill>
                   <a:srgbClr val="404040"/>
                 </a:solidFill>
-                <a:latin typeface="Trebuchet MS"/>
+                <a:latin typeface="Calibri" panose="020F0502020204030204" pitchFamily="34" charset="0"/>
+                <a:cs typeface="Calibri" panose="020F0502020204030204" pitchFamily="34" charset="0"/>
               </a:rPr>
-              <a:t>Sql</a:t>
-            </a:r>
-            <a:r>
-              <a:rPr lang="en-US" spc="-1" dirty="0" smtClean="0">
-                <a:solidFill>
-                  <a:srgbClr val="404040"/>
-                </a:solidFill>
-                <a:latin typeface="Trebuchet MS"/>
-              </a:rPr>
-              <a:t> Server</a:t>
-            </a:r>
-            <a:endParaRPr lang="en-US" b="0" strike="noStrike" spc="-1" dirty="0" smtClean="0">
-              <a:solidFill>
-                <a:srgbClr val="404040"/>
-              </a:solidFill>
-              <a:latin typeface="Trebuchet MS"/>
-            </a:endParaRPr>
-          </a:p>
-          <a:p>
-            <a:pPr marL="286110" indent="-285750">
-              <a:lnSpc>
-                <a:spcPct val="100000"/>
-              </a:lnSpc>
-              <a:spcBef>
-                <a:spcPts val="1001"/>
-              </a:spcBef>
-              <a:buClr>
-                <a:srgbClr val="5FCBEF"/>
-              </a:buClr>
-              <a:buSzPct val="80000"/>
-              <a:buFont typeface="Arial" panose="020B0604020202020204" pitchFamily="34" charset="0"/>
-              <a:buChar char="•"/>
-            </a:pPr>
-            <a:r>
-              <a:rPr lang="en-US" spc="-1" dirty="0" smtClean="0">
-                <a:solidFill>
-                  <a:srgbClr val="404040"/>
-                </a:solidFill>
-                <a:latin typeface="Trebuchet MS"/>
-              </a:rPr>
-              <a:t>React</a:t>
+              <a:t>Разрешений</a:t>
             </a:r>
           </a:p>
           <a:p>
@@ -16166,81 +17550,33 @@
               <a:buChar char="•"/>
             </a:pPr>
             <a:r>
-              <a:rPr lang="en-US" b="0" strike="noStrike" spc="-1" dirty="0" err="1" smtClean="0">
+              <a:rPr lang="ru-RU" sz="2300" b="0" strike="noStrike" spc="-1" dirty="0" smtClean="0">
                 <a:solidFill>
                   <a:srgbClr val="404040"/>
                 </a:solidFill>
-                <a:latin typeface="Trebuchet MS"/>
+                <a:latin typeface="Calibri" panose="020F0502020204030204" pitchFamily="34" charset="0"/>
+                <a:cs typeface="Calibri" panose="020F0502020204030204" pitchFamily="34" charset="0"/>
               </a:rPr>
-              <a:t>Redux</a:t>
+              <a:t>Файлов</a:t>
             </a:r>
-            <a:endParaRPr lang="ru-RU" b="0" strike="noStrike" spc="-1" dirty="0" smtClean="0">
+            <a:endParaRPr lang="en-US" sz="2300" b="0" strike="noStrike" spc="-1" dirty="0">
               <a:solidFill>
                 <a:srgbClr val="404040"/>
               </a:solidFill>
-              <a:latin typeface="Trebuchet MS"/>
+              <a:latin typeface="Calibri" panose="020F0502020204030204" pitchFamily="34" charset="0"/>
+              <a:cs typeface="Calibri" panose="020F0502020204030204" pitchFamily="34" charset="0"/>
             </a:endParaRPr>
-          </a:p>
-          <a:p>
-            <a:pPr marL="360">
-              <a:lnSpc>
-                <a:spcPct val="100000"/>
-              </a:lnSpc>
-              <a:spcBef>
-                <a:spcPts val="1001"/>
-              </a:spcBef>
-              <a:buClr>
-                <a:srgbClr val="5FCBEF"/>
-              </a:buClr>
-              <a:buSzPct val="80000"/>
-            </a:pPr>
-            <a:endParaRPr lang="en-US" sz="1800" b="0" strike="noStrike" spc="-1" dirty="0">
-              <a:solidFill>
-                <a:srgbClr val="404040"/>
-              </a:solidFill>
-              <a:latin typeface="Trebuchet MS"/>
-            </a:endParaRPr>
-          </a:p>
-        </p:txBody>
-      </p:sp>
-      <p:sp>
-        <p:nvSpPr>
-          <p:cNvPr id="4" name="TextBox 3"/>
-          <p:cNvSpPr txBox="1"/>
-          <p:nvPr/>
-        </p:nvSpPr>
-        <p:spPr>
-          <a:xfrm>
-            <a:off x="1592690" y="5836813"/>
-            <a:ext cx="1793845" cy="338554"/>
-          </a:xfrm>
-          <a:prstGeom prst="rect">
-            <a:avLst/>
-          </a:prstGeom>
-          <a:noFill/>
-        </p:spPr>
-        <p:txBody>
-          <a:bodyPr wrap="square" rtlCol="0">
-            <a:spAutoFit/>
-          </a:bodyPr>
-          <a:lstStyle/>
-          <a:p>
-            <a:r>
-              <a:rPr lang="ru-RU" sz="1600" dirty="0" smtClean="0"/>
-              <a:t>Таблица логов</a:t>
-            </a:r>
-            <a:endParaRPr lang="ru-RU" sz="1600" dirty="0"/>
           </a:p>
         </p:txBody>
       </p:sp>
       <p:pic>
         <p:nvPicPr>
-          <p:cNvPr id="7" name="Рисунок 6" descr="C:\Users\redmo\Documents\Work\repos\Diploma\files\dash.png"/>
+          <p:cNvPr id="8" name="Рисунок 7" descr="C:\Users\redmo\Documents\Work\repos\Diploma\files\app.jpg"/>
           <p:cNvPicPr/>
           <p:nvPr/>
         </p:nvPicPr>
         <p:blipFill>
-          <a:blip r:embed="rId3">
+          <a:blip r:embed="rId3" cstate="print">
             <a:extLst>
               <a:ext uri="{28A0092B-C50C-407E-A947-70E740481C1C}">
                 <a14:useLocalDpi xmlns:a14="http://schemas.microsoft.com/office/drawing/2010/main" val="0"/>
@@ -16254,8 +17590,74 @@
         </p:blipFill>
         <p:spPr bwMode="auto">
           <a:xfrm>
-            <a:off x="5019827" y="1410115"/>
-            <a:ext cx="6173391" cy="4426698"/>
+            <a:off x="3798278" y="1802264"/>
+            <a:ext cx="1901825" cy="3959860"/>
+          </a:xfrm>
+          <a:prstGeom prst="rect">
+            <a:avLst/>
+          </a:prstGeom>
+          <a:noFill/>
+          <a:ln>
+            <a:noFill/>
+          </a:ln>
+        </p:spPr>
+      </p:pic>
+      <p:pic>
+        <p:nvPicPr>
+          <p:cNvPr id="9" name="Рисунок 8" descr="C:\Users\redmo\Documents\Work\repos\Diploma\files\notification.jpg"/>
+          <p:cNvPicPr/>
+          <p:nvPr/>
+        </p:nvPicPr>
+        <p:blipFill>
+          <a:blip r:embed="rId4" cstate="print">
+            <a:extLst>
+              <a:ext uri="{28A0092B-C50C-407E-A947-70E740481C1C}">
+                <a14:useLocalDpi xmlns:a14="http://schemas.microsoft.com/office/drawing/2010/main" val="0"/>
+              </a:ext>
+            </a:extLst>
+          </a:blip>
+          <a:srcRect/>
+          <a:stretch>
+            <a:fillRect/>
+          </a:stretch>
+        </p:blipFill>
+        <p:spPr bwMode="auto">
+          <a:xfrm>
+            <a:off x="6105342" y="1802264"/>
+            <a:ext cx="1901825" cy="3959860"/>
+          </a:xfrm>
+          <a:prstGeom prst="rect">
+            <a:avLst/>
+          </a:prstGeom>
+          <a:noFill/>
+          <a:ln>
+            <a:noFill/>
+          </a:ln>
+        </p:spPr>
+      </p:pic>
+      <p:pic>
+        <p:nvPicPr>
+          <p:cNvPr id="10" name="Рисунок 9" descr="C:\Users\redmo\Documents\Work\repos\Diploma\files\location.jpg"/>
+          <p:cNvPicPr/>
+          <p:nvPr/>
+        </p:nvPicPr>
+        <p:blipFill>
+          <a:blip r:embed="rId5" cstate="print">
+            <a:extLst>
+              <a:ext uri="{28A0092B-C50C-407E-A947-70E740481C1C}">
+                <a14:useLocalDpi xmlns:a14="http://schemas.microsoft.com/office/drawing/2010/main" val="0"/>
+              </a:ext>
+            </a:extLst>
+          </a:blip>
+          <a:srcRect/>
+          <a:stretch>
+            <a:fillRect/>
+          </a:stretch>
+        </p:blipFill>
+        <p:spPr bwMode="auto">
+          <a:xfrm>
+            <a:off x="8412406" y="1802264"/>
+            <a:ext cx="1901825" cy="3959860"/>
           </a:xfrm>
           <a:prstGeom prst="rect">
             <a:avLst/>
@@ -16268,14 +17670,14 @@
       </p:pic>
       <p:sp>
         <p:nvSpPr>
-          <p:cNvPr id="2" name="TextBox 1"/>
+          <p:cNvPr id="11" name="TextBox 10"/>
           <p:cNvSpPr txBox="1"/>
           <p:nvPr/>
         </p:nvSpPr>
         <p:spPr>
           <a:xfrm>
-            <a:off x="6484341" y="5836813"/>
-            <a:ext cx="3244362" cy="338554"/>
+            <a:off x="11530361" y="6248356"/>
+            <a:ext cx="345688" cy="461665"/>
           </a:xfrm>
           <a:prstGeom prst="rect">
             <a:avLst/>
@@ -16288,67 +17690,7 @@
           </a:bodyPr>
           <a:lstStyle/>
           <a:p>
-            <a:r>
-              <a:rPr lang="ru-RU" sz="1600" dirty="0" smtClean="0"/>
-              <a:t>Панель для анализа данных</a:t>
-            </a:r>
-            <a:endParaRPr lang="ru-RU" sz="1600" dirty="0"/>
-          </a:p>
-        </p:txBody>
-      </p:sp>
-      <p:pic>
-        <p:nvPicPr>
-          <p:cNvPr id="5" name="Рисунок 4"/>
-          <p:cNvPicPr>
-            <a:picLocks noChangeAspect="1"/>
-          </p:cNvPicPr>
-          <p:nvPr/>
-        </p:nvPicPr>
-        <p:blipFill>
-          <a:blip r:embed="rId4">
-            <a:extLst>
-              <a:ext uri="{28A0092B-C50C-407E-A947-70E740481C1C}">
-                <a14:useLocalDpi xmlns:a14="http://schemas.microsoft.com/office/drawing/2010/main" val="0"/>
-              </a:ext>
-            </a:extLst>
-          </a:blip>
-          <a:stretch>
-            <a:fillRect/>
-          </a:stretch>
-        </p:blipFill>
-        <p:spPr>
-          <a:xfrm>
-            <a:off x="1294226" y="4112788"/>
-            <a:ext cx="2390775" cy="1724025"/>
-          </a:xfrm>
-          <a:prstGeom prst="rect">
-            <a:avLst/>
-          </a:prstGeom>
-        </p:spPr>
-      </p:pic>
-      <p:sp>
-        <p:nvSpPr>
-          <p:cNvPr id="10" name="TextBox 9"/>
-          <p:cNvSpPr txBox="1"/>
-          <p:nvPr/>
-        </p:nvSpPr>
-        <p:spPr>
-          <a:xfrm>
-            <a:off x="11193218" y="6248356"/>
-            <a:ext cx="682831" cy="461665"/>
-          </a:xfrm>
-          <a:prstGeom prst="rect">
-            <a:avLst/>
-          </a:prstGeom>
-          <a:noFill/>
-        </p:spPr>
-        <p:txBody>
-          <a:bodyPr wrap="square" rtlCol="0">
-            <a:spAutoFit/>
-          </a:bodyPr>
-          <a:lstStyle/>
-          <a:p>
-            <a:fld id="{B22DB2C2-F1B1-483C-9169-C5037CC3832C}" type="slidenum">
+            <a:fld id="{C49606C7-B0ED-4672-BC2B-D711D329F11C}" type="slidenum">
               <a:rPr lang="en-US" sz="2400" smtClean="0"/>
               <a:t>10</a:t>
             </a:fld>
@@ -16359,7 +17701,7 @@
     </p:spTree>
     <p:extLst>
       <p:ext uri="{BB962C8B-B14F-4D97-AF65-F5344CB8AC3E}">
-        <p14:creationId xmlns:p14="http://schemas.microsoft.com/office/powerpoint/2010/main" val="18889531"/>
+        <p14:creationId xmlns:p14="http://schemas.microsoft.com/office/powerpoint/2010/main" val="2966220268"/>
       </p:ext>
     </p:extLst>
   </p:cSld>
@@ -16424,26 +17766,355 @@
               </a:lnSpc>
             </a:pPr>
             <a:r>
-              <a:rPr lang="ru-RU" sz="2400" b="1" strike="noStrike" spc="-1" dirty="0" smtClean="0">
+              <a:rPr lang="ru-RU" sz="2800" b="1" strike="noStrike" spc="-1" dirty="0" smtClean="0">
                 <a:solidFill>
                   <a:srgbClr val="226292"/>
                 </a:solidFill>
-                <a:latin typeface="Trebuchet MS"/>
+                <a:latin typeface="Calibri" panose="020F0502020204030204" pitchFamily="34" charset="0"/>
+                <a:cs typeface="Calibri" panose="020F0502020204030204" pitchFamily="34" charset="0"/>
               </a:rPr>
-              <a:t>Алгоритм работы системы</a:t>
+              <a:t>Клиент-серверная часть системы</a:t>
             </a:r>
-            <a:endParaRPr lang="en-US" sz="2400" b="0" strike="noStrike" spc="-1" dirty="0">
+            <a:endParaRPr lang="en-US" sz="2800" b="0" strike="noStrike" spc="-1" dirty="0">
               <a:solidFill>
                 <a:srgbClr val="000000"/>
+              </a:solidFill>
+              <a:latin typeface="Calibri" panose="020F0502020204030204" pitchFamily="34" charset="0"/>
+              <a:cs typeface="Calibri" panose="020F0502020204030204" pitchFamily="34" charset="0"/>
+            </a:endParaRPr>
+          </a:p>
+        </p:txBody>
+      </p:sp>
+      <p:sp>
+        <p:nvSpPr>
+          <p:cNvPr id="273" name="TextShape 3"/>
+          <p:cNvSpPr txBox="1"/>
+          <p:nvPr/>
+        </p:nvSpPr>
+        <p:spPr>
+          <a:xfrm>
+            <a:off x="1010687" y="1318473"/>
+            <a:ext cx="3402471" cy="2916055"/>
+          </a:xfrm>
+          <a:prstGeom prst="rect">
+            <a:avLst/>
+          </a:prstGeom>
+          <a:noFill/>
+          <a:ln>
+            <a:noFill/>
+          </a:ln>
+        </p:spPr>
+        <p:txBody>
+          <a:bodyPr>
+            <a:normAutofit fontScale="72000" lnSpcReduction="20000"/>
+          </a:bodyPr>
+          <a:lstStyle/>
+          <a:p>
+            <a:pPr marL="360">
+              <a:lnSpc>
+                <a:spcPct val="100000"/>
+              </a:lnSpc>
+              <a:spcBef>
+                <a:spcPts val="1001"/>
+              </a:spcBef>
+              <a:buClr>
+                <a:srgbClr val="5FCBEF"/>
+              </a:buClr>
+              <a:buSzPct val="80000"/>
+            </a:pPr>
+            <a:r>
+              <a:rPr lang="ru-RU" sz="2600" spc="-1" dirty="0" smtClean="0">
+                <a:solidFill>
+                  <a:srgbClr val="404040"/>
+                </a:solidFill>
+                <a:latin typeface="Calibri" panose="020F0502020204030204" pitchFamily="34" charset="0"/>
+                <a:cs typeface="Calibri" panose="020F0502020204030204" pitchFamily="34" charset="0"/>
+              </a:rPr>
+              <a:t>Используемые технологии:</a:t>
+            </a:r>
+            <a:endParaRPr lang="en-US" sz="2600" b="0" strike="noStrike" spc="-1" dirty="0" smtClean="0">
+              <a:solidFill>
+                <a:srgbClr val="404040"/>
+              </a:solidFill>
+              <a:latin typeface="Calibri" panose="020F0502020204030204" pitchFamily="34" charset="0"/>
+              <a:cs typeface="Calibri" panose="020F0502020204030204" pitchFamily="34" charset="0"/>
+            </a:endParaRPr>
+          </a:p>
+          <a:p>
+            <a:pPr marL="286110" indent="-285750">
+              <a:lnSpc>
+                <a:spcPct val="100000"/>
+              </a:lnSpc>
+              <a:spcBef>
+                <a:spcPts val="1001"/>
+              </a:spcBef>
+              <a:buClr>
+                <a:srgbClr val="5FCBEF"/>
+              </a:buClr>
+              <a:buSzPct val="80000"/>
+              <a:buFont typeface="Arial" panose="020B0604020202020204" pitchFamily="34" charset="0"/>
+              <a:buChar char="•"/>
+            </a:pPr>
+            <a:r>
+              <a:rPr lang="en-US" sz="2600" b="0" strike="noStrike" spc="-1" dirty="0" smtClean="0">
+                <a:solidFill>
+                  <a:srgbClr val="404040"/>
+                </a:solidFill>
+                <a:latin typeface="Calibri" panose="020F0502020204030204" pitchFamily="34" charset="0"/>
+                <a:cs typeface="Calibri" panose="020F0502020204030204" pitchFamily="34" charset="0"/>
+              </a:rPr>
+              <a:t>.NET Core 3.1</a:t>
+            </a:r>
+          </a:p>
+          <a:p>
+            <a:pPr marL="286110" indent="-285750">
+              <a:lnSpc>
+                <a:spcPct val="100000"/>
+              </a:lnSpc>
+              <a:spcBef>
+                <a:spcPts val="1001"/>
+              </a:spcBef>
+              <a:buClr>
+                <a:srgbClr val="5FCBEF"/>
+              </a:buClr>
+              <a:buSzPct val="80000"/>
+              <a:buFont typeface="Arial" panose="020B0604020202020204" pitchFamily="34" charset="0"/>
+              <a:buChar char="•"/>
+            </a:pPr>
+            <a:r>
+              <a:rPr lang="en-US" sz="2600" spc="-1" dirty="0" smtClean="0">
+                <a:solidFill>
+                  <a:srgbClr val="404040"/>
+                </a:solidFill>
+                <a:latin typeface="Calibri" panose="020F0502020204030204" pitchFamily="34" charset="0"/>
+                <a:cs typeface="Calibri" panose="020F0502020204030204" pitchFamily="34" charset="0"/>
+              </a:rPr>
+              <a:t>C#</a:t>
+            </a:r>
+            <a:endParaRPr lang="ru-RU" sz="2600" spc="-1" dirty="0" smtClean="0">
+              <a:solidFill>
+                <a:srgbClr val="404040"/>
+              </a:solidFill>
+              <a:latin typeface="Calibri" panose="020F0502020204030204" pitchFamily="34" charset="0"/>
+              <a:cs typeface="Calibri" panose="020F0502020204030204" pitchFamily="34" charset="0"/>
+            </a:endParaRPr>
+          </a:p>
+          <a:p>
+            <a:pPr marL="286110" indent="-285750">
+              <a:lnSpc>
+                <a:spcPct val="100000"/>
+              </a:lnSpc>
+              <a:spcBef>
+                <a:spcPts val="1001"/>
+              </a:spcBef>
+              <a:buClr>
+                <a:srgbClr val="5FCBEF"/>
+              </a:buClr>
+              <a:buSzPct val="80000"/>
+              <a:buFont typeface="Arial" panose="020B0604020202020204" pitchFamily="34" charset="0"/>
+              <a:buChar char="•"/>
+            </a:pPr>
+            <a:r>
+              <a:rPr lang="en-US" sz="2600" spc="-1" dirty="0" smtClean="0">
+                <a:solidFill>
+                  <a:srgbClr val="404040"/>
+                </a:solidFill>
+                <a:latin typeface="Calibri" panose="020F0502020204030204" pitchFamily="34" charset="0"/>
+                <a:cs typeface="Calibri" panose="020F0502020204030204" pitchFamily="34" charset="0"/>
+              </a:rPr>
+              <a:t>IIS</a:t>
+            </a:r>
+          </a:p>
+          <a:p>
+            <a:pPr marL="286110" indent="-285750">
+              <a:lnSpc>
+                <a:spcPct val="100000"/>
+              </a:lnSpc>
+              <a:spcBef>
+                <a:spcPts val="1001"/>
+              </a:spcBef>
+              <a:buClr>
+                <a:srgbClr val="5FCBEF"/>
+              </a:buClr>
+              <a:buSzPct val="80000"/>
+              <a:buFont typeface="Arial" panose="020B0604020202020204" pitchFamily="34" charset="0"/>
+              <a:buChar char="•"/>
+            </a:pPr>
+            <a:r>
+              <a:rPr lang="en-US" sz="2600" b="0" strike="noStrike" spc="-1" dirty="0" smtClean="0">
+                <a:solidFill>
+                  <a:srgbClr val="404040"/>
+                </a:solidFill>
+                <a:latin typeface="Calibri" panose="020F0502020204030204" pitchFamily="34" charset="0"/>
+                <a:cs typeface="Calibri" panose="020F0502020204030204" pitchFamily="34" charset="0"/>
+              </a:rPr>
+              <a:t>Entity Framework Core</a:t>
+            </a:r>
+          </a:p>
+          <a:p>
+            <a:pPr marL="286110" indent="-285750">
+              <a:lnSpc>
+                <a:spcPct val="100000"/>
+              </a:lnSpc>
+              <a:spcBef>
+                <a:spcPts val="1001"/>
+              </a:spcBef>
+              <a:buClr>
+                <a:srgbClr val="5FCBEF"/>
+              </a:buClr>
+              <a:buSzPct val="80000"/>
+              <a:buFont typeface="Arial" panose="020B0604020202020204" pitchFamily="34" charset="0"/>
+              <a:buChar char="•"/>
+            </a:pPr>
+            <a:r>
+              <a:rPr lang="en-US" sz="2600" spc="-1" dirty="0" err="1" smtClean="0">
+                <a:solidFill>
+                  <a:srgbClr val="404040"/>
+                </a:solidFill>
+                <a:latin typeface="Calibri" panose="020F0502020204030204" pitchFamily="34" charset="0"/>
+                <a:cs typeface="Calibri" panose="020F0502020204030204" pitchFamily="34" charset="0"/>
+              </a:rPr>
+              <a:t>Sql</a:t>
+            </a:r>
+            <a:r>
+              <a:rPr lang="en-US" sz="2600" spc="-1" dirty="0" smtClean="0">
+                <a:solidFill>
+                  <a:srgbClr val="404040"/>
+                </a:solidFill>
+                <a:latin typeface="Calibri" panose="020F0502020204030204" pitchFamily="34" charset="0"/>
+                <a:cs typeface="Calibri" panose="020F0502020204030204" pitchFamily="34" charset="0"/>
+              </a:rPr>
+              <a:t> Server</a:t>
+            </a:r>
+            <a:endParaRPr lang="en-US" sz="2600" b="0" strike="noStrike" spc="-1" dirty="0" smtClean="0">
+              <a:solidFill>
+                <a:srgbClr val="404040"/>
+              </a:solidFill>
+              <a:latin typeface="Calibri" panose="020F0502020204030204" pitchFamily="34" charset="0"/>
+              <a:cs typeface="Calibri" panose="020F0502020204030204" pitchFamily="34" charset="0"/>
+            </a:endParaRPr>
+          </a:p>
+          <a:p>
+            <a:pPr marL="286110" indent="-285750">
+              <a:lnSpc>
+                <a:spcPct val="100000"/>
+              </a:lnSpc>
+              <a:spcBef>
+                <a:spcPts val="1001"/>
+              </a:spcBef>
+              <a:buClr>
+                <a:srgbClr val="5FCBEF"/>
+              </a:buClr>
+              <a:buSzPct val="80000"/>
+              <a:buFont typeface="Arial" panose="020B0604020202020204" pitchFamily="34" charset="0"/>
+              <a:buChar char="•"/>
+            </a:pPr>
+            <a:r>
+              <a:rPr lang="en-US" sz="2600" spc="-1" dirty="0" smtClean="0">
+                <a:solidFill>
+                  <a:srgbClr val="404040"/>
+                </a:solidFill>
+                <a:latin typeface="Calibri" panose="020F0502020204030204" pitchFamily="34" charset="0"/>
+                <a:cs typeface="Calibri" panose="020F0502020204030204" pitchFamily="34" charset="0"/>
+              </a:rPr>
+              <a:t>React</a:t>
+            </a:r>
+          </a:p>
+          <a:p>
+            <a:pPr marL="286110" indent="-285750">
+              <a:lnSpc>
+                <a:spcPct val="100000"/>
+              </a:lnSpc>
+              <a:spcBef>
+                <a:spcPts val="1001"/>
+              </a:spcBef>
+              <a:buClr>
+                <a:srgbClr val="5FCBEF"/>
+              </a:buClr>
+              <a:buSzPct val="80000"/>
+              <a:buFont typeface="Arial" panose="020B0604020202020204" pitchFamily="34" charset="0"/>
+              <a:buChar char="•"/>
+            </a:pPr>
+            <a:r>
+              <a:rPr lang="en-US" sz="2600" b="0" strike="noStrike" spc="-1" dirty="0" err="1" smtClean="0">
+                <a:solidFill>
+                  <a:srgbClr val="404040"/>
+                </a:solidFill>
+                <a:latin typeface="Calibri" panose="020F0502020204030204" pitchFamily="34" charset="0"/>
+                <a:cs typeface="Calibri" panose="020F0502020204030204" pitchFamily="34" charset="0"/>
+              </a:rPr>
+              <a:t>Redux</a:t>
+            </a:r>
+            <a:endParaRPr lang="ru-RU" sz="2600" b="0" strike="noStrike" spc="-1" dirty="0" smtClean="0">
+              <a:solidFill>
+                <a:srgbClr val="404040"/>
+              </a:solidFill>
+              <a:latin typeface="Calibri" panose="020F0502020204030204" pitchFamily="34" charset="0"/>
+              <a:cs typeface="Calibri" panose="020F0502020204030204" pitchFamily="34" charset="0"/>
+            </a:endParaRPr>
+          </a:p>
+          <a:p>
+            <a:pPr marL="360">
+              <a:lnSpc>
+                <a:spcPct val="100000"/>
+              </a:lnSpc>
+              <a:spcBef>
+                <a:spcPts val="1001"/>
+              </a:spcBef>
+              <a:buClr>
+                <a:srgbClr val="5FCBEF"/>
+              </a:buClr>
+              <a:buSzPct val="80000"/>
+            </a:pPr>
+            <a:endParaRPr lang="en-US" sz="1800" b="0" strike="noStrike" spc="-1" dirty="0">
+              <a:solidFill>
+                <a:srgbClr val="404040"/>
               </a:solidFill>
               <a:latin typeface="Trebuchet MS"/>
             </a:endParaRPr>
           </a:p>
         </p:txBody>
       </p:sp>
+      <p:sp>
+        <p:nvSpPr>
+          <p:cNvPr id="4" name="TextBox 3"/>
+          <p:cNvSpPr txBox="1"/>
+          <p:nvPr/>
+        </p:nvSpPr>
+        <p:spPr>
+          <a:xfrm>
+            <a:off x="1935590" y="6065413"/>
+            <a:ext cx="1793845" cy="400110"/>
+          </a:xfrm>
+          <a:prstGeom prst="rect">
+            <a:avLst/>
+          </a:prstGeom>
+          <a:noFill/>
+        </p:spPr>
+        <p:txBody>
+          <a:bodyPr wrap="square" rtlCol="0">
+            <a:spAutoFit/>
+          </a:bodyPr>
+          <a:lstStyle/>
+          <a:p>
+            <a:pPr algn="ctr"/>
+            <a:r>
+              <a:rPr lang="ru-RU" sz="2000" dirty="0" smtClean="0">
+                <a:latin typeface="Calibri" panose="020F0502020204030204" pitchFamily="34" charset="0"/>
+                <a:cs typeface="Calibri" panose="020F0502020204030204" pitchFamily="34" charset="0"/>
+              </a:rPr>
+              <a:t>Таблица логов</a:t>
+            </a:r>
+            <a:endParaRPr lang="ru-RU" sz="2000" dirty="0">
+              <a:latin typeface="Calibri" panose="020F0502020204030204" pitchFamily="34" charset="0"/>
+              <a:cs typeface="Calibri" panose="020F0502020204030204" pitchFamily="34" charset="0"/>
+            </a:endParaRPr>
+          </a:p>
+        </p:txBody>
+      </p:sp>
       <p:pic>
         <p:nvPicPr>
-          <p:cNvPr id="9" name="Рисунок 8" descr="C:\Users\redmo\Documents\Work\repos\Diploma\docs\Архитектура.png"/>
+          <p:cNvPr id="7" name="Рисунок 6" descr="C:\Users\redmo\Documents\Work\repos\Diploma\files\dash.png"/>
           <p:cNvPicPr/>
           <p:nvPr/>
         </p:nvPicPr>
@@ -16462,8 +18133,8 @@
         </p:blipFill>
         <p:spPr bwMode="auto">
           <a:xfrm>
-            <a:off x="362813" y="1141213"/>
-            <a:ext cx="8583820" cy="5010883"/>
+            <a:off x="5019827" y="1410115"/>
+            <a:ext cx="6173391" cy="4426698"/>
           </a:xfrm>
           <a:prstGeom prst="rect">
             <a:avLst/>
@@ -16476,13 +18147,226 @@
       </p:pic>
       <p:sp>
         <p:nvSpPr>
+          <p:cNvPr id="2" name="TextBox 1"/>
+          <p:cNvSpPr txBox="1"/>
+          <p:nvPr/>
+        </p:nvSpPr>
+        <p:spPr>
+          <a:xfrm>
+            <a:off x="6484341" y="5836813"/>
+            <a:ext cx="3244362" cy="400110"/>
+          </a:xfrm>
+          <a:prstGeom prst="rect">
+            <a:avLst/>
+          </a:prstGeom>
+          <a:noFill/>
+        </p:spPr>
+        <p:txBody>
+          <a:bodyPr wrap="square" rtlCol="0">
+            <a:spAutoFit/>
+          </a:bodyPr>
+          <a:lstStyle/>
+          <a:p>
+            <a:r>
+              <a:rPr lang="ru-RU" sz="2000" dirty="0" smtClean="0">
+                <a:latin typeface="Calibri" panose="020F0502020204030204" pitchFamily="34" charset="0"/>
+                <a:cs typeface="Calibri" panose="020F0502020204030204" pitchFamily="34" charset="0"/>
+              </a:rPr>
+              <a:t>Панель для анализа данных</a:t>
+            </a:r>
+            <a:endParaRPr lang="ru-RU" sz="2000" dirty="0">
+              <a:latin typeface="Calibri" panose="020F0502020204030204" pitchFamily="34" charset="0"/>
+              <a:cs typeface="Calibri" panose="020F0502020204030204" pitchFamily="34" charset="0"/>
+            </a:endParaRPr>
+          </a:p>
+        </p:txBody>
+      </p:sp>
+      <p:pic>
+        <p:nvPicPr>
+          <p:cNvPr id="5" name="Рисунок 4"/>
+          <p:cNvPicPr>
+            <a:picLocks noChangeAspect="1"/>
+          </p:cNvPicPr>
+          <p:nvPr/>
+        </p:nvPicPr>
+        <p:blipFill>
+          <a:blip r:embed="rId4">
+            <a:extLst>
+              <a:ext uri="{28A0092B-C50C-407E-A947-70E740481C1C}">
+                <a14:useLocalDpi xmlns:a14="http://schemas.microsoft.com/office/drawing/2010/main" val="0"/>
+              </a:ext>
+            </a:extLst>
+          </a:blip>
+          <a:stretch>
+            <a:fillRect/>
+          </a:stretch>
+        </p:blipFill>
+        <p:spPr>
+          <a:xfrm>
+            <a:off x="1637126" y="4341388"/>
+            <a:ext cx="2390775" cy="1724025"/>
+          </a:xfrm>
+          <a:prstGeom prst="rect">
+            <a:avLst/>
+          </a:prstGeom>
+        </p:spPr>
+      </p:pic>
+      <p:sp>
+        <p:nvSpPr>
           <p:cNvPr id="10" name="TextBox 9"/>
           <p:cNvSpPr txBox="1"/>
           <p:nvPr/>
         </p:nvSpPr>
         <p:spPr>
           <a:xfrm>
-            <a:off x="11229278" y="6248356"/>
+            <a:off x="11193218" y="6248356"/>
+            <a:ext cx="682831" cy="461665"/>
+          </a:xfrm>
+          <a:prstGeom prst="rect">
+            <a:avLst/>
+          </a:prstGeom>
+          <a:noFill/>
+        </p:spPr>
+        <p:txBody>
+          <a:bodyPr wrap="square" rtlCol="0">
+            <a:spAutoFit/>
+          </a:bodyPr>
+          <a:lstStyle/>
+          <a:p>
+            <a:fld id="{B22DB2C2-F1B1-483C-9169-C5037CC3832C}" type="slidenum">
+              <a:rPr lang="en-US" sz="2400" smtClean="0"/>
+              <a:t>11</a:t>
+            </a:fld>
+            <a:endParaRPr lang="ru-RU" sz="2400" dirty="0"/>
+          </a:p>
+        </p:txBody>
+      </p:sp>
+    </p:spTree>
+    <p:extLst>
+      <p:ext uri="{BB962C8B-B14F-4D97-AF65-F5344CB8AC3E}">
+        <p14:creationId xmlns:p14="http://schemas.microsoft.com/office/powerpoint/2010/main" val="18889531"/>
+      </p:ext>
+    </p:extLst>
+  </p:cSld>
+  <p:clrMapOvr>
+    <a:masterClrMapping/>
+  </p:clrMapOvr>
+  <p:timing>
+    <p:tnLst>
+      <p:par>
+        <p:cTn id="1" dur="indefinite" restart="never" nodeType="tmRoot"/>
+      </p:par>
+    </p:tnLst>
+  </p:timing>
+</p:sld>
+</file>
+
+<file path=ppt/slides/slide12.xml><?xml version="1.0" encoding="utf-8"?>
+<p:sld xmlns:a="http://schemas.openxmlformats.org/drawingml/2006/main" xmlns:r="http://schemas.openxmlformats.org/officeDocument/2006/relationships" xmlns:p="http://schemas.openxmlformats.org/presentationml/2006/main">
+  <p:cSld>
+    <p:spTree>
+      <p:nvGrpSpPr>
+        <p:cNvPr id="1" name=""/>
+        <p:cNvGrpSpPr/>
+        <p:nvPr/>
+      </p:nvGrpSpPr>
+      <p:grpSpPr>
+        <a:xfrm>
+          <a:off x="0" y="0"/>
+          <a:ext cx="0" cy="0"/>
+          <a:chOff x="0" y="0"/>
+          <a:chExt cx="0" cy="0"/>
+        </a:xfrm>
+      </p:grpSpPr>
+      <p:pic>
+        <p:nvPicPr>
+          <p:cNvPr id="3" name="Рисунок 2"/>
+          <p:cNvPicPr>
+            <a:picLocks noChangeAspect="1"/>
+          </p:cNvPicPr>
+          <p:nvPr/>
+        </p:nvPicPr>
+        <p:blipFill>
+          <a:blip r:embed="rId3">
+            <a:extLst>
+              <a:ext uri="{28A0092B-C50C-407E-A947-70E740481C1C}">
+                <a14:useLocalDpi xmlns:a14="http://schemas.microsoft.com/office/drawing/2010/main" val="0"/>
+              </a:ext>
+            </a:extLst>
+          </a:blip>
+          <a:stretch>
+            <a:fillRect/>
+          </a:stretch>
+        </p:blipFill>
+        <p:spPr>
+          <a:xfrm>
+            <a:off x="199617" y="378086"/>
+            <a:ext cx="11848064" cy="5910027"/>
+          </a:xfrm>
+          <a:prstGeom prst="rect">
+            <a:avLst/>
+          </a:prstGeom>
+        </p:spPr>
+      </p:pic>
+      <p:sp>
+        <p:nvSpPr>
+          <p:cNvPr id="271" name="TextShape 1"/>
+          <p:cNvSpPr txBox="1"/>
+          <p:nvPr/>
+        </p:nvSpPr>
+        <p:spPr>
+          <a:xfrm>
+            <a:off x="677160" y="609480"/>
+            <a:ext cx="8596440" cy="364680"/>
+          </a:xfrm>
+          <a:prstGeom prst="rect">
+            <a:avLst/>
+          </a:prstGeom>
+          <a:noFill/>
+          <a:ln>
+            <a:noFill/>
+          </a:ln>
+        </p:spPr>
+        <p:txBody>
+          <a:bodyPr>
+            <a:noAutofit/>
+          </a:bodyPr>
+          <a:lstStyle/>
+          <a:p>
+            <a:pPr>
+              <a:lnSpc>
+                <a:spcPct val="100000"/>
+              </a:lnSpc>
+            </a:pPr>
+            <a:r>
+              <a:rPr lang="ru-RU" sz="2800" b="1" strike="noStrike" spc="-1" dirty="0" smtClean="0">
+                <a:solidFill>
+                  <a:srgbClr val="226292"/>
+                </a:solidFill>
+                <a:latin typeface="Calibri" panose="020F0502020204030204" pitchFamily="34" charset="0"/>
+                <a:cs typeface="Calibri" panose="020F0502020204030204" pitchFamily="34" charset="0"/>
+              </a:rPr>
+              <a:t>Алгоритм работы системы</a:t>
+            </a:r>
+            <a:endParaRPr lang="en-US" sz="2800" b="0" strike="noStrike" spc="-1" dirty="0">
+              <a:solidFill>
+                <a:srgbClr val="000000"/>
+              </a:solidFill>
+              <a:latin typeface="Calibri" panose="020F0502020204030204" pitchFamily="34" charset="0"/>
+              <a:cs typeface="Calibri" panose="020F0502020204030204" pitchFamily="34" charset="0"/>
+            </a:endParaRPr>
+          </a:p>
+        </p:txBody>
+      </p:sp>
+      <p:sp>
+        <p:nvSpPr>
+          <p:cNvPr id="10" name="TextBox 9"/>
+          <p:cNvSpPr txBox="1"/>
+          <p:nvPr/>
+        </p:nvSpPr>
+        <p:spPr>
+          <a:xfrm>
+            <a:off x="11467818" y="6288113"/>
             <a:ext cx="579863" cy="461665"/>
           </a:xfrm>
           <a:prstGeom prst="rect">
@@ -16498,7 +18382,7 @@
           <a:p>
             <a:fld id="{331A5C6C-A144-440C-B331-79818358EFE2}" type="slidenum">
               <a:rPr lang="en-US" sz="2400" smtClean="0"/>
-              <a:t>11</a:t>
+              <a:t>12</a:t>
             </a:fld>
             <a:endParaRPr lang="ru-RU" sz="2400" dirty="0"/>
           </a:p>
@@ -16524,7 +18408,7 @@
 </p:sld>
 </file>
 
-<file path=ppt/slides/slide12.xml><?xml version="1.0" encoding="utf-8"?>
+<file path=ppt/slides/slide13.xml><?xml version="1.0" encoding="utf-8"?>
 <p:sld xmlns:a="http://schemas.openxmlformats.org/drawingml/2006/main" xmlns:r="http://schemas.openxmlformats.org/officeDocument/2006/relationships" xmlns:p="http://schemas.openxmlformats.org/presentationml/2006/main">
   <p:cSld>
     <p:spTree>
@@ -16572,19 +18456,21 @@
               </a:lnSpc>
             </a:pPr>
             <a:r>
-              <a:rPr lang="ru-RU" sz="2400" b="1" strike="noStrike" spc="-1" dirty="0" smtClean="0">
+              <a:rPr lang="ru-RU" sz="2800" b="1" strike="noStrike" spc="-1" dirty="0" smtClean="0">
                 <a:solidFill>
                   <a:srgbClr val="226292"/>
                 </a:solidFill>
-                <a:latin typeface="Trebuchet MS"/>
+                <a:latin typeface="Calibri" panose="020F0502020204030204" pitchFamily="34" charset="0"/>
+                <a:cs typeface="Calibri" panose="020F0502020204030204" pitchFamily="34" charset="0"/>
               </a:rPr>
               <a:t>Экономическое обоснование</a:t>
             </a:r>
-            <a:endParaRPr lang="en-US" sz="2400" b="0" strike="noStrike" spc="-1" dirty="0">
+            <a:endParaRPr lang="en-US" sz="2800" b="0" strike="noStrike" spc="-1" dirty="0">
               <a:solidFill>
                 <a:srgbClr val="000000"/>
               </a:solidFill>
-              <a:latin typeface="Trebuchet MS"/>
+              <a:latin typeface="Calibri" panose="020F0502020204030204" pitchFamily="34" charset="0"/>
+              <a:cs typeface="Calibri" panose="020F0502020204030204" pitchFamily="34" charset="0"/>
             </a:endParaRPr>
           </a:p>
         </p:txBody>
@@ -16604,7 +18490,7 @@
         <p:spPr>
           <a:xfrm>
             <a:off x="5196406" y="1141213"/>
-            <a:ext cx="5978617" cy="4907896"/>
+            <a:ext cx="6612735" cy="4862022"/>
           </a:xfrm>
           <a:prstGeom prst="rect">
             <a:avLst/>
@@ -16627,7 +18513,7 @@
         </p:nvGraphicFramePr>
         <p:xfrm>
           <a:off x="203501" y="1945925"/>
-          <a:ext cx="4849942" cy="3132472"/>
+          <a:ext cx="4849942" cy="3190696"/>
         </p:xfrm>
         <a:graphic>
           <a:graphicData uri="http://schemas.openxmlformats.org/drawingml/2006/table">
@@ -17719,7 +19605,7 @@
           <a:p>
             <a:fld id="{94A840E9-F8EE-414B-8448-C3FA89370EE7}" type="slidenum">
               <a:rPr lang="en-US" sz="2400" smtClean="0"/>
-              <a:t>12</a:t>
+              <a:t>13</a:t>
             </a:fld>
             <a:endParaRPr lang="ru-RU" sz="2400" dirty="0"/>
           </a:p>
@@ -17745,7 +19631,7 @@
 </p:sld>
 </file>
 
-<file path=ppt/slides/slide13.xml><?xml version="1.0" encoding="utf-8"?>
+<file path=ppt/slides/slide14.xml><?xml version="1.0" encoding="utf-8"?>
 <p:sld xmlns:a="http://schemas.openxmlformats.org/drawingml/2006/main" xmlns:r="http://schemas.openxmlformats.org/officeDocument/2006/relationships" xmlns:p="http://schemas.openxmlformats.org/presentationml/2006/main">
   <p:cSld>
     <p:spTree>
@@ -17783,15 +19669,19 @@
           <a:lstStyle/>
           <a:p>
             <a:r>
-              <a:rPr lang="ru-RU" sz="2400" b="1" spc="-1" dirty="0" smtClean="0">
+              <a:rPr lang="ru-RU" sz="2800" b="1" spc="-1" dirty="0" smtClean="0">
                 <a:solidFill>
                   <a:srgbClr val="226292"/>
                 </a:solidFill>
-                <a:latin typeface="Trebuchet MS"/>
+                <a:latin typeface="Calibri" panose="020F0502020204030204" pitchFamily="34" charset="0"/>
+                <a:cs typeface="Calibri" panose="020F0502020204030204" pitchFamily="34" charset="0"/>
               </a:rPr>
               <a:t>Выводы</a:t>
             </a:r>
-            <a:endParaRPr lang="ru-RU" sz="2400" dirty="0"/>
+            <a:endParaRPr lang="ru-RU" sz="2800" dirty="0">
+              <a:latin typeface="Calibri" panose="020F0502020204030204" pitchFamily="34" charset="0"/>
+              <a:cs typeface="Calibri" panose="020F0502020204030204" pitchFamily="34" charset="0"/>
+            </a:endParaRPr>
           </a:p>
         </p:txBody>
       </p:sp>
@@ -17804,7 +19694,7 @@
         <p:spPr>
           <a:xfrm>
             <a:off x="492368" y="1465450"/>
-            <a:ext cx="8493370" cy="1754326"/>
+            <a:ext cx="8493370" cy="2215991"/>
           </a:xfrm>
           <a:prstGeom prst="rect">
             <a:avLst/>
@@ -17822,8 +19712,9 @@
               <a:buChar char="•"/>
             </a:pPr>
             <a:r>
-              <a:rPr lang="ru-RU" dirty="0" smtClean="0">
-                <a:latin typeface="Trebuchet MS" panose="020B0603020202020204" pitchFamily="34" charset="0"/>
+              <a:rPr lang="ru-RU" sz="2300" dirty="0" smtClean="0">
+                <a:latin typeface="Calibri" panose="020F0502020204030204" pitchFamily="34" charset="0"/>
+                <a:cs typeface="Calibri" panose="020F0502020204030204" pitchFamily="34" charset="0"/>
               </a:rPr>
               <a:t>Выделены наиболее популярные мобильные ОС</a:t>
             </a:r>
@@ -17834,8 +19725,9 @@
               <a:buChar char="•"/>
             </a:pPr>
             <a:r>
-              <a:rPr lang="ru-RU" dirty="0" smtClean="0">
-                <a:latin typeface="Trebuchet MS" panose="020B0603020202020204" pitchFamily="34" charset="0"/>
+              <a:rPr lang="ru-RU" sz="2300" dirty="0" smtClean="0">
+                <a:latin typeface="Calibri" panose="020F0502020204030204" pitchFamily="34" charset="0"/>
+                <a:cs typeface="Calibri" panose="020F0502020204030204" pitchFamily="34" charset="0"/>
               </a:rPr>
               <a:t>Выделен набор необходимых для мониторинга параметров</a:t>
             </a:r>
@@ -17846,19 +19738,22 @@
               <a:buChar char="•"/>
             </a:pPr>
             <a:r>
-              <a:rPr lang="ru-RU" dirty="0" smtClean="0">
-                <a:latin typeface="Trebuchet MS" panose="020B0603020202020204" pitchFamily="34" charset="0"/>
+              <a:rPr lang="ru-RU" sz="2300" dirty="0" smtClean="0">
+                <a:latin typeface="Calibri" panose="020F0502020204030204" pitchFamily="34" charset="0"/>
+                <a:cs typeface="Calibri" panose="020F0502020204030204" pitchFamily="34" charset="0"/>
               </a:rPr>
               <a:t>Проведен анализ существующих средств проведения поведенческого анализа работы ОС </a:t>
             </a:r>
             <a:r>
-              <a:rPr lang="ru-RU" dirty="0" err="1" smtClean="0">
-                <a:latin typeface="Trebuchet MS" panose="020B0603020202020204" pitchFamily="34" charset="0"/>
+              <a:rPr lang="ru-RU" sz="2300" dirty="0" err="1" smtClean="0">
+                <a:latin typeface="Calibri" panose="020F0502020204030204" pitchFamily="34" charset="0"/>
+                <a:cs typeface="Calibri" panose="020F0502020204030204" pitchFamily="34" charset="0"/>
               </a:rPr>
               <a:t>андроид</a:t>
             </a:r>
-            <a:endParaRPr lang="ru-RU" dirty="0" smtClean="0">
-              <a:latin typeface="Trebuchet MS" panose="020B0603020202020204" pitchFamily="34" charset="0"/>
+            <a:endParaRPr lang="ru-RU" sz="2300" dirty="0" smtClean="0">
+              <a:latin typeface="Calibri" panose="020F0502020204030204" pitchFamily="34" charset="0"/>
+              <a:cs typeface="Calibri" panose="020F0502020204030204" pitchFamily="34" charset="0"/>
             </a:endParaRPr>
           </a:p>
           <a:p>
@@ -17867,19 +19762,22 @@
               <a:buChar char="•"/>
             </a:pPr>
             <a:r>
-              <a:rPr lang="ru-RU" dirty="0" smtClean="0">
-                <a:latin typeface="Trebuchet MS" panose="020B0603020202020204" pitchFamily="34" charset="0"/>
+              <a:rPr lang="ru-RU" sz="2300" dirty="0" smtClean="0">
+                <a:latin typeface="Calibri" panose="020F0502020204030204" pitchFamily="34" charset="0"/>
+                <a:cs typeface="Calibri" panose="020F0502020204030204" pitchFamily="34" charset="0"/>
               </a:rPr>
               <a:t>Реализован сервис мониторинга функционирования мобильной ОС </a:t>
             </a:r>
             <a:r>
-              <a:rPr lang="ru-RU" dirty="0" err="1" smtClean="0">
-                <a:latin typeface="Trebuchet MS" panose="020B0603020202020204" pitchFamily="34" charset="0"/>
+              <a:rPr lang="ru-RU" sz="2300" dirty="0" err="1" smtClean="0">
+                <a:latin typeface="Calibri" panose="020F0502020204030204" pitchFamily="34" charset="0"/>
+                <a:cs typeface="Calibri" panose="020F0502020204030204" pitchFamily="34" charset="0"/>
               </a:rPr>
               <a:t>андроид</a:t>
             </a:r>
-            <a:endParaRPr lang="ru-RU" dirty="0" smtClean="0">
-              <a:latin typeface="Trebuchet MS" panose="020B0603020202020204" pitchFamily="34" charset="0"/>
+            <a:endParaRPr lang="ru-RU" sz="2300" dirty="0" smtClean="0">
+              <a:latin typeface="Calibri" panose="020F0502020204030204" pitchFamily="34" charset="0"/>
+              <a:cs typeface="Calibri" panose="020F0502020204030204" pitchFamily="34" charset="0"/>
             </a:endParaRPr>
           </a:p>
         </p:txBody>
@@ -17908,7 +19806,7 @@
           <a:p>
             <a:fld id="{4AFD2DEF-75DC-4860-8302-2CB198189205}" type="slidenum">
               <a:rPr lang="en-US" sz="2400" smtClean="0"/>
-              <a:t>13</a:t>
+              <a:t>14</a:t>
             </a:fld>
             <a:endParaRPr lang="ru-RU" sz="2400" dirty="0"/>
           </a:p>
@@ -17972,15 +19870,19 @@
           <a:lstStyle/>
           <a:p>
             <a:r>
-              <a:rPr lang="ru-RU" sz="2400" b="1" spc="-1" dirty="0" smtClean="0">
+              <a:rPr lang="ru-RU" sz="2800" b="1" spc="-1" dirty="0" smtClean="0">
                 <a:solidFill>
                   <a:srgbClr val="226292"/>
                 </a:solidFill>
-                <a:latin typeface="Trebuchet MS"/>
+                <a:latin typeface="Calibri" panose="020F0502020204030204" pitchFamily="34" charset="0"/>
+                <a:cs typeface="Calibri" panose="020F0502020204030204" pitchFamily="34" charset="0"/>
               </a:rPr>
               <a:t>Актуальность проблемы</a:t>
             </a:r>
-            <a:endParaRPr lang="ru-RU" sz="2400" dirty="0"/>
+            <a:endParaRPr lang="ru-RU" sz="2800" dirty="0">
+              <a:latin typeface="Calibri" panose="020F0502020204030204" pitchFamily="34" charset="0"/>
+              <a:cs typeface="Calibri" panose="020F0502020204030204" pitchFamily="34" charset="0"/>
+            </a:endParaRPr>
           </a:p>
         </p:txBody>
       </p:sp>
@@ -17991,14 +19893,14 @@
           <p:nvPr>
             <p:extLst>
               <p:ext uri="{D42A27DB-BD31-4B8C-83A1-F6EECF244321}">
-                <p14:modId xmlns:p14="http://schemas.microsoft.com/office/powerpoint/2010/main" val="1304656907"/>
+                <p14:modId xmlns:p14="http://schemas.microsoft.com/office/powerpoint/2010/main" val="4152918511"/>
               </p:ext>
             </p:extLst>
           </p:nvPr>
         </p:nvGraphicFramePr>
         <p:xfrm>
-          <a:off x="169285" y="1371603"/>
-          <a:ext cx="4806095" cy="2685439"/>
+          <a:off x="169285" y="1965157"/>
+          <a:ext cx="4932802" cy="2686356"/>
         </p:xfrm>
         <a:graphic>
           <a:graphicData uri="http://schemas.openxmlformats.org/drawingml/2006/chart">
@@ -18013,14 +19915,14 @@
           <p:nvPr>
             <p:extLst>
               <p:ext uri="{D42A27DB-BD31-4B8C-83A1-F6EECF244321}">
-                <p14:modId xmlns:p14="http://schemas.microsoft.com/office/powerpoint/2010/main" val="1748386892"/>
+                <p14:modId xmlns:p14="http://schemas.microsoft.com/office/powerpoint/2010/main" val="473338751"/>
               </p:ext>
             </p:extLst>
           </p:nvPr>
         </p:nvGraphicFramePr>
         <p:xfrm>
-          <a:off x="4975380" y="1325137"/>
-          <a:ext cx="4786591" cy="2778369"/>
+          <a:off x="4975380" y="1918691"/>
+          <a:ext cx="4912784" cy="2779318"/>
         </p:xfrm>
         <a:graphic>
           <a:graphicData uri="http://schemas.openxmlformats.org/drawingml/2006/chart">
@@ -18036,60 +19938,8 @@
         </p:nvSpPr>
         <p:spPr>
           <a:xfrm>
-            <a:off x="896754" y="4052034"/>
-            <a:ext cx="3351156" cy="523220"/>
-          </a:xfrm>
-          <a:prstGeom prst="rect">
-            <a:avLst/>
-          </a:prstGeom>
-          <a:noFill/>
-        </p:spPr>
-        <p:txBody>
-          <a:bodyPr wrap="square" rtlCol="0">
-            <a:spAutoFit/>
-          </a:bodyPr>
-          <a:lstStyle/>
-          <a:p>
-            <a:r>
-              <a:rPr lang="ru-RU" sz="1400" dirty="0">
-                <a:latin typeface="Trebuchet MS" panose="020B0603020202020204" pitchFamily="34" charset="0"/>
-              </a:rPr>
-              <a:t>Темпы роста популярности ПК и </a:t>
-            </a:r>
-            <a:r>
-              <a:rPr lang="ru-RU" sz="1400" dirty="0" smtClean="0">
-                <a:latin typeface="Trebuchet MS" panose="020B0603020202020204" pitchFamily="34" charset="0"/>
-              </a:rPr>
-              <a:t>МПУ</a:t>
-            </a:r>
-            <a:endParaRPr lang="ru-RU" sz="1400" dirty="0">
-              <a:latin typeface="Trebuchet MS" panose="020B0603020202020204" pitchFamily="34" charset="0"/>
-            </a:endParaRPr>
-          </a:p>
-          <a:p>
-            <a:pPr algn="ctr"/>
-            <a:r>
-              <a:rPr lang="ru-RU" sz="1400" dirty="0" smtClean="0">
-                <a:latin typeface="Trebuchet MS" panose="020B0603020202020204" pitchFamily="34" charset="0"/>
-              </a:rPr>
-              <a:t>в течение 10 лет</a:t>
-            </a:r>
-            <a:endParaRPr lang="ru-RU" sz="1200" dirty="0">
-              <a:latin typeface="Trebuchet MS" panose="020B0603020202020204" pitchFamily="34" charset="0"/>
-            </a:endParaRPr>
-          </a:p>
-        </p:txBody>
-      </p:sp>
-      <p:sp>
-        <p:nvSpPr>
-          <p:cNvPr id="9" name="TextBox 8"/>
-          <p:cNvSpPr txBox="1"/>
-          <p:nvPr/>
-        </p:nvSpPr>
-        <p:spPr>
-          <a:xfrm>
-            <a:off x="5702849" y="4052034"/>
-            <a:ext cx="3282889" cy="523220"/>
+            <a:off x="387355" y="4632396"/>
+            <a:ext cx="4066290" cy="707886"/>
           </a:xfrm>
           <a:prstGeom prst="rect">
             <a:avLst/>
@@ -18104,45 +19954,50 @@
           <a:p>
             <a:pPr algn="ctr"/>
             <a:r>
-              <a:rPr lang="ru-RU" sz="1400" dirty="0">
-                <a:latin typeface="Trebuchet MS" panose="020B0603020202020204" pitchFamily="34" charset="0"/>
+              <a:rPr lang="ru-RU" sz="2000" dirty="0">
+                <a:latin typeface="Calibri" panose="020F0502020204030204" pitchFamily="34" charset="0"/>
+                <a:cs typeface="Calibri" panose="020F0502020204030204" pitchFamily="34" charset="0"/>
               </a:rPr>
               <a:t>Темпы роста популярности ПК и </a:t>
             </a:r>
             <a:r>
-              <a:rPr lang="ru-RU" sz="1400" dirty="0" smtClean="0">
-                <a:latin typeface="Trebuchet MS" panose="020B0603020202020204" pitchFamily="34" charset="0"/>
+              <a:rPr lang="ru-RU" sz="2000" dirty="0" smtClean="0">
+                <a:latin typeface="Calibri" panose="020F0502020204030204" pitchFamily="34" charset="0"/>
+                <a:cs typeface="Calibri" panose="020F0502020204030204" pitchFamily="34" charset="0"/>
               </a:rPr>
-              <a:t>МПУ</a:t>
+              <a:t>МУ</a:t>
             </a:r>
+            <a:endParaRPr lang="ru-RU" sz="2000" dirty="0">
+              <a:latin typeface="Calibri" panose="020F0502020204030204" pitchFamily="34" charset="0"/>
+              <a:cs typeface="Calibri" panose="020F0502020204030204" pitchFamily="34" charset="0"/>
+            </a:endParaRPr>
+          </a:p>
+          <a:p>
+            <a:pPr algn="ctr"/>
             <a:r>
-              <a:rPr lang="en-US" sz="1400" dirty="0" smtClean="0">
-                <a:latin typeface="Trebuchet MS" panose="020B0603020202020204" pitchFamily="34" charset="0"/>
+              <a:rPr lang="ru-RU" sz="2000" dirty="0" smtClean="0">
+                <a:latin typeface="Calibri" panose="020F0502020204030204" pitchFamily="34" charset="0"/>
+                <a:cs typeface="Calibri" panose="020F0502020204030204" pitchFamily="34" charset="0"/>
               </a:rPr>
-              <a:t> </a:t>
+              <a:t>в течение 10 лет</a:t>
             </a:r>
-            <a:r>
-              <a:rPr lang="ru-RU" sz="1400" dirty="0" smtClean="0">
-                <a:latin typeface="Trebuchet MS" panose="020B0603020202020204" pitchFamily="34" charset="0"/>
-              </a:rPr>
-              <a:t>за последний год</a:t>
-            </a:r>
-            <a:endParaRPr lang="ru-RU" sz="1200" dirty="0">
-              <a:latin typeface="Trebuchet MS" panose="020B0603020202020204" pitchFamily="34" charset="0"/>
+            <a:endParaRPr lang="ru-RU" dirty="0">
+              <a:latin typeface="Calibri" panose="020F0502020204030204" pitchFamily="34" charset="0"/>
+              <a:cs typeface="Calibri" panose="020F0502020204030204" pitchFamily="34" charset="0"/>
             </a:endParaRPr>
           </a:p>
         </p:txBody>
       </p:sp>
       <p:sp>
         <p:nvSpPr>
-          <p:cNvPr id="11" name="TextBox 10"/>
+          <p:cNvPr id="9" name="TextBox 8"/>
           <p:cNvSpPr txBox="1"/>
           <p:nvPr/>
         </p:nvSpPr>
         <p:spPr>
           <a:xfrm>
-            <a:off x="653079" y="4909529"/>
-            <a:ext cx="9108892" cy="1569660"/>
+            <a:off x="5264698" y="4632396"/>
+            <a:ext cx="3684253" cy="707886"/>
           </a:xfrm>
           <a:prstGeom prst="rect">
             <a:avLst/>
@@ -18155,78 +20010,38 @@
           </a:bodyPr>
           <a:lstStyle/>
           <a:p>
-            <a:pPr algn="just"/>
+            <a:pPr algn="ctr"/>
             <a:r>
-              <a:rPr lang="ru-RU" sz="1600" dirty="0" smtClean="0">
-                <a:latin typeface="Trebuchet MS" panose="020B0603020202020204" pitchFamily="34" charset="0"/>
+              <a:rPr lang="ru-RU" sz="2000" dirty="0">
+                <a:latin typeface="Calibri" panose="020F0502020204030204" pitchFamily="34" charset="0"/>
+                <a:cs typeface="Calibri" panose="020F0502020204030204" pitchFamily="34" charset="0"/>
               </a:rPr>
-              <a:t>Уже </a:t>
+              <a:t>Темпы роста популярности ПК и </a:t>
             </a:r>
             <a:r>
-              <a:rPr lang="ru-RU" sz="1600" dirty="0">
-                <a:latin typeface="Trebuchet MS" panose="020B0603020202020204" pitchFamily="34" charset="0"/>
+              <a:rPr lang="ru-RU" sz="2000" dirty="0" smtClean="0">
+                <a:latin typeface="Calibri" panose="020F0502020204030204" pitchFamily="34" charset="0"/>
+                <a:cs typeface="Calibri" panose="020F0502020204030204" pitchFamily="34" charset="0"/>
               </a:rPr>
-              <a:t>в 2017 году мобильные устройства стали более популярными, чем персональные компьютеры и, несмотря на периодический рост и спад обоих типов устройств, заметна тенденция к увеличению популярности именно мобильных устройств</a:t>
+              <a:t>МУ</a:t>
             </a:r>
             <a:r>
-              <a:rPr lang="ru-RU" sz="1600" dirty="0" smtClean="0">
-                <a:latin typeface="Trebuchet MS" panose="020B0603020202020204" pitchFamily="34" charset="0"/>
-              </a:rPr>
-              <a:t>.</a:t>
-            </a:r>
-          </a:p>
-          <a:p>
-            <a:pPr algn="just"/>
-            <a:endParaRPr lang="ru-RU" sz="1600" dirty="0" smtClean="0">
-              <a:latin typeface="Trebuchet MS" panose="020B0603020202020204" pitchFamily="34" charset="0"/>
-            </a:endParaRPr>
-          </a:p>
-          <a:p>
-            <a:pPr algn="just"/>
-            <a:r>
-              <a:rPr lang="ru-RU" sz="1600" dirty="0" smtClean="0">
-                <a:latin typeface="Trebuchet MS" panose="020B0603020202020204" pitchFamily="34" charset="0"/>
-              </a:rPr>
-              <a:t>С </a:t>
-            </a:r>
-            <a:r>
-              <a:rPr lang="ru-RU" sz="1600" dirty="0">
-                <a:latin typeface="Trebuchet MS" panose="020B0603020202020204" pitchFamily="34" charset="0"/>
-              </a:rPr>
-              <a:t>угрозами безопасности персональных компьютеров люди столкнулись еще в прошлом веке, а</a:t>
-            </a:r>
-            <a:r>
-              <a:rPr lang="ru-RU" sz="1600" dirty="0" smtClean="0">
-                <a:latin typeface="Trebuchet MS" panose="020B0603020202020204" pitchFamily="34" charset="0"/>
+              <a:rPr lang="en-US" sz="2000" dirty="0" smtClean="0">
+                <a:latin typeface="Calibri" panose="020F0502020204030204" pitchFamily="34" charset="0"/>
+                <a:cs typeface="Calibri" panose="020F0502020204030204" pitchFamily="34" charset="0"/>
               </a:rPr>
               <a:t> </a:t>
             </a:r>
             <a:r>
-              <a:rPr lang="ru-RU" sz="1600" dirty="0">
-                <a:latin typeface="Trebuchet MS" panose="020B0603020202020204" pitchFamily="34" charset="0"/>
+              <a:rPr lang="ru-RU" sz="2000" dirty="0" smtClean="0">
+                <a:latin typeface="Calibri" panose="020F0502020204030204" pitchFamily="34" charset="0"/>
+                <a:cs typeface="Calibri" panose="020F0502020204030204" pitchFamily="34" charset="0"/>
               </a:rPr>
-              <a:t>с мобильными устройствами </a:t>
+              <a:t>за последний год</a:t>
             </a:r>
-            <a:r>
-              <a:rPr lang="ru-RU" sz="1600" dirty="0" smtClean="0">
-                <a:latin typeface="Trebuchet MS" panose="020B0603020202020204" pitchFamily="34" charset="0"/>
-              </a:rPr>
-              <a:t>до сих пор ситуация </a:t>
-            </a:r>
-            <a:r>
-              <a:rPr lang="ru-RU" sz="1600" dirty="0">
-                <a:latin typeface="Trebuchet MS" panose="020B0603020202020204" pitchFamily="34" charset="0"/>
-              </a:rPr>
-              <a:t>обстоит </a:t>
-            </a:r>
-            <a:r>
-              <a:rPr lang="ru-RU" sz="1600" dirty="0" smtClean="0">
-                <a:latin typeface="Trebuchet MS" panose="020B0603020202020204" pitchFamily="34" charset="0"/>
-              </a:rPr>
-              <a:t>достаточно остро.</a:t>
-            </a:r>
-            <a:endParaRPr lang="ru-RU" sz="1400" dirty="0">
-              <a:latin typeface="Trebuchet MS" panose="020B0603020202020204" pitchFamily="34" charset="0"/>
+            <a:endParaRPr lang="ru-RU" dirty="0">
+              <a:latin typeface="Calibri" panose="020F0502020204030204" pitchFamily="34" charset="0"/>
+              <a:cs typeface="Calibri" panose="020F0502020204030204" pitchFamily="34" charset="0"/>
             </a:endParaRPr>
           </a:p>
         </p:txBody>
@@ -18261,6 +20076,47 @@
           </a:p>
         </p:txBody>
       </p:sp>
+      <p:pic>
+        <p:nvPicPr>
+          <p:cNvPr id="2050" name="Picture 2" descr="StatCounter Global Stats - Browser, OS, Search Engine including Mobile  Usage Share"/>
+          <p:cNvPicPr>
+            <a:picLocks noChangeAspect="1" noChangeArrowheads="1"/>
+          </p:cNvPicPr>
+          <p:nvPr/>
+        </p:nvPicPr>
+        <p:blipFill>
+          <a:blip r:embed="rId4">
+            <a:extLst>
+              <a:ext uri="{28A0092B-C50C-407E-A947-70E740481C1C}">
+                <a14:useLocalDpi xmlns:a14="http://schemas.microsoft.com/office/drawing/2010/main" val="0"/>
+              </a:ext>
+            </a:extLst>
+          </a:blip>
+          <a:srcRect/>
+          <a:stretch>
+            <a:fillRect/>
+          </a:stretch>
+        </p:blipFill>
+        <p:spPr bwMode="auto">
+          <a:xfrm>
+            <a:off x="3938160" y="5749522"/>
+            <a:ext cx="2074440" cy="634416"/>
+          </a:xfrm>
+          <a:prstGeom prst="rect">
+            <a:avLst/>
+          </a:prstGeom>
+          <a:noFill/>
+          <a:extLst>
+            <a:ext uri="{909E8E84-426E-40DD-AFC4-6F175D3DCCD1}">
+              <a14:hiddenFill xmlns:a14="http://schemas.microsoft.com/office/drawing/2010/main">
+                <a:solidFill>
+                  <a:srgbClr val="FFFFFF"/>
+                </a:solidFill>
+              </a14:hiddenFill>
+            </a:ext>
+          </a:extLst>
+        </p:spPr>
+      </p:pic>
     </p:spTree>
     <p:extLst>
       <p:ext uri="{BB962C8B-B14F-4D97-AF65-F5344CB8AC3E}">
@@ -18310,8 +20166,8 @@
         </p:nvSpPr>
         <p:spPr>
           <a:xfrm>
-            <a:off x="685800" y="653380"/>
-            <a:ext cx="8405446" cy="471974"/>
+            <a:off x="677160" y="642683"/>
+            <a:ext cx="8596440" cy="471974"/>
           </a:xfrm>
         </p:spPr>
         <p:txBody>
@@ -18319,185 +20175,25 @@
           <a:lstStyle/>
           <a:p>
             <a:r>
-              <a:rPr lang="ru-RU" sz="2400" b="1" spc="-1" dirty="0" smtClean="0">
+              <a:rPr lang="ru-RU" sz="2800" b="1" spc="-1" dirty="0" smtClean="0">
                 <a:solidFill>
                   <a:srgbClr val="226292"/>
                 </a:solidFill>
-                <a:latin typeface="Trebuchet MS"/>
+                <a:latin typeface="Calibri" panose="020F0502020204030204" pitchFamily="34" charset="0"/>
+                <a:cs typeface="Calibri" panose="020F0502020204030204" pitchFamily="34" charset="0"/>
               </a:rPr>
-              <a:t>Цели и задачи</a:t>
+              <a:t>Актуальность проблемы</a:t>
             </a:r>
-            <a:endParaRPr lang="ru-RU" sz="2400" dirty="0"/>
-          </a:p>
-        </p:txBody>
-      </p:sp>
-      <p:sp>
-        <p:nvSpPr>
-          <p:cNvPr id="11" name="TextBox 10"/>
-          <p:cNvSpPr txBox="1"/>
-          <p:nvPr/>
-        </p:nvSpPr>
-        <p:spPr>
-          <a:xfrm>
-            <a:off x="685800" y="1647410"/>
-            <a:ext cx="8661672" cy="3570208"/>
-          </a:xfrm>
-          <a:prstGeom prst="rect">
-            <a:avLst/>
-          </a:prstGeom>
-          <a:noFill/>
-        </p:spPr>
-        <p:txBody>
-          <a:bodyPr wrap="square" rtlCol="0">
-            <a:spAutoFit/>
-          </a:bodyPr>
-          <a:lstStyle/>
-          <a:p>
-            <a:pPr algn="just"/>
-            <a:r>
-              <a:rPr lang="ru-RU" dirty="0">
-                <a:latin typeface="Trebuchet MS" panose="020B0603020202020204" pitchFamily="34" charset="0"/>
-              </a:rPr>
-              <a:t>Цель работы – разработать и реализовать программное решение для реализации мониторинга устройств на операционной системе </a:t>
-            </a:r>
-            <a:r>
-              <a:rPr lang="ru-RU" dirty="0" err="1" smtClean="0">
-                <a:latin typeface="Trebuchet MS" panose="020B0603020202020204" pitchFamily="34" charset="0"/>
-              </a:rPr>
-              <a:t>андроид</a:t>
-            </a:r>
-            <a:r>
-              <a:rPr lang="ru-RU" dirty="0" smtClean="0">
-                <a:latin typeface="Trebuchet MS" panose="020B0603020202020204" pitchFamily="34" charset="0"/>
-              </a:rPr>
-              <a:t>.</a:t>
-            </a:r>
-          </a:p>
-          <a:p>
-            <a:pPr algn="just"/>
-            <a:endParaRPr lang="ru-RU" dirty="0">
-              <a:latin typeface="Trebuchet MS" panose="020B0603020202020204" pitchFamily="34" charset="0"/>
-            </a:endParaRPr>
-          </a:p>
-          <a:p>
-            <a:pPr algn="just"/>
-            <a:r>
-              <a:rPr lang="ru-RU" dirty="0">
-                <a:latin typeface="Trebuchet MS" panose="020B0603020202020204" pitchFamily="34" charset="0"/>
-              </a:rPr>
-              <a:t>Задачи работы:</a:t>
-            </a:r>
-          </a:p>
-          <a:p>
-            <a:pPr marL="800100" lvl="1" indent="-342900" algn="just">
-              <a:buFont typeface="+mj-lt"/>
-              <a:buAutoNum type="arabicPeriod"/>
-            </a:pPr>
-            <a:r>
-              <a:rPr lang="ru-RU" dirty="0" smtClean="0">
-                <a:latin typeface="Trebuchet MS" panose="020B0603020202020204" pitchFamily="34" charset="0"/>
-              </a:rPr>
-              <a:t>Провести </a:t>
-            </a:r>
-            <a:r>
-              <a:rPr lang="ru-RU" dirty="0">
-                <a:latin typeface="Trebuchet MS" panose="020B0603020202020204" pitchFamily="34" charset="0"/>
-              </a:rPr>
-              <a:t>анализ существующих ОС МПУ с последующим выбором целевой ОС;</a:t>
-            </a:r>
-          </a:p>
-          <a:p>
-            <a:pPr marL="800100" lvl="1" indent="-342900" algn="just">
-              <a:buFont typeface="+mj-lt"/>
-              <a:buAutoNum type="arabicPeriod"/>
-            </a:pPr>
-            <a:r>
-              <a:rPr lang="ru-RU" dirty="0" smtClean="0">
-                <a:latin typeface="Trebuchet MS" panose="020B0603020202020204" pitchFamily="34" charset="0"/>
-              </a:rPr>
-              <a:t>Выделить </a:t>
-            </a:r>
-            <a:r>
-              <a:rPr lang="ru-RU" dirty="0">
-                <a:latin typeface="Trebuchet MS" panose="020B0603020202020204" pitchFamily="34" charset="0"/>
-              </a:rPr>
-              <a:t>набор необходимых параметров для мониторинга;</a:t>
-            </a:r>
-          </a:p>
-          <a:p>
-            <a:pPr marL="800100" lvl="1" indent="-342900" algn="just">
-              <a:buFont typeface="+mj-lt"/>
-              <a:buAutoNum type="arabicPeriod"/>
-            </a:pPr>
-            <a:r>
-              <a:rPr lang="ru-RU" dirty="0" smtClean="0">
-                <a:latin typeface="Trebuchet MS" panose="020B0603020202020204" pitchFamily="34" charset="0"/>
-              </a:rPr>
-              <a:t>Провести </a:t>
-            </a:r>
-            <a:r>
-              <a:rPr lang="ru-RU" dirty="0">
-                <a:latin typeface="Trebuchet MS" panose="020B0603020202020204" pitchFamily="34" charset="0"/>
-              </a:rPr>
-              <a:t>анализ существующих средств мониторинга поведения мобильных устройств на выбранной операционной системе;</a:t>
-            </a:r>
-          </a:p>
-          <a:p>
-            <a:pPr marL="800100" lvl="1" indent="-342900" algn="just">
-              <a:buFont typeface="+mj-lt"/>
-              <a:buAutoNum type="arabicPeriod"/>
-            </a:pPr>
-            <a:r>
-              <a:rPr lang="ru-RU" dirty="0" smtClean="0">
-                <a:latin typeface="Trebuchet MS" panose="020B0603020202020204" pitchFamily="34" charset="0"/>
-              </a:rPr>
-              <a:t>Реализовать </a:t>
-            </a:r>
-            <a:r>
-              <a:rPr lang="ru-RU" dirty="0">
-                <a:latin typeface="Trebuchet MS" panose="020B0603020202020204" pitchFamily="34" charset="0"/>
-              </a:rPr>
-              <a:t>средство для </a:t>
-            </a:r>
-            <a:r>
-              <a:rPr lang="ru-RU" dirty="0" smtClean="0">
-                <a:latin typeface="Trebuchet MS" panose="020B0603020202020204" pitchFamily="34" charset="0"/>
-              </a:rPr>
-              <a:t>мониторинга функционирования мобильных </a:t>
-            </a:r>
-            <a:r>
-              <a:rPr lang="ru-RU" dirty="0">
-                <a:latin typeface="Trebuchet MS" panose="020B0603020202020204" pitchFamily="34" charset="0"/>
-              </a:rPr>
-              <a:t>устройств</a:t>
-            </a:r>
-            <a:r>
-              <a:rPr lang="ru-RU" dirty="0" smtClean="0">
-                <a:latin typeface="Trebuchet MS" panose="020B0603020202020204" pitchFamily="34" charset="0"/>
-              </a:rPr>
-              <a:t>.</a:t>
-            </a:r>
-            <a:endParaRPr lang="ru-RU" sz="1400" dirty="0" smtClean="0">
-              <a:latin typeface="Trebuchet MS" panose="020B0603020202020204" pitchFamily="34" charset="0"/>
-            </a:endParaRPr>
-          </a:p>
-          <a:p>
-            <a:pPr lvl="1" algn="just"/>
-            <a:endParaRPr lang="ru-RU" sz="1400" dirty="0">
-              <a:latin typeface="Trebuchet MS" panose="020B0603020202020204" pitchFamily="34" charset="0"/>
-            </a:endParaRPr>
-          </a:p>
-          <a:p>
-            <a:pPr lvl="1" algn="just"/>
-            <a:endParaRPr lang="ru-RU" sz="1400" dirty="0" smtClean="0">
-              <a:latin typeface="Trebuchet MS" panose="020B0603020202020204" pitchFamily="34" charset="0"/>
+            <a:endParaRPr lang="ru-RU" sz="2800" dirty="0">
+              <a:latin typeface="Calibri" panose="020F0502020204030204" pitchFamily="34" charset="0"/>
+              <a:cs typeface="Calibri" panose="020F0502020204030204" pitchFamily="34" charset="0"/>
             </a:endParaRPr>
           </a:p>
         </p:txBody>
       </p:sp>
       <p:sp>
         <p:nvSpPr>
-          <p:cNvPr id="10" name="TextBox 9"/>
+          <p:cNvPr id="12" name="TextBox 11"/>
           <p:cNvSpPr txBox="1"/>
           <p:nvPr/>
         </p:nvSpPr>
@@ -18517,18 +20213,205 @@
           </a:bodyPr>
           <a:lstStyle/>
           <a:p>
-            <a:fld id="{510FC380-A38F-491D-AD8F-106A4E9A471D}" type="slidenum">
-              <a:rPr lang="en-US" sz="2400" smtClean="0"/>
+            <a:fld id="{E9E67F63-22D4-46C2-BAA0-78999AE49A40}" type="slidenum">
+              <a:rPr lang="ru-RU" sz="2400" smtClean="0"/>
               <a:t>3</a:t>
             </a:fld>
             <a:endParaRPr lang="ru-RU" sz="2400" dirty="0"/>
           </a:p>
         </p:txBody>
       </p:sp>
+      <p:sp>
+        <p:nvSpPr>
+          <p:cNvPr id="10" name="TextBox 9"/>
+          <p:cNvSpPr txBox="1"/>
+          <p:nvPr/>
+        </p:nvSpPr>
+        <p:spPr>
+          <a:xfrm>
+            <a:off x="429510" y="4559488"/>
+            <a:ext cx="3731328" cy="707886"/>
+          </a:xfrm>
+          <a:prstGeom prst="rect">
+            <a:avLst/>
+          </a:prstGeom>
+          <a:noFill/>
+        </p:spPr>
+        <p:txBody>
+          <a:bodyPr wrap="square" rtlCol="0">
+            <a:spAutoFit/>
+          </a:bodyPr>
+          <a:lstStyle/>
+          <a:p>
+            <a:pPr algn="ctr"/>
+            <a:r>
+              <a:rPr lang="ru-RU" sz="2000" dirty="0">
+                <a:latin typeface="Calibri" panose="020F0502020204030204" pitchFamily="34" charset="0"/>
+                <a:cs typeface="Calibri" panose="020F0502020204030204" pitchFamily="34" charset="0"/>
+              </a:rPr>
+              <a:t>Темпы роста популярности </a:t>
+            </a:r>
+            <a:r>
+              <a:rPr lang="ru-RU" sz="2000" dirty="0" smtClean="0">
+                <a:latin typeface="Calibri" panose="020F0502020204030204" pitchFamily="34" charset="0"/>
+                <a:cs typeface="Calibri" panose="020F0502020204030204" pitchFamily="34" charset="0"/>
+              </a:rPr>
+              <a:t>ОС</a:t>
+            </a:r>
+            <a:endParaRPr lang="ru-RU" sz="2000" dirty="0">
+              <a:latin typeface="Calibri" panose="020F0502020204030204" pitchFamily="34" charset="0"/>
+              <a:cs typeface="Calibri" panose="020F0502020204030204" pitchFamily="34" charset="0"/>
+            </a:endParaRPr>
+          </a:p>
+          <a:p>
+            <a:pPr algn="ctr"/>
+            <a:r>
+              <a:rPr lang="ru-RU" sz="2000" dirty="0" smtClean="0">
+                <a:latin typeface="Calibri" panose="020F0502020204030204" pitchFamily="34" charset="0"/>
+                <a:cs typeface="Calibri" panose="020F0502020204030204" pitchFamily="34" charset="0"/>
+              </a:rPr>
+              <a:t>в течение 10 лет</a:t>
+            </a:r>
+            <a:endParaRPr lang="ru-RU" dirty="0">
+              <a:latin typeface="Calibri" panose="020F0502020204030204" pitchFamily="34" charset="0"/>
+              <a:cs typeface="Calibri" panose="020F0502020204030204" pitchFamily="34" charset="0"/>
+            </a:endParaRPr>
+          </a:p>
+        </p:txBody>
+      </p:sp>
+      <p:sp>
+        <p:nvSpPr>
+          <p:cNvPr id="11" name="TextBox 10"/>
+          <p:cNvSpPr txBox="1"/>
+          <p:nvPr/>
+        </p:nvSpPr>
+        <p:spPr>
+          <a:xfrm>
+            <a:off x="5580641" y="4559489"/>
+            <a:ext cx="3692959" cy="707886"/>
+          </a:xfrm>
+          <a:prstGeom prst="rect">
+            <a:avLst/>
+          </a:prstGeom>
+          <a:noFill/>
+        </p:spPr>
+        <p:txBody>
+          <a:bodyPr wrap="square" rtlCol="0">
+            <a:spAutoFit/>
+          </a:bodyPr>
+          <a:lstStyle/>
+          <a:p>
+            <a:pPr algn="ctr"/>
+            <a:r>
+              <a:rPr lang="ru-RU" sz="2000" dirty="0">
+                <a:latin typeface="Calibri" panose="020F0502020204030204" pitchFamily="34" charset="0"/>
+                <a:cs typeface="Calibri" panose="020F0502020204030204" pitchFamily="34" charset="0"/>
+              </a:rPr>
+              <a:t>Темпы роста популярности </a:t>
+            </a:r>
+            <a:r>
+              <a:rPr lang="ru-RU" sz="2000" dirty="0" smtClean="0">
+                <a:latin typeface="Calibri" panose="020F0502020204030204" pitchFamily="34" charset="0"/>
+                <a:cs typeface="Calibri" panose="020F0502020204030204" pitchFamily="34" charset="0"/>
+              </a:rPr>
+              <a:t>ОС за последний год</a:t>
+            </a:r>
+            <a:endParaRPr lang="ru-RU" dirty="0">
+              <a:latin typeface="Calibri" panose="020F0502020204030204" pitchFamily="34" charset="0"/>
+              <a:cs typeface="Calibri" panose="020F0502020204030204" pitchFamily="34" charset="0"/>
+            </a:endParaRPr>
+          </a:p>
+        </p:txBody>
+      </p:sp>
+      <p:graphicFrame>
+        <p:nvGraphicFramePr>
+          <p:cNvPr id="13" name="Диаграмма 12"/>
+          <p:cNvGraphicFramePr/>
+          <p:nvPr>
+            <p:extLst>
+              <p:ext uri="{D42A27DB-BD31-4B8C-83A1-F6EECF244321}">
+                <p14:modId xmlns:p14="http://schemas.microsoft.com/office/powerpoint/2010/main" val="415062823"/>
+              </p:ext>
+            </p:extLst>
+          </p:nvPr>
+        </p:nvGraphicFramePr>
+        <p:xfrm>
+          <a:off x="-1" y="1896764"/>
+          <a:ext cx="5165559" cy="2707319"/>
+        </p:xfrm>
+        <a:graphic>
+          <a:graphicData uri="http://schemas.openxmlformats.org/drawingml/2006/chart">
+            <c:chart xmlns:c="http://schemas.openxmlformats.org/drawingml/2006/chart" xmlns:r="http://schemas.openxmlformats.org/officeDocument/2006/relationships" r:id="rId2"/>
+          </a:graphicData>
+        </a:graphic>
+      </p:graphicFrame>
+      <p:graphicFrame>
+        <p:nvGraphicFramePr>
+          <p:cNvPr id="14" name="Диаграмма 13"/>
+          <p:cNvGraphicFramePr/>
+          <p:nvPr>
+            <p:extLst>
+              <p:ext uri="{D42A27DB-BD31-4B8C-83A1-F6EECF244321}">
+                <p14:modId xmlns:p14="http://schemas.microsoft.com/office/powerpoint/2010/main" val="2294755375"/>
+              </p:ext>
+            </p:extLst>
+          </p:nvPr>
+        </p:nvGraphicFramePr>
+        <p:xfrm>
+          <a:off x="5281523" y="1931691"/>
+          <a:ext cx="4855091" cy="2665854"/>
+        </p:xfrm>
+        <a:graphic>
+          <a:graphicData uri="http://schemas.openxmlformats.org/drawingml/2006/chart">
+            <c:chart xmlns:c="http://schemas.openxmlformats.org/drawingml/2006/chart" xmlns:r="http://schemas.openxmlformats.org/officeDocument/2006/relationships" r:id="rId3"/>
+          </a:graphicData>
+        </a:graphic>
+      </p:graphicFrame>
+      <p:pic>
+        <p:nvPicPr>
+          <p:cNvPr id="15" name="Picture 2" descr="StatCounter Global Stats - Browser, OS, Search Engine including Mobile  Usage Share"/>
+          <p:cNvPicPr>
+            <a:picLocks noChangeAspect="1" noChangeArrowheads="1"/>
+          </p:cNvPicPr>
+          <p:nvPr/>
+        </p:nvPicPr>
+        <p:blipFill>
+          <a:blip r:embed="rId4">
+            <a:extLst>
+              <a:ext uri="{28A0092B-C50C-407E-A947-70E740481C1C}">
+                <a14:useLocalDpi xmlns:a14="http://schemas.microsoft.com/office/drawing/2010/main" val="0"/>
+              </a:ext>
+            </a:extLst>
+          </a:blip>
+          <a:srcRect/>
+          <a:stretch>
+            <a:fillRect/>
+          </a:stretch>
+        </p:blipFill>
+        <p:spPr bwMode="auto">
+          <a:xfrm>
+            <a:off x="3938160" y="5740604"/>
+            <a:ext cx="2074440" cy="634416"/>
+          </a:xfrm>
+          <a:prstGeom prst="rect">
+            <a:avLst/>
+          </a:prstGeom>
+          <a:noFill/>
+          <a:extLst>
+            <a:ext uri="{909E8E84-426E-40DD-AFC4-6F175D3DCCD1}">
+              <a14:hiddenFill xmlns:a14="http://schemas.microsoft.com/office/drawing/2010/main">
+                <a:solidFill>
+                  <a:srgbClr val="FFFFFF"/>
+                </a:solidFill>
+              </a14:hiddenFill>
+            </a:ext>
+          </a:extLst>
+        </p:spPr>
+      </p:pic>
     </p:spTree>
     <p:extLst>
       <p:ext uri="{BB962C8B-B14F-4D97-AF65-F5344CB8AC3E}">
-        <p14:creationId xmlns:p14="http://schemas.microsoft.com/office/powerpoint/2010/main" val="217054765"/>
+        <p14:creationId xmlns:p14="http://schemas.microsoft.com/office/powerpoint/2010/main" val="3857680139"/>
       </p:ext>
     </p:extLst>
   </p:cSld>
@@ -18574,8 +20457,8 @@
         </p:nvSpPr>
         <p:spPr>
           <a:xfrm>
-            <a:off x="677160" y="652142"/>
-            <a:ext cx="8596440" cy="471974"/>
+            <a:off x="685800" y="653380"/>
+            <a:ext cx="8405446" cy="471974"/>
           </a:xfrm>
         </p:spPr>
         <p:txBody>
@@ -18583,28 +20466,32 @@
           <a:lstStyle/>
           <a:p>
             <a:r>
-              <a:rPr lang="ru-RU" sz="2400" b="1" spc="-1" dirty="0" smtClean="0">
+              <a:rPr lang="ru-RU" sz="2800" b="1" spc="-1" dirty="0" smtClean="0">
                 <a:solidFill>
                   <a:srgbClr val="226292"/>
                 </a:solidFill>
-                <a:latin typeface="Trebuchet MS"/>
+                <a:latin typeface="Calibri" panose="020F0502020204030204" pitchFamily="34" charset="0"/>
+                <a:cs typeface="Calibri" panose="020F0502020204030204" pitchFamily="34" charset="0"/>
               </a:rPr>
-              <a:t>Анализ предметной области</a:t>
+              <a:t>Цели и задачи</a:t>
             </a:r>
-            <a:endParaRPr lang="ru-RU" sz="2400" dirty="0"/>
+            <a:endParaRPr lang="ru-RU" sz="2800" dirty="0">
+              <a:latin typeface="Calibri" panose="020F0502020204030204" pitchFamily="34" charset="0"/>
+              <a:cs typeface="Calibri" panose="020F0502020204030204" pitchFamily="34" charset="0"/>
+            </a:endParaRPr>
           </a:p>
         </p:txBody>
       </p:sp>
       <p:sp>
         <p:nvSpPr>
-          <p:cNvPr id="8" name="TextBox 7"/>
+          <p:cNvPr id="11" name="TextBox 10"/>
           <p:cNvSpPr txBox="1"/>
           <p:nvPr/>
         </p:nvSpPr>
         <p:spPr>
           <a:xfrm>
-            <a:off x="689641" y="4565507"/>
-            <a:ext cx="3588372" cy="646331"/>
+            <a:off x="685800" y="1647410"/>
+            <a:ext cx="8661672" cy="4693593"/>
           </a:xfrm>
           <a:prstGeom prst="rect">
             <a:avLst/>
@@ -18617,31 +20504,236 @@
           </a:bodyPr>
           <a:lstStyle/>
           <a:p>
+            <a:pPr algn="just"/>
             <a:r>
-              <a:rPr lang="ru-RU" dirty="0">
-                <a:latin typeface="Trebuchet MS" panose="020B0603020202020204" pitchFamily="34" charset="0"/>
+              <a:rPr lang="ru-RU" sz="2300" b="1" dirty="0">
+                <a:latin typeface="Calibri" panose="020F0502020204030204" pitchFamily="34" charset="0"/>
+                <a:cs typeface="Calibri" panose="020F0502020204030204" pitchFamily="34" charset="0"/>
               </a:rPr>
-              <a:t>Темпы роста популярности </a:t>
+              <a:t>Цель работы </a:t>
             </a:r>
             <a:r>
-              <a:rPr lang="ru-RU" dirty="0" smtClean="0">
-                <a:latin typeface="Trebuchet MS" panose="020B0603020202020204" pitchFamily="34" charset="0"/>
+              <a:rPr lang="ru-RU" sz="2300" dirty="0">
+                <a:latin typeface="Calibri" panose="020F0502020204030204" pitchFamily="34" charset="0"/>
+                <a:cs typeface="Calibri" panose="020F0502020204030204" pitchFamily="34" charset="0"/>
+              </a:rPr>
+              <a:t>– разработать и реализовать программное решение для реализации мониторинга устройств на операционной системе </a:t>
+            </a:r>
+            <a:r>
+              <a:rPr lang="ru-RU" sz="2300" dirty="0" err="1" smtClean="0">
+                <a:latin typeface="Calibri" panose="020F0502020204030204" pitchFamily="34" charset="0"/>
+                <a:cs typeface="Calibri" panose="020F0502020204030204" pitchFamily="34" charset="0"/>
+              </a:rPr>
+              <a:t>андроид</a:t>
+            </a:r>
+            <a:r>
+              <a:rPr lang="ru-RU" sz="2300" dirty="0" smtClean="0">
+                <a:latin typeface="Calibri" panose="020F0502020204030204" pitchFamily="34" charset="0"/>
+                <a:cs typeface="Calibri" panose="020F0502020204030204" pitchFamily="34" charset="0"/>
+              </a:rPr>
+              <a:t>.</a:t>
+            </a:r>
+          </a:p>
+          <a:p>
+            <a:pPr algn="just"/>
+            <a:endParaRPr lang="ru-RU" sz="2300" dirty="0">
+              <a:latin typeface="Calibri" panose="020F0502020204030204" pitchFamily="34" charset="0"/>
+              <a:cs typeface="Calibri" panose="020F0502020204030204" pitchFamily="34" charset="0"/>
+            </a:endParaRPr>
+          </a:p>
+          <a:p>
+            <a:pPr algn="just"/>
+            <a:r>
+              <a:rPr lang="ru-RU" sz="2300" b="1" dirty="0">
+                <a:latin typeface="Calibri" panose="020F0502020204030204" pitchFamily="34" charset="0"/>
+                <a:cs typeface="Calibri" panose="020F0502020204030204" pitchFamily="34" charset="0"/>
+              </a:rPr>
+              <a:t>Задачи </a:t>
+            </a:r>
+            <a:r>
+              <a:rPr lang="ru-RU" sz="2300" b="1" dirty="0" smtClean="0">
+                <a:latin typeface="Calibri" panose="020F0502020204030204" pitchFamily="34" charset="0"/>
+                <a:cs typeface="Calibri" panose="020F0502020204030204" pitchFamily="34" charset="0"/>
+              </a:rPr>
+              <a:t>работы</a:t>
+            </a:r>
+            <a:r>
+              <a:rPr lang="ru-RU" sz="2300" dirty="0" smtClean="0">
+                <a:latin typeface="Calibri" panose="020F0502020204030204" pitchFamily="34" charset="0"/>
+                <a:cs typeface="Calibri" panose="020F0502020204030204" pitchFamily="34" charset="0"/>
+              </a:rPr>
+              <a:t>:</a:t>
+            </a:r>
+          </a:p>
+          <a:p>
+            <a:pPr marL="800100" lvl="1" indent="-342900" algn="just">
+              <a:buFont typeface="+mj-lt"/>
+              <a:buAutoNum type="arabicPeriod"/>
+            </a:pPr>
+            <a:r>
+              <a:rPr lang="ru-RU" sz="2300" dirty="0" smtClean="0">
+                <a:latin typeface="Calibri" panose="020F0502020204030204" pitchFamily="34" charset="0"/>
+                <a:cs typeface="Calibri" panose="020F0502020204030204" pitchFamily="34" charset="0"/>
+              </a:rPr>
+              <a:t>Провести </a:t>
+            </a:r>
+            <a:r>
+              <a:rPr lang="ru-RU" sz="2300" dirty="0">
+                <a:latin typeface="Calibri" panose="020F0502020204030204" pitchFamily="34" charset="0"/>
+                <a:cs typeface="Calibri" panose="020F0502020204030204" pitchFamily="34" charset="0"/>
+              </a:rPr>
+              <a:t>анализ существующих ОС </a:t>
+            </a:r>
+            <a:r>
+              <a:rPr lang="ru-RU" sz="2300" dirty="0" smtClean="0">
+                <a:latin typeface="Calibri" panose="020F0502020204030204" pitchFamily="34" charset="0"/>
+                <a:cs typeface="Calibri" panose="020F0502020204030204" pitchFamily="34" charset="0"/>
+              </a:rPr>
+              <a:t>МУ </a:t>
+            </a:r>
+            <a:r>
+              <a:rPr lang="ru-RU" sz="2300" dirty="0">
+                <a:latin typeface="Calibri" panose="020F0502020204030204" pitchFamily="34" charset="0"/>
+                <a:cs typeface="Calibri" panose="020F0502020204030204" pitchFamily="34" charset="0"/>
+              </a:rPr>
+              <a:t>с последующим выбором целевой </a:t>
+            </a:r>
+            <a:r>
+              <a:rPr lang="ru-RU" sz="2300" dirty="0" smtClean="0">
+                <a:latin typeface="Calibri" panose="020F0502020204030204" pitchFamily="34" charset="0"/>
+                <a:cs typeface="Calibri" panose="020F0502020204030204" pitchFamily="34" charset="0"/>
               </a:rPr>
               <a:t>ОС</a:t>
             </a:r>
-            <a:endParaRPr lang="ru-RU" dirty="0">
-              <a:latin typeface="Trebuchet MS" panose="020B0603020202020204" pitchFamily="34" charset="0"/>
+            <a:r>
+              <a:rPr lang="en-US" sz="2300" dirty="0">
+                <a:latin typeface="Calibri" panose="020F0502020204030204" pitchFamily="34" charset="0"/>
+                <a:cs typeface="Calibri" panose="020F0502020204030204" pitchFamily="34" charset="0"/>
+              </a:rPr>
+              <a:t>.</a:t>
+            </a:r>
+            <a:endParaRPr lang="ru-RU" sz="2300" dirty="0">
+              <a:latin typeface="Calibri" panose="020F0502020204030204" pitchFamily="34" charset="0"/>
+              <a:cs typeface="Calibri" panose="020F0502020204030204" pitchFamily="34" charset="0"/>
             </a:endParaRPr>
           </a:p>
           <a:p>
-            <a:pPr algn="ctr"/>
+            <a:pPr marL="800100" lvl="1" indent="-342900" algn="just">
+              <a:buFont typeface="+mj-lt"/>
+              <a:buAutoNum type="arabicPeriod"/>
+            </a:pPr>
             <a:r>
-              <a:rPr lang="ru-RU" dirty="0" smtClean="0">
-                <a:latin typeface="Trebuchet MS" panose="020B0603020202020204" pitchFamily="34" charset="0"/>
+              <a:rPr lang="ru-RU" sz="2300" dirty="0" smtClean="0">
+                <a:latin typeface="Calibri" panose="020F0502020204030204" pitchFamily="34" charset="0"/>
+                <a:cs typeface="Calibri" panose="020F0502020204030204" pitchFamily="34" charset="0"/>
               </a:rPr>
-              <a:t>в течение 10 лет</a:t>
+              <a:t>Выделить </a:t>
             </a:r>
-            <a:endParaRPr lang="ru-RU" sz="1600" dirty="0">
+            <a:r>
+              <a:rPr lang="ru-RU" sz="2300" dirty="0">
+                <a:latin typeface="Calibri" panose="020F0502020204030204" pitchFamily="34" charset="0"/>
+                <a:cs typeface="Calibri" panose="020F0502020204030204" pitchFamily="34" charset="0"/>
+              </a:rPr>
+              <a:t>набор необходимых параметров для </a:t>
+            </a:r>
+            <a:r>
+              <a:rPr lang="ru-RU" sz="2300" dirty="0" smtClean="0">
+                <a:latin typeface="Calibri" panose="020F0502020204030204" pitchFamily="34" charset="0"/>
+                <a:cs typeface="Calibri" panose="020F0502020204030204" pitchFamily="34" charset="0"/>
+              </a:rPr>
+              <a:t>мониторинга</a:t>
+            </a:r>
+            <a:r>
+              <a:rPr lang="en-US" sz="2300" dirty="0" smtClean="0">
+                <a:latin typeface="Calibri" panose="020F0502020204030204" pitchFamily="34" charset="0"/>
+                <a:cs typeface="Calibri" panose="020F0502020204030204" pitchFamily="34" charset="0"/>
+              </a:rPr>
+              <a:t>.</a:t>
+            </a:r>
+            <a:endParaRPr lang="ru-RU" sz="2300" dirty="0">
+              <a:latin typeface="Calibri" panose="020F0502020204030204" pitchFamily="34" charset="0"/>
+              <a:cs typeface="Calibri" panose="020F0502020204030204" pitchFamily="34" charset="0"/>
+            </a:endParaRPr>
+          </a:p>
+          <a:p>
+            <a:pPr marL="800100" lvl="1" indent="-342900" algn="just">
+              <a:buFont typeface="+mj-lt"/>
+              <a:buAutoNum type="arabicPeriod"/>
+            </a:pPr>
+            <a:r>
+              <a:rPr lang="ru-RU" sz="2300" dirty="0" smtClean="0">
+                <a:latin typeface="Calibri" panose="020F0502020204030204" pitchFamily="34" charset="0"/>
+                <a:cs typeface="Calibri" panose="020F0502020204030204" pitchFamily="34" charset="0"/>
+              </a:rPr>
+              <a:t>Провести </a:t>
+            </a:r>
+            <a:r>
+              <a:rPr lang="ru-RU" sz="2300" dirty="0">
+                <a:latin typeface="Calibri" panose="020F0502020204030204" pitchFamily="34" charset="0"/>
+                <a:cs typeface="Calibri" panose="020F0502020204030204" pitchFamily="34" charset="0"/>
+              </a:rPr>
+              <a:t>анализ существующих средств мониторинга поведения мобильных устройств на выбранной операционной </a:t>
+            </a:r>
+            <a:r>
+              <a:rPr lang="ru-RU" sz="2300" dirty="0" smtClean="0">
+                <a:latin typeface="Calibri" panose="020F0502020204030204" pitchFamily="34" charset="0"/>
+                <a:cs typeface="Calibri" panose="020F0502020204030204" pitchFamily="34" charset="0"/>
+              </a:rPr>
+              <a:t>системе</a:t>
+            </a:r>
+            <a:r>
+              <a:rPr lang="en-US" sz="2300" dirty="0" smtClean="0">
+                <a:latin typeface="Calibri" panose="020F0502020204030204" pitchFamily="34" charset="0"/>
+                <a:cs typeface="Calibri" panose="020F0502020204030204" pitchFamily="34" charset="0"/>
+              </a:rPr>
+              <a:t>.</a:t>
+            </a:r>
+            <a:endParaRPr lang="ru-RU" sz="2300" dirty="0">
+              <a:latin typeface="Calibri" panose="020F0502020204030204" pitchFamily="34" charset="0"/>
+              <a:cs typeface="Calibri" panose="020F0502020204030204" pitchFamily="34" charset="0"/>
+            </a:endParaRPr>
+          </a:p>
+          <a:p>
+            <a:pPr marL="800100" lvl="1" indent="-342900" algn="just">
+              <a:buFont typeface="+mj-lt"/>
+              <a:buAutoNum type="arabicPeriod"/>
+            </a:pPr>
+            <a:r>
+              <a:rPr lang="ru-RU" sz="2300" dirty="0" smtClean="0">
+                <a:latin typeface="Calibri" panose="020F0502020204030204" pitchFamily="34" charset="0"/>
+                <a:cs typeface="Calibri" panose="020F0502020204030204" pitchFamily="34" charset="0"/>
+              </a:rPr>
+              <a:t>Реализовать </a:t>
+            </a:r>
+            <a:r>
+              <a:rPr lang="ru-RU" sz="2300" dirty="0">
+                <a:latin typeface="Calibri" panose="020F0502020204030204" pitchFamily="34" charset="0"/>
+                <a:cs typeface="Calibri" panose="020F0502020204030204" pitchFamily="34" charset="0"/>
+              </a:rPr>
+              <a:t>средство для </a:t>
+            </a:r>
+            <a:r>
+              <a:rPr lang="ru-RU" sz="2300" dirty="0" smtClean="0">
+                <a:latin typeface="Calibri" panose="020F0502020204030204" pitchFamily="34" charset="0"/>
+                <a:cs typeface="Calibri" panose="020F0502020204030204" pitchFamily="34" charset="0"/>
+              </a:rPr>
+              <a:t>мониторинга функционирования мобильных </a:t>
+            </a:r>
+            <a:r>
+              <a:rPr lang="ru-RU" sz="2300" dirty="0">
+                <a:latin typeface="Calibri" panose="020F0502020204030204" pitchFamily="34" charset="0"/>
+                <a:cs typeface="Calibri" panose="020F0502020204030204" pitchFamily="34" charset="0"/>
+              </a:rPr>
+              <a:t>устройств</a:t>
+            </a:r>
+            <a:r>
+              <a:rPr lang="ru-RU" sz="2300" dirty="0" smtClean="0">
+                <a:latin typeface="Calibri" panose="020F0502020204030204" pitchFamily="34" charset="0"/>
+                <a:cs typeface="Calibri" panose="020F0502020204030204" pitchFamily="34" charset="0"/>
+              </a:rPr>
+              <a:t>.</a:t>
+            </a:r>
+            <a:endParaRPr lang="ru-RU" sz="2300" dirty="0" smtClean="0">
               <a:latin typeface="Trebuchet MS" panose="020B0603020202020204" pitchFamily="34" charset="0"/>
             </a:endParaRPr>
           </a:p>
@@ -18649,92 +20741,7 @@
       </p:sp>
       <p:sp>
         <p:nvSpPr>
-          <p:cNvPr id="9" name="TextBox 8"/>
-          <p:cNvSpPr txBox="1"/>
-          <p:nvPr/>
-        </p:nvSpPr>
-        <p:spPr>
-          <a:xfrm>
-            <a:off x="5840327" y="4565507"/>
-            <a:ext cx="3551473" cy="646331"/>
-          </a:xfrm>
-          <a:prstGeom prst="rect">
-            <a:avLst/>
-          </a:prstGeom>
-          <a:noFill/>
-        </p:spPr>
-        <p:txBody>
-          <a:bodyPr wrap="square" rtlCol="0">
-            <a:spAutoFit/>
-          </a:bodyPr>
-          <a:lstStyle/>
-          <a:p>
-            <a:pPr algn="ctr"/>
-            <a:r>
-              <a:rPr lang="ru-RU" dirty="0">
-                <a:latin typeface="Trebuchet MS" panose="020B0603020202020204" pitchFamily="34" charset="0"/>
-              </a:rPr>
-              <a:t>Темпы роста популярности </a:t>
-            </a:r>
-            <a:r>
-              <a:rPr lang="ru-RU" dirty="0" smtClean="0">
-                <a:latin typeface="Trebuchet MS" panose="020B0603020202020204" pitchFamily="34" charset="0"/>
-              </a:rPr>
-              <a:t>ОС за последний год</a:t>
-            </a:r>
-            <a:endParaRPr lang="ru-RU" sz="1600" dirty="0">
-              <a:latin typeface="Trebuchet MS" panose="020B0603020202020204" pitchFamily="34" charset="0"/>
-            </a:endParaRPr>
-          </a:p>
-        </p:txBody>
-      </p:sp>
-      <p:graphicFrame>
-        <p:nvGraphicFramePr>
-          <p:cNvPr id="12" name="Диаграмма 11"/>
-          <p:cNvGraphicFramePr/>
-          <p:nvPr>
-            <p:extLst>
-              <p:ext uri="{D42A27DB-BD31-4B8C-83A1-F6EECF244321}">
-                <p14:modId xmlns:p14="http://schemas.microsoft.com/office/powerpoint/2010/main" val="263937000"/>
-              </p:ext>
-            </p:extLst>
-          </p:nvPr>
-        </p:nvGraphicFramePr>
-        <p:xfrm>
-          <a:off x="0" y="1896765"/>
-          <a:ext cx="4967654" cy="2511029"/>
-        </p:xfrm>
-        <a:graphic>
-          <a:graphicData uri="http://schemas.openxmlformats.org/drawingml/2006/chart">
-            <c:chart xmlns:c="http://schemas.openxmlformats.org/drawingml/2006/chart" xmlns:r="http://schemas.openxmlformats.org/officeDocument/2006/relationships" r:id="rId2"/>
-          </a:graphicData>
-        </a:graphic>
-      </p:graphicFrame>
-      <p:graphicFrame>
-        <p:nvGraphicFramePr>
-          <p:cNvPr id="13" name="Диаграмма 12"/>
-          <p:cNvGraphicFramePr/>
-          <p:nvPr>
-            <p:extLst>
-              <p:ext uri="{D42A27DB-BD31-4B8C-83A1-F6EECF244321}">
-                <p14:modId xmlns:p14="http://schemas.microsoft.com/office/powerpoint/2010/main" val="1032088274"/>
-              </p:ext>
-            </p:extLst>
-          </p:nvPr>
-        </p:nvGraphicFramePr>
-        <p:xfrm>
-          <a:off x="5281524" y="1931692"/>
-          <a:ext cx="4669081" cy="2472570"/>
-        </p:xfrm>
-        <a:graphic>
-          <a:graphicData uri="http://schemas.openxmlformats.org/drawingml/2006/chart">
-            <c:chart xmlns:c="http://schemas.openxmlformats.org/drawingml/2006/chart" xmlns:r="http://schemas.openxmlformats.org/officeDocument/2006/relationships" r:id="rId3"/>
-          </a:graphicData>
-        </a:graphic>
-      </p:graphicFrame>
-      <p:sp>
-        <p:nvSpPr>
-          <p:cNvPr id="19" name="TextBox 18"/>
+          <p:cNvPr id="10" name="TextBox 9"/>
           <p:cNvSpPr txBox="1"/>
           <p:nvPr/>
         </p:nvSpPr>
@@ -18754,10 +20761,10 @@
           </a:bodyPr>
           <a:lstStyle/>
           <a:p>
-            <a:r>
-              <a:rPr lang="en-US" sz="2400" dirty="0" smtClean="0"/>
+            <a:fld id="{510FC380-A38F-491D-AD8F-106A4E9A471D}" type="slidenum">
+              <a:rPr lang="en-US" sz="2400" smtClean="0"/>
               <a:t>4</a:t>
-            </a:r>
+            </a:fld>
             <a:endParaRPr lang="ru-RU" sz="2400" dirty="0"/>
           </a:p>
         </p:txBody>
@@ -18765,7 +20772,7 @@
     </p:spTree>
     <p:extLst>
       <p:ext uri="{BB962C8B-B14F-4D97-AF65-F5344CB8AC3E}">
-        <p14:creationId xmlns:p14="http://schemas.microsoft.com/office/powerpoint/2010/main" val="1358733838"/>
+        <p14:creationId xmlns:p14="http://schemas.microsoft.com/office/powerpoint/2010/main" val="217054765"/>
       </p:ext>
     </p:extLst>
   </p:cSld>
@@ -18811,7 +20818,7 @@
         </p:nvSpPr>
         <p:spPr>
           <a:xfrm>
-            <a:off x="677160" y="652142"/>
+            <a:off x="547530" y="619155"/>
             <a:ext cx="8596440" cy="471974"/>
           </a:xfrm>
         </p:spPr>
@@ -18820,512 +20827,25 @@
           <a:lstStyle/>
           <a:p>
             <a:r>
-              <a:rPr lang="ru-RU" sz="2400" b="1" spc="-1" dirty="0" smtClean="0">
+              <a:rPr lang="ru-RU" sz="2800" b="1" spc="-1" dirty="0" smtClean="0">
                 <a:solidFill>
                   <a:srgbClr val="226292"/>
                 </a:solidFill>
-                <a:latin typeface="Trebuchet MS"/>
+                <a:latin typeface="Calibri" panose="020F0502020204030204" pitchFamily="34" charset="0"/>
+                <a:cs typeface="Calibri" panose="020F0502020204030204" pitchFamily="34" charset="0"/>
               </a:rPr>
-              <a:t>Анализ предметной области</a:t>
+              <a:t>Угрозы информационной безопасности в корпорации</a:t>
             </a:r>
-            <a:endParaRPr lang="ru-RU" sz="2400" dirty="0"/>
+            <a:endParaRPr lang="ru-RU" sz="2800" dirty="0">
+              <a:latin typeface="Calibri" panose="020F0502020204030204" pitchFamily="34" charset="0"/>
+              <a:cs typeface="Calibri" panose="020F0502020204030204" pitchFamily="34" charset="0"/>
+            </a:endParaRPr>
           </a:p>
         </p:txBody>
       </p:sp>
-      <p:pic>
-        <p:nvPicPr>
-          <p:cNvPr id="3" name="Рисунок 2"/>
-          <p:cNvPicPr>
-            <a:picLocks noChangeAspect="1"/>
-          </p:cNvPicPr>
-          <p:nvPr/>
-        </p:nvPicPr>
-        <p:blipFill>
-          <a:blip r:embed="rId2" cstate="hqprint">
-            <a:extLst>
-              <a:ext uri="{28A0092B-C50C-407E-A947-70E740481C1C}">
-                <a14:useLocalDpi xmlns:a14="http://schemas.microsoft.com/office/drawing/2010/main" val="0"/>
-              </a:ext>
-            </a:extLst>
-          </a:blip>
-          <a:stretch>
-            <a:fillRect/>
-          </a:stretch>
-        </p:blipFill>
-        <p:spPr>
-          <a:xfrm>
-            <a:off x="1654272" y="2500596"/>
-            <a:ext cx="760557" cy="507038"/>
-          </a:xfrm>
-          <a:prstGeom prst="rect">
-            <a:avLst/>
-          </a:prstGeom>
-        </p:spPr>
-      </p:pic>
-      <p:pic>
-        <p:nvPicPr>
-          <p:cNvPr id="4" name="Рисунок 3"/>
-          <p:cNvPicPr>
-            <a:picLocks noChangeAspect="1"/>
-          </p:cNvPicPr>
-          <p:nvPr/>
-        </p:nvPicPr>
-        <p:blipFill>
-          <a:blip r:embed="rId3" cstate="hqprint">
-            <a:extLst>
-              <a:ext uri="{28A0092B-C50C-407E-A947-70E740481C1C}">
-                <a14:useLocalDpi xmlns:a14="http://schemas.microsoft.com/office/drawing/2010/main" val="0"/>
-              </a:ext>
-            </a:extLst>
-          </a:blip>
-          <a:stretch>
-            <a:fillRect/>
-          </a:stretch>
-        </p:blipFill>
-        <p:spPr>
-          <a:xfrm>
-            <a:off x="5306991" y="2454440"/>
-            <a:ext cx="1046758" cy="511112"/>
-          </a:xfrm>
-          <a:prstGeom prst="rect">
-            <a:avLst/>
-          </a:prstGeom>
-        </p:spPr>
-      </p:pic>
-      <p:pic>
-        <p:nvPicPr>
-          <p:cNvPr id="1026" name="Picture 2" descr="Игры для Windows Phone 7, 8, 8.1 и 10 смартфонов"/>
-          <p:cNvPicPr>
-            <a:picLocks noChangeAspect="1" noChangeArrowheads="1"/>
-          </p:cNvPicPr>
-          <p:nvPr/>
-        </p:nvPicPr>
-        <p:blipFill>
-          <a:blip r:embed="rId4">
-            <a:extLst>
-              <a:ext uri="{28A0092B-C50C-407E-A947-70E740481C1C}">
-                <a14:useLocalDpi xmlns:a14="http://schemas.microsoft.com/office/drawing/2010/main" val="0"/>
-              </a:ext>
-            </a:extLst>
-          </a:blip>
-          <a:srcRect/>
-          <a:stretch>
-            <a:fillRect/>
-          </a:stretch>
-        </p:blipFill>
-        <p:spPr bwMode="auto">
-          <a:xfrm>
-            <a:off x="9324809" y="2408284"/>
-            <a:ext cx="772358" cy="599350"/>
-          </a:xfrm>
-          <a:prstGeom prst="rect">
-            <a:avLst/>
-          </a:prstGeom>
-          <a:noFill/>
-          <a:extLst>
-            <a:ext uri="{909E8E84-426E-40DD-AFC4-6F175D3DCCD1}">
-              <a14:hiddenFill xmlns:a14="http://schemas.microsoft.com/office/drawing/2010/main">
-                <a:solidFill>
-                  <a:srgbClr val="FFFFFF"/>
-                </a:solidFill>
-              </a14:hiddenFill>
-            </a:ext>
-          </a:extLst>
-        </p:spPr>
-      </p:pic>
-      <p:graphicFrame>
-        <p:nvGraphicFramePr>
-          <p:cNvPr id="15" name="Таблица 14"/>
-          <p:cNvGraphicFramePr>
-            <a:graphicFrameLocks noGrp="1"/>
-          </p:cNvGraphicFramePr>
-          <p:nvPr>
-            <p:extLst>
-              <p:ext uri="{D42A27DB-BD31-4B8C-83A1-F6EECF244321}">
-                <p14:modId xmlns:p14="http://schemas.microsoft.com/office/powerpoint/2010/main" val="3907265441"/>
-              </p:ext>
-            </p:extLst>
-          </p:nvPr>
-        </p:nvGraphicFramePr>
-        <p:xfrm>
-          <a:off x="278779" y="3151687"/>
-          <a:ext cx="3511544" cy="1463040"/>
-        </p:xfrm>
-        <a:graphic>
-          <a:graphicData uri="http://schemas.openxmlformats.org/drawingml/2006/table">
-            <a:tbl>
-              <a:tblPr firstRow="1" bandRow="1">
-                <a:tableStyleId>{69CF1AB2-1976-4502-BF36-3FF5EA218861}</a:tableStyleId>
-              </a:tblPr>
-              <a:tblGrid>
-                <a:gridCol w="3511544">
-                  <a:extLst>
-                    <a:ext uri="{9D8B030D-6E8A-4147-A177-3AD203B41FA5}">
-                      <a16:colId xmlns:a16="http://schemas.microsoft.com/office/drawing/2014/main" val="289009373"/>
-                    </a:ext>
-                  </a:extLst>
-                </a:gridCol>
-              </a:tblGrid>
-              <a:tr h="443405">
-                <a:tc>
-                  <a:txBody>
-                    <a:bodyPr/>
-                    <a:lstStyle/>
-                    <a:p>
-                      <a:r>
-                        <a:rPr lang="en-US" sz="1400" dirty="0" smtClean="0"/>
-                        <a:t>+ </a:t>
-                      </a:r>
-                      <a:r>
-                        <a:rPr lang="ru-RU" sz="1400" dirty="0" smtClean="0"/>
-                        <a:t>Открыты</a:t>
-                      </a:r>
-                      <a:r>
-                        <a:rPr lang="ru-RU" sz="1400" baseline="0" dirty="0" smtClean="0"/>
-                        <a:t>й исходный код</a:t>
-                      </a:r>
-                      <a:endParaRPr lang="ru-RU" sz="1400" dirty="0" smtClean="0"/>
-                    </a:p>
-                    <a:p>
-                      <a:r>
-                        <a:rPr lang="ru-RU" sz="1400" dirty="0" smtClean="0"/>
-                        <a:t>+ Большой ассортимент устройств</a:t>
-                      </a:r>
-                    </a:p>
-                    <a:p>
-                      <a:r>
-                        <a:rPr lang="ru-RU" sz="1400" dirty="0" smtClean="0"/>
-                        <a:t>+ Большое количество приложений</a:t>
-                      </a:r>
-                    </a:p>
-                    <a:p>
-                      <a:r>
-                        <a:rPr lang="ru-RU" sz="1400" dirty="0" smtClean="0"/>
-                        <a:t>+ Гибкость</a:t>
-                      </a:r>
-                      <a:r>
-                        <a:rPr lang="ru-RU" sz="1400" baseline="0" dirty="0" smtClean="0"/>
-                        <a:t> интерфейса</a:t>
-                      </a:r>
-                    </a:p>
-                  </a:txBody>
-                  <a:tcPr/>
-                </a:tc>
-                <a:extLst>
-                  <a:ext uri="{0D108BD9-81ED-4DB2-BD59-A6C34878D82A}">
-                    <a16:rowId xmlns:a16="http://schemas.microsoft.com/office/drawing/2014/main" val="4139107647"/>
-                  </a:ext>
-                </a:extLst>
-              </a:tr>
-              <a:tr h="370840">
-                <a:tc>
-                  <a:txBody>
-                    <a:bodyPr/>
-                    <a:lstStyle/>
-                    <a:p>
-                      <a:pPr marL="0" indent="0">
-                        <a:buFontTx/>
-                        <a:buNone/>
-                      </a:pPr>
-                      <a:r>
-                        <a:rPr lang="ru-RU" sz="1400" dirty="0" smtClean="0"/>
-                        <a:t>- Уязвимость открытой архитектуры</a:t>
-                      </a:r>
-                    </a:p>
-                    <a:p>
-                      <a:pPr marL="0" indent="0">
-                        <a:buFontTx/>
-                        <a:buNone/>
-                      </a:pPr>
-                      <a:r>
-                        <a:rPr lang="ru-RU" sz="1400" dirty="0" smtClean="0"/>
-                        <a:t>- Оптимизация</a:t>
-                      </a:r>
-                      <a:r>
-                        <a:rPr lang="ru-RU" sz="1400" baseline="0" dirty="0" smtClean="0"/>
-                        <a:t> некоторых приложений</a:t>
-                      </a:r>
-                      <a:endParaRPr lang="ru-RU" sz="1400" dirty="0"/>
-                    </a:p>
-                  </a:txBody>
-                  <a:tcPr/>
-                </a:tc>
-                <a:extLst>
-                  <a:ext uri="{0D108BD9-81ED-4DB2-BD59-A6C34878D82A}">
-                    <a16:rowId xmlns:a16="http://schemas.microsoft.com/office/drawing/2014/main" val="2231683977"/>
-                  </a:ext>
-                </a:extLst>
-              </a:tr>
-            </a:tbl>
-          </a:graphicData>
-        </a:graphic>
-      </p:graphicFrame>
-      <p:graphicFrame>
-        <p:nvGraphicFramePr>
-          <p:cNvPr id="17" name="Таблица 16"/>
-          <p:cNvGraphicFramePr>
-            <a:graphicFrameLocks noGrp="1"/>
-          </p:cNvGraphicFramePr>
-          <p:nvPr>
-            <p:extLst>
-              <p:ext uri="{D42A27DB-BD31-4B8C-83A1-F6EECF244321}">
-                <p14:modId xmlns:p14="http://schemas.microsoft.com/office/powerpoint/2010/main" val="3310811593"/>
-              </p:ext>
-            </p:extLst>
-          </p:nvPr>
-        </p:nvGraphicFramePr>
-        <p:xfrm>
-          <a:off x="4071909" y="3151687"/>
-          <a:ext cx="3516923" cy="1463040"/>
-        </p:xfrm>
-        <a:graphic>
-          <a:graphicData uri="http://schemas.openxmlformats.org/drawingml/2006/table">
-            <a:tbl>
-              <a:tblPr firstRow="1" bandRow="1">
-                <a:tableStyleId>{69CF1AB2-1976-4502-BF36-3FF5EA218861}</a:tableStyleId>
-              </a:tblPr>
-              <a:tblGrid>
-                <a:gridCol w="3516923">
-                  <a:extLst>
-                    <a:ext uri="{9D8B030D-6E8A-4147-A177-3AD203B41FA5}">
-                      <a16:colId xmlns:a16="http://schemas.microsoft.com/office/drawing/2014/main" val="289009373"/>
-                    </a:ext>
-                  </a:extLst>
-                </a:gridCol>
-              </a:tblGrid>
-              <a:tr h="443405">
-                <a:tc>
-                  <a:txBody>
-                    <a:bodyPr/>
-                    <a:lstStyle/>
-                    <a:p>
-                      <a:r>
-                        <a:rPr lang="en-US" sz="1400" dirty="0" smtClean="0"/>
-                        <a:t>+ </a:t>
-                      </a:r>
-                      <a:r>
-                        <a:rPr lang="ru-RU" sz="1400" dirty="0" smtClean="0"/>
-                        <a:t>Направленность</a:t>
-                      </a:r>
-                      <a:r>
-                        <a:rPr lang="ru-RU" sz="1400" baseline="0" dirty="0" smtClean="0"/>
-                        <a:t> на пользователя</a:t>
-                      </a:r>
-                      <a:endParaRPr lang="ru-RU" sz="1400" dirty="0" smtClean="0"/>
-                    </a:p>
-                    <a:p>
-                      <a:r>
-                        <a:rPr lang="ru-RU" sz="1400" dirty="0" smtClean="0"/>
-                        <a:t>+ Оптимизация приложений</a:t>
-                      </a:r>
-                    </a:p>
-                    <a:p>
-                      <a:r>
-                        <a:rPr lang="ru-RU" sz="1400" dirty="0" smtClean="0"/>
-                        <a:t>+ Надежность</a:t>
-                      </a:r>
-                      <a:r>
-                        <a:rPr lang="ru-RU" sz="1400" baseline="0" dirty="0" smtClean="0"/>
-                        <a:t> закрытой архитектуры</a:t>
-                      </a:r>
-                    </a:p>
-                  </a:txBody>
-                  <a:tcPr/>
-                </a:tc>
-                <a:extLst>
-                  <a:ext uri="{0D108BD9-81ED-4DB2-BD59-A6C34878D82A}">
-                    <a16:rowId xmlns:a16="http://schemas.microsoft.com/office/drawing/2014/main" val="4139107647"/>
-                  </a:ext>
-                </a:extLst>
-              </a:tr>
-              <a:tr h="370840">
-                <a:tc>
-                  <a:txBody>
-                    <a:bodyPr/>
-                    <a:lstStyle/>
-                    <a:p>
-                      <a:pPr marL="0" indent="0">
-                        <a:buFontTx/>
-                        <a:buNone/>
-                      </a:pPr>
-                      <a:r>
-                        <a:rPr lang="ru-RU" sz="1400" dirty="0" smtClean="0"/>
-                        <a:t>- Ограниченная</a:t>
-                      </a:r>
-                      <a:r>
-                        <a:rPr lang="ru-RU" sz="1400" baseline="0" dirty="0" smtClean="0"/>
-                        <a:t> возможность настройки</a:t>
-                      </a:r>
-                      <a:endParaRPr lang="ru-RU" sz="1400" dirty="0" smtClean="0"/>
-                    </a:p>
-                    <a:p>
-                      <a:pPr marL="0" indent="0">
-                        <a:buFontTx/>
-                        <a:buNone/>
-                      </a:pPr>
-                      <a:r>
-                        <a:rPr lang="ru-RU" sz="1400" dirty="0" smtClean="0"/>
-                        <a:t>- Высокая стоимость продукции</a:t>
-                      </a:r>
-                    </a:p>
-                    <a:p>
-                      <a:pPr marL="0" indent="0">
-                        <a:buFontTx/>
-                        <a:buNone/>
-                      </a:pPr>
-                      <a:r>
-                        <a:rPr lang="ru-RU" sz="1400" dirty="0" smtClean="0"/>
-                        <a:t>- Намеренное замедление устройств</a:t>
-                      </a:r>
-                      <a:endParaRPr lang="ru-RU" sz="1400" dirty="0"/>
-                    </a:p>
-                  </a:txBody>
-                  <a:tcPr/>
-                </a:tc>
-                <a:extLst>
-                  <a:ext uri="{0D108BD9-81ED-4DB2-BD59-A6C34878D82A}">
-                    <a16:rowId xmlns:a16="http://schemas.microsoft.com/office/drawing/2014/main" val="2231683977"/>
-                  </a:ext>
-                </a:extLst>
-              </a:tr>
-            </a:tbl>
-          </a:graphicData>
-        </a:graphic>
-      </p:graphicFrame>
-      <p:graphicFrame>
-        <p:nvGraphicFramePr>
-          <p:cNvPr id="18" name="Таблица 17"/>
-          <p:cNvGraphicFramePr>
-            <a:graphicFrameLocks noGrp="1"/>
-          </p:cNvGraphicFramePr>
-          <p:nvPr>
-            <p:extLst>
-              <p:ext uri="{D42A27DB-BD31-4B8C-83A1-F6EECF244321}">
-                <p14:modId xmlns:p14="http://schemas.microsoft.com/office/powerpoint/2010/main" val="3953943886"/>
-              </p:ext>
-            </p:extLst>
-          </p:nvPr>
-        </p:nvGraphicFramePr>
-        <p:xfrm>
-          <a:off x="8008730" y="3151687"/>
-          <a:ext cx="3800410" cy="1463040"/>
-        </p:xfrm>
-        <a:graphic>
-          <a:graphicData uri="http://schemas.openxmlformats.org/drawingml/2006/table">
-            <a:tbl>
-              <a:tblPr firstRow="1" bandRow="1">
-                <a:tableStyleId>{69CF1AB2-1976-4502-BF36-3FF5EA218861}</a:tableStyleId>
-              </a:tblPr>
-              <a:tblGrid>
-                <a:gridCol w="3800410">
-                  <a:extLst>
-                    <a:ext uri="{9D8B030D-6E8A-4147-A177-3AD203B41FA5}">
-                      <a16:colId xmlns:a16="http://schemas.microsoft.com/office/drawing/2014/main" val="289009373"/>
-                    </a:ext>
-                  </a:extLst>
-                </a:gridCol>
-              </a:tblGrid>
-              <a:tr h="443405">
-                <a:tc>
-                  <a:txBody>
-                    <a:bodyPr/>
-                    <a:lstStyle/>
-                    <a:p>
-                      <a:r>
-                        <a:rPr lang="en-US" sz="1400" dirty="0" smtClean="0"/>
-                        <a:t>+ </a:t>
-                      </a:r>
-                      <a:r>
-                        <a:rPr lang="ru-RU" sz="1400" dirty="0" smtClean="0"/>
-                        <a:t>Схожесть с </a:t>
-                      </a:r>
-                      <a:r>
-                        <a:rPr lang="en-US" sz="1400" dirty="0" smtClean="0"/>
-                        <a:t>Windows 10</a:t>
-                      </a:r>
-                      <a:endParaRPr lang="ru-RU" sz="1400" dirty="0" smtClean="0"/>
-                    </a:p>
-                    <a:p>
-                      <a:r>
-                        <a:rPr lang="ru-RU" sz="1400" dirty="0" smtClean="0"/>
-                        <a:t>+ Возможность использования некоторых приложений для </a:t>
-                      </a:r>
-                      <a:r>
-                        <a:rPr lang="en-US" sz="1400" dirty="0" smtClean="0"/>
-                        <a:t>Windows 10</a:t>
-                      </a:r>
-                      <a:endParaRPr lang="ru-RU" sz="1400" dirty="0" smtClean="0"/>
-                    </a:p>
-                  </a:txBody>
-                  <a:tcPr/>
-                </a:tc>
-                <a:extLst>
-                  <a:ext uri="{0D108BD9-81ED-4DB2-BD59-A6C34878D82A}">
-                    <a16:rowId xmlns:a16="http://schemas.microsoft.com/office/drawing/2014/main" val="4139107647"/>
-                  </a:ext>
-                </a:extLst>
-              </a:tr>
-              <a:tr h="370840">
-                <a:tc>
-                  <a:txBody>
-                    <a:bodyPr/>
-                    <a:lstStyle/>
-                    <a:p>
-                      <a:pPr marL="0" indent="0">
-                        <a:buFontTx/>
-                        <a:buNone/>
-                      </a:pPr>
-                      <a:r>
-                        <a:rPr lang="ru-RU" sz="1400" dirty="0" smtClean="0"/>
-                        <a:t>- Малый</a:t>
-                      </a:r>
-                      <a:r>
-                        <a:rPr lang="ru-RU" sz="1400" baseline="0" dirty="0" smtClean="0"/>
-                        <a:t> ассортимент устройств</a:t>
-                      </a:r>
-                      <a:endParaRPr lang="ru-RU" sz="1400" dirty="0" smtClean="0"/>
-                    </a:p>
-                    <a:p>
-                      <a:pPr marL="0" indent="0">
-                        <a:buFontTx/>
-                        <a:buNone/>
-                      </a:pPr>
-                      <a:r>
-                        <a:rPr lang="ru-RU" sz="1400" dirty="0" smtClean="0"/>
-                        <a:t>-</a:t>
-                      </a:r>
-                      <a:r>
-                        <a:rPr lang="ru-RU" sz="1400" baseline="0" dirty="0" smtClean="0"/>
-                        <a:t> Малое количество приложений</a:t>
-                      </a:r>
-                    </a:p>
-                    <a:p>
-                      <a:pPr marL="0" indent="0">
-                        <a:buFontTx/>
-                        <a:buNone/>
-                      </a:pPr>
-                      <a:r>
-                        <a:rPr lang="ru-RU" sz="1400" baseline="0" dirty="0" smtClean="0"/>
-                        <a:t>- Ограниченная возможность настройки</a:t>
-                      </a:r>
-                      <a:endParaRPr lang="ru-RU" sz="1400" dirty="0"/>
-                    </a:p>
-                  </a:txBody>
-                  <a:tcPr/>
-                </a:tc>
-                <a:extLst>
-                  <a:ext uri="{0D108BD9-81ED-4DB2-BD59-A6C34878D82A}">
-                    <a16:rowId xmlns:a16="http://schemas.microsoft.com/office/drawing/2014/main" val="2231683977"/>
-                  </a:ext>
-                </a:extLst>
-              </a:tr>
-            </a:tbl>
-          </a:graphicData>
-        </a:graphic>
-      </p:graphicFrame>
       <p:sp>
         <p:nvSpPr>
-          <p:cNvPr id="19" name="TextBox 18"/>
+          <p:cNvPr id="9" name="TextBox 8"/>
           <p:cNvSpPr txBox="1"/>
           <p:nvPr/>
         </p:nvSpPr>
@@ -19345,7 +20865,7 @@
           </a:bodyPr>
           <a:lstStyle/>
           <a:p>
-            <a:fld id="{307388D8-E7D3-4985-97E3-407ED41EE4FB}" type="slidenum">
+            <a:fld id="{5278B22F-AEDB-4E88-ABE3-C47E37B35513}" type="slidenum">
               <a:rPr lang="en-US" sz="2400" smtClean="0"/>
               <a:t>5</a:t>
             </a:fld>
@@ -19353,10 +20873,95 @@
           </a:p>
         </p:txBody>
       </p:sp>
+      <p:graphicFrame>
+        <p:nvGraphicFramePr>
+          <p:cNvPr id="8" name="Диаграмма 7"/>
+          <p:cNvGraphicFramePr/>
+          <p:nvPr>
+            <p:extLst>
+              <p:ext uri="{D42A27DB-BD31-4B8C-83A1-F6EECF244321}">
+                <p14:modId xmlns:p14="http://schemas.microsoft.com/office/powerpoint/2010/main" val="1081542065"/>
+              </p:ext>
+            </p:extLst>
+          </p:nvPr>
+        </p:nvGraphicFramePr>
+        <p:xfrm>
+          <a:off x="2791327" y="1465450"/>
+          <a:ext cx="7684168" cy="4411313"/>
+        </p:xfrm>
+        <a:graphic>
+          <a:graphicData uri="http://schemas.openxmlformats.org/drawingml/2006/chart">
+            <c:chart xmlns:c="http://schemas.openxmlformats.org/drawingml/2006/chart" xmlns:r="http://schemas.openxmlformats.org/officeDocument/2006/relationships" r:id="rId2"/>
+          </a:graphicData>
+        </a:graphic>
+      </p:graphicFrame>
+      <p:pic>
+        <p:nvPicPr>
+          <p:cNvPr id="1028" name="Picture 4" descr="Лаборатория Касперского»: лучшая защита по оценкам независимых аналитиков |  Новость - Мирмекс"/>
+          <p:cNvPicPr>
+            <a:picLocks noChangeAspect="1" noChangeArrowheads="1"/>
+          </p:cNvPicPr>
+          <p:nvPr/>
+        </p:nvPicPr>
+        <p:blipFill>
+          <a:blip r:embed="rId3" cstate="hqprint">
+            <a:extLst>
+              <a:ext uri="{28A0092B-C50C-407E-A947-70E740481C1C}">
+                <a14:useLocalDpi xmlns:a14="http://schemas.microsoft.com/office/drawing/2010/main" val="0"/>
+              </a:ext>
+            </a:extLst>
+          </a:blip>
+          <a:srcRect/>
+          <a:stretch>
+            <a:fillRect/>
+          </a:stretch>
+        </p:blipFill>
+        <p:spPr bwMode="auto">
+          <a:xfrm>
+            <a:off x="547530" y="5556815"/>
+            <a:ext cx="1833720" cy="1153206"/>
+          </a:xfrm>
+          <a:prstGeom prst="rect">
+            <a:avLst/>
+          </a:prstGeom>
+          <a:noFill/>
+          <a:extLst>
+            <a:ext uri="{909E8E84-426E-40DD-AFC4-6F175D3DCCD1}">
+              <a14:hiddenFill xmlns:a14="http://schemas.microsoft.com/office/drawing/2010/main">
+                <a:solidFill>
+                  <a:srgbClr val="FFFFFF"/>
+                </a:solidFill>
+              </a14:hiddenFill>
+            </a:ext>
+          </a:extLst>
+        </p:spPr>
+      </p:pic>
+      <p:graphicFrame>
+        <p:nvGraphicFramePr>
+          <p:cNvPr id="10" name="Диаграмма 9"/>
+          <p:cNvGraphicFramePr/>
+          <p:nvPr>
+            <p:extLst>
+              <p:ext uri="{D42A27DB-BD31-4B8C-83A1-F6EECF244321}">
+                <p14:modId xmlns:p14="http://schemas.microsoft.com/office/powerpoint/2010/main" val="3878558773"/>
+              </p:ext>
+            </p:extLst>
+          </p:nvPr>
+        </p:nvGraphicFramePr>
+        <p:xfrm>
+          <a:off x="269926" y="1323724"/>
+          <a:ext cx="11133222" cy="4924632"/>
+        </p:xfrm>
+        <a:graphic>
+          <a:graphicData uri="http://schemas.openxmlformats.org/drawingml/2006/chart">
+            <c:chart xmlns:c="http://schemas.openxmlformats.org/drawingml/2006/chart" xmlns:r="http://schemas.openxmlformats.org/officeDocument/2006/relationships" r:id="rId4"/>
+          </a:graphicData>
+        </a:graphic>
+      </p:graphicFrame>
     </p:spTree>
     <p:extLst>
       <p:ext uri="{BB962C8B-B14F-4D97-AF65-F5344CB8AC3E}">
-        <p14:creationId xmlns:p14="http://schemas.microsoft.com/office/powerpoint/2010/main" val="1441359472"/>
+        <p14:creationId xmlns:p14="http://schemas.microsoft.com/office/powerpoint/2010/main" val="3216818202"/>
       </p:ext>
     </p:extLst>
   </p:cSld>
@@ -19411,111 +21016,22 @@
           <a:lstStyle/>
           <a:p>
             <a:r>
-              <a:rPr lang="ru-RU" sz="2400" b="1" spc="-1" dirty="0" smtClean="0">
+              <a:rPr lang="ru-RU" sz="2800" b="1" spc="-1" dirty="0" smtClean="0">
                 <a:solidFill>
                   <a:srgbClr val="226292"/>
                 </a:solidFill>
-                <a:latin typeface="Trebuchet MS"/>
+                <a:latin typeface="Calibri" panose="020F0502020204030204" pitchFamily="34" charset="0"/>
+                <a:cs typeface="Calibri" panose="020F0502020204030204" pitchFamily="34" charset="0"/>
               </a:rPr>
-              <a:t>Угрозы информационной безопасности</a:t>
+              <a:t>Источники утечки информации в корпорации</a:t>
             </a:r>
-            <a:endParaRPr lang="ru-RU" sz="2400" dirty="0"/>
-          </a:p>
-        </p:txBody>
-      </p:sp>
-      <p:sp>
-        <p:nvSpPr>
-          <p:cNvPr id="11" name="TextBox 10"/>
-          <p:cNvSpPr txBox="1"/>
-          <p:nvPr/>
-        </p:nvSpPr>
-        <p:spPr>
-          <a:xfrm>
-            <a:off x="492368" y="1465450"/>
-            <a:ext cx="8493370" cy="1231106"/>
-          </a:xfrm>
-          <a:prstGeom prst="rect">
-            <a:avLst/>
-          </a:prstGeom>
-          <a:noFill/>
-        </p:spPr>
-        <p:txBody>
-          <a:bodyPr wrap="square" rtlCol="0">
-            <a:spAutoFit/>
-          </a:bodyPr>
-          <a:lstStyle/>
-          <a:p>
-            <a:pPr marL="285750" indent="-285750" algn="just">
-              <a:buFont typeface="Arial" panose="020B0604020202020204" pitchFamily="34" charset="0"/>
-              <a:buChar char="•"/>
-            </a:pPr>
-            <a:r>
-              <a:rPr lang="ru-RU" sz="2000" dirty="0" smtClean="0">
-                <a:latin typeface="Trebuchet MS" panose="020B0603020202020204" pitchFamily="34" charset="0"/>
-              </a:rPr>
-              <a:t>Действия субъекта</a:t>
-            </a:r>
-          </a:p>
-          <a:p>
-            <a:pPr marL="285750" indent="-285750" algn="just">
-              <a:buFont typeface="Arial" panose="020B0604020202020204" pitchFamily="34" charset="0"/>
-              <a:buChar char="•"/>
-            </a:pPr>
-            <a:r>
-              <a:rPr lang="ru-RU" sz="2000" dirty="0" smtClean="0">
-                <a:latin typeface="Trebuchet MS" panose="020B0603020202020204" pitchFamily="34" charset="0"/>
-              </a:rPr>
-              <a:t>Технические средства</a:t>
-            </a:r>
-            <a:endParaRPr lang="en-US" sz="2000" dirty="0" smtClean="0">
-              <a:latin typeface="Trebuchet MS" panose="020B0603020202020204" pitchFamily="34" charset="0"/>
-            </a:endParaRPr>
-          </a:p>
-          <a:p>
-            <a:pPr marL="285750" indent="-285750" algn="just">
-              <a:buFont typeface="Arial" panose="020B0604020202020204" pitchFamily="34" charset="0"/>
-              <a:buChar char="•"/>
-            </a:pPr>
-            <a:r>
-              <a:rPr lang="ru-RU" sz="2000" dirty="0" smtClean="0">
-                <a:latin typeface="Trebuchet MS" panose="020B0603020202020204" pitchFamily="34" charset="0"/>
-              </a:rPr>
-              <a:t>Стихийные источники</a:t>
-            </a:r>
-          </a:p>
-          <a:p>
-            <a:pPr marL="285750" indent="-285750" algn="just">
-              <a:buFont typeface="Arial" panose="020B0604020202020204" pitchFamily="34" charset="0"/>
-              <a:buChar char="•"/>
-            </a:pPr>
-            <a:endParaRPr lang="ru-RU" sz="1400" dirty="0" smtClean="0">
-              <a:latin typeface="Trebuchet MS" panose="020B0603020202020204" pitchFamily="34" charset="0"/>
+            <a:endParaRPr lang="ru-RU" sz="2800" dirty="0">
+              <a:latin typeface="Calibri" panose="020F0502020204030204" pitchFamily="34" charset="0"/>
+              <a:cs typeface="Calibri" panose="020F0502020204030204" pitchFamily="34" charset="0"/>
             </a:endParaRPr>
           </a:p>
         </p:txBody>
       </p:sp>
-      <p:graphicFrame>
-        <p:nvGraphicFramePr>
-          <p:cNvPr id="7" name="Диаграмма 6"/>
-          <p:cNvGraphicFramePr/>
-          <p:nvPr>
-            <p:extLst>
-              <p:ext uri="{D42A27DB-BD31-4B8C-83A1-F6EECF244321}">
-                <p14:modId xmlns:p14="http://schemas.microsoft.com/office/powerpoint/2010/main" val="3802267702"/>
-              </p:ext>
-            </p:extLst>
-          </p:nvPr>
-        </p:nvGraphicFramePr>
-        <p:xfrm>
-          <a:off x="2791327" y="1465450"/>
-          <a:ext cx="7684168" cy="4411313"/>
-        </p:xfrm>
-        <a:graphic>
-          <a:graphicData uri="http://schemas.openxmlformats.org/drawingml/2006/chart">
-            <c:chart xmlns:c="http://schemas.openxmlformats.org/drawingml/2006/chart" xmlns:r="http://schemas.openxmlformats.org/officeDocument/2006/relationships" r:id="rId2"/>
-          </a:graphicData>
-        </a:graphic>
-      </p:graphicFrame>
       <p:sp>
         <p:nvSpPr>
           <p:cNvPr id="9" name="TextBox 8"/>
@@ -19546,10 +21062,73 @@
           </a:p>
         </p:txBody>
       </p:sp>
+      <p:graphicFrame>
+        <p:nvGraphicFramePr>
+          <p:cNvPr id="6" name="Диаграмма 5"/>
+          <p:cNvGraphicFramePr/>
+          <p:nvPr>
+            <p:extLst>
+              <p:ext uri="{D42A27DB-BD31-4B8C-83A1-F6EECF244321}">
+                <p14:modId xmlns:p14="http://schemas.microsoft.com/office/powerpoint/2010/main" val="3958973573"/>
+              </p:ext>
+            </p:extLst>
+          </p:nvPr>
+        </p:nvGraphicFramePr>
+        <p:xfrm>
+          <a:off x="269926" y="1323724"/>
+          <a:ext cx="11133222" cy="4924632"/>
+        </p:xfrm>
+        <a:graphic>
+          <a:graphicData uri="http://schemas.openxmlformats.org/drawingml/2006/chart">
+            <c:chart xmlns:c="http://schemas.openxmlformats.org/drawingml/2006/chart" xmlns:r="http://schemas.openxmlformats.org/officeDocument/2006/relationships" r:id="rId2"/>
+          </a:graphicData>
+        </a:graphic>
+      </p:graphicFrame>
+      <p:pic>
+        <p:nvPicPr>
+          <p:cNvPr id="1026" name="Picture 2" descr="InfoWatch (ИнфоВотч)"/>
+          <p:cNvPicPr>
+            <a:picLocks noChangeAspect="1" noChangeArrowheads="1"/>
+          </p:cNvPicPr>
+          <p:nvPr/>
+        </p:nvPicPr>
+        <p:blipFill>
+          <a:blip r:embed="rId3" cstate="hqprint">
+            <a:extLst>
+              <a:ext uri="{28A0092B-C50C-407E-A947-70E740481C1C}">
+                <a14:useLocalDpi xmlns:a14="http://schemas.microsoft.com/office/drawing/2010/main" val="0"/>
+              </a:ext>
+            </a:extLst>
+          </a:blip>
+          <a:srcRect/>
+          <a:stretch>
+            <a:fillRect/>
+          </a:stretch>
+        </p:blipFill>
+        <p:spPr bwMode="auto">
+          <a:xfrm>
+            <a:off x="547530" y="5579165"/>
+            <a:ext cx="1733655" cy="669191"/>
+          </a:xfrm>
+          <a:prstGeom prst="rect">
+            <a:avLst/>
+          </a:prstGeom>
+          <a:noFill/>
+          <a:extLst>
+            <a:ext uri="{909E8E84-426E-40DD-AFC4-6F175D3DCCD1}">
+              <a14:hiddenFill xmlns:a14="http://schemas.microsoft.com/office/drawing/2010/main">
+                <a:solidFill>
+                  <a:srgbClr val="FFFFFF"/>
+                </a:solidFill>
+              </a14:hiddenFill>
+            </a:ext>
+          </a:extLst>
+        </p:spPr>
+      </p:pic>
     </p:spTree>
     <p:extLst>
       <p:ext uri="{BB962C8B-B14F-4D97-AF65-F5344CB8AC3E}">
-        <p14:creationId xmlns:p14="http://schemas.microsoft.com/office/powerpoint/2010/main" val="3216818202"/>
+        <p14:creationId xmlns:p14="http://schemas.microsoft.com/office/powerpoint/2010/main" val="4240420397"/>
       </p:ext>
     </p:extLst>
   </p:cSld>
@@ -19585,56 +21164,14 @@
       </p:grpSpPr>
       <p:sp>
         <p:nvSpPr>
-          <p:cNvPr id="2" name="Заголовок 1"/>
-          <p:cNvSpPr>
-            <a:spLocks noGrp="1"/>
-          </p:cNvSpPr>
-          <p:nvPr>
-            <p:ph type="title"/>
-          </p:nvPr>
-        </p:nvSpPr>
-        <p:spPr>
-          <a:xfrm>
-            <a:off x="547530" y="619155"/>
-            <a:ext cx="8596440" cy="471974"/>
-          </a:xfrm>
-        </p:spPr>
-        <p:txBody>
-          <a:bodyPr/>
-          <a:lstStyle/>
-          <a:p>
-            <a:r>
-              <a:rPr lang="ru-RU" sz="2400" b="1" spc="-1" dirty="0" smtClean="0">
-                <a:solidFill>
-                  <a:srgbClr val="226292"/>
-                </a:solidFill>
-                <a:latin typeface="Trebuchet MS"/>
-              </a:rPr>
-              <a:t>Сравнение средств проведения поведенческого анализа функционирования ОС </a:t>
-            </a:r>
-            <a:r>
-              <a:rPr lang="ru-RU" sz="2400" b="1" spc="-1" dirty="0" err="1" smtClean="0">
-                <a:solidFill>
-                  <a:srgbClr val="226292"/>
-                </a:solidFill>
-                <a:latin typeface="Trebuchet MS"/>
-              </a:rPr>
-              <a:t>андроид</a:t>
-            </a:r>
-            <a:endParaRPr lang="ru-RU" sz="2400" dirty="0"/>
-          </a:p>
-        </p:txBody>
-      </p:sp>
-      <p:sp>
-        <p:nvSpPr>
-          <p:cNvPr id="11" name="TextBox 10"/>
+          <p:cNvPr id="9" name="TextBox 8"/>
           <p:cNvSpPr txBox="1"/>
           <p:nvPr/>
         </p:nvSpPr>
         <p:spPr>
           <a:xfrm>
-            <a:off x="877378" y="1465450"/>
-            <a:ext cx="2587716" cy="2400657"/>
+            <a:off x="11530361" y="6248356"/>
+            <a:ext cx="345688" cy="461665"/>
           </a:xfrm>
           <a:prstGeom prst="rect">
             <a:avLst/>
@@ -19647,90 +21184,259 @@
           </a:bodyPr>
           <a:lstStyle/>
           <a:p>
-            <a:pPr algn="just"/>
+            <a:fld id="{5278B22F-AEDB-4E88-ABE3-C47E37B35513}" type="slidenum">
+              <a:rPr lang="en-US" sz="2400" smtClean="0"/>
+              <a:t>7</a:t>
+            </a:fld>
+            <a:endParaRPr lang="ru-RU" sz="2400" dirty="0"/>
+          </a:p>
+        </p:txBody>
+      </p:sp>
+      <p:sp>
+        <p:nvSpPr>
+          <p:cNvPr id="2" name="Заголовок 1"/>
+          <p:cNvSpPr>
+            <a:spLocks noGrp="1"/>
+          </p:cNvSpPr>
+          <p:nvPr>
+            <p:ph type="title"/>
+          </p:nvPr>
+        </p:nvSpPr>
+        <p:spPr>
+          <a:xfrm>
+            <a:off x="677160" y="285630"/>
+            <a:ext cx="8596440" cy="1320480"/>
+          </a:xfrm>
+        </p:spPr>
+        <p:txBody>
+          <a:bodyPr/>
+          <a:lstStyle/>
+          <a:p>
             <a:r>
-              <a:rPr lang="ru-RU" sz="2000" dirty="0" smtClean="0">
-                <a:latin typeface="Trebuchet MS" panose="020B0603020202020204" pitchFamily="34" charset="0"/>
+              <a:rPr lang="ru-RU" sz="2800" b="1" spc="-1" dirty="0" smtClean="0">
+                <a:solidFill>
+                  <a:srgbClr val="226292"/>
+                </a:solidFill>
+                <a:latin typeface="Calibri" panose="020F0502020204030204" pitchFamily="34" charset="0"/>
+                <a:cs typeface="Calibri" panose="020F0502020204030204" pitchFamily="34" charset="0"/>
               </a:rPr>
-              <a:t>Альтернативы:</a:t>
+              <a:t>Риски, которые несут инсайдеры</a:t>
+            </a:r>
+            <a:endParaRPr lang="ru-RU" sz="2800" dirty="0">
+              <a:latin typeface="Calibri" panose="020F0502020204030204" pitchFamily="34" charset="0"/>
+              <a:cs typeface="Calibri" panose="020F0502020204030204" pitchFamily="34" charset="0"/>
+            </a:endParaRPr>
+          </a:p>
+        </p:txBody>
+      </p:sp>
+      <p:sp>
+        <p:nvSpPr>
+          <p:cNvPr id="3" name="Текст 2"/>
+          <p:cNvSpPr>
+            <a:spLocks noGrp="1"/>
+          </p:cNvSpPr>
+          <p:nvPr>
+            <p:ph type="body"/>
+          </p:nvPr>
+        </p:nvSpPr>
+        <p:spPr/>
+        <p:txBody>
+          <a:bodyPr>
+            <a:normAutofit/>
+          </a:bodyPr>
+          <a:lstStyle/>
+          <a:p>
+            <a:pPr marL="286110" indent="-285750">
+              <a:lnSpc>
+                <a:spcPct val="100000"/>
+              </a:lnSpc>
+              <a:spcBef>
+                <a:spcPts val="1001"/>
+              </a:spcBef>
+              <a:buClr>
+                <a:srgbClr val="5FCBEF"/>
+              </a:buClr>
+              <a:buSzPct val="80000"/>
+            </a:pPr>
+            <a:r>
+              <a:rPr lang="ru-RU" sz="2300" spc="-1" dirty="0" smtClean="0">
+                <a:latin typeface="Calibri" panose="020F0502020204030204" pitchFamily="34" charset="0"/>
+                <a:cs typeface="Calibri" panose="020F0502020204030204" pitchFamily="34" charset="0"/>
+              </a:rPr>
+              <a:t>Украсть </a:t>
+            </a:r>
+            <a:r>
+              <a:rPr lang="ru-RU" sz="2300" spc="-1" dirty="0">
+                <a:latin typeface="Calibri" panose="020F0502020204030204" pitchFamily="34" charset="0"/>
+                <a:cs typeface="Calibri" panose="020F0502020204030204" pitchFamily="34" charset="0"/>
+              </a:rPr>
+              <a:t>конфиденциальную информацию и передать ее конкурентам.</a:t>
             </a:r>
           </a:p>
           <a:p>
-            <a:pPr algn="just"/>
-            <a:endParaRPr lang="ru-RU" sz="2000" dirty="0" smtClean="0">
-              <a:latin typeface="Trebuchet MS" panose="020B0603020202020204" pitchFamily="34" charset="0"/>
-            </a:endParaRPr>
+            <a:pPr marL="286110" indent="-285750">
+              <a:lnSpc>
+                <a:spcPct val="100000"/>
+              </a:lnSpc>
+              <a:spcBef>
+                <a:spcPts val="1001"/>
+              </a:spcBef>
+              <a:buClr>
+                <a:srgbClr val="5FCBEF"/>
+              </a:buClr>
+              <a:buSzPct val="80000"/>
+            </a:pPr>
+            <a:r>
+              <a:rPr lang="ru-RU" sz="2300" spc="-1" dirty="0">
+                <a:latin typeface="Calibri" panose="020F0502020204030204" pitchFamily="34" charset="0"/>
+                <a:cs typeface="Calibri" panose="020F0502020204030204" pitchFamily="34" charset="0"/>
+              </a:rPr>
+              <a:t>Обнародовать персональные данные, подпадающие под действие государственных регламентов.</a:t>
+            </a:r>
           </a:p>
           <a:p>
-            <a:pPr marL="285750" indent="-285750" algn="just">
-              <a:buFont typeface="Arial" panose="020B0604020202020204" pitchFamily="34" charset="0"/>
-              <a:buChar char="•"/>
+            <a:pPr marL="286110" indent="-285750">
+              <a:lnSpc>
+                <a:spcPct val="100000"/>
+              </a:lnSpc>
+              <a:spcBef>
+                <a:spcPts val="1001"/>
+              </a:spcBef>
+              <a:buClr>
+                <a:srgbClr val="5FCBEF"/>
+              </a:buClr>
+              <a:buSzPct val="80000"/>
             </a:pPr>
             <a:r>
-              <a:rPr lang="en-US" sz="2000" dirty="0" err="1" smtClean="0">
-                <a:latin typeface="Trebuchet MS" panose="020B0603020202020204" pitchFamily="34" charset="0"/>
+              <a:rPr lang="ru-RU" sz="2300" spc="-1" dirty="0">
+                <a:latin typeface="Calibri" panose="020F0502020204030204" pitchFamily="34" charset="0"/>
+                <a:cs typeface="Calibri" panose="020F0502020204030204" pitchFamily="34" charset="0"/>
               </a:rPr>
-              <a:t>TaintDroid</a:t>
+              <a:t>Уничтожить информацию, критически важную для работы компании.</a:t>
             </a:r>
-            <a:endParaRPr lang="en-US" sz="2000" dirty="0" smtClean="0">
-              <a:latin typeface="Trebuchet MS" panose="020B0603020202020204" pitchFamily="34" charset="0"/>
-            </a:endParaRPr>
           </a:p>
           <a:p>
-            <a:pPr marL="285750" indent="-285750" algn="just">
-              <a:buFont typeface="Arial" panose="020B0604020202020204" pitchFamily="34" charset="0"/>
-              <a:buChar char="•"/>
+            <a:pPr marL="286110" indent="-285750">
+              <a:lnSpc>
+                <a:spcPct val="100000"/>
+              </a:lnSpc>
+              <a:spcBef>
+                <a:spcPts val="1001"/>
+              </a:spcBef>
+              <a:buClr>
+                <a:srgbClr val="5FCBEF"/>
+              </a:buClr>
+              <a:buSzPct val="80000"/>
             </a:pPr>
             <a:r>
-              <a:rPr lang="en-US" sz="2000" dirty="0" err="1" smtClean="0">
-                <a:latin typeface="Trebuchet MS" panose="020B0603020202020204" pitchFamily="34" charset="0"/>
+              <a:rPr lang="ru-RU" sz="2300" spc="-1" dirty="0">
+                <a:latin typeface="Calibri" panose="020F0502020204030204" pitchFamily="34" charset="0"/>
+                <a:cs typeface="Calibri" panose="020F0502020204030204" pitchFamily="34" charset="0"/>
               </a:rPr>
-              <a:t>Crowdroid</a:t>
+              <a:t>Установить и запустить вредоносные программы.</a:t>
             </a:r>
-            <a:endParaRPr lang="en-US" sz="2000" dirty="0" smtClean="0">
-              <a:latin typeface="Trebuchet MS" panose="020B0603020202020204" pitchFamily="34" charset="0"/>
-            </a:endParaRPr>
           </a:p>
           <a:p>
-            <a:pPr marL="285750" indent="-285750" algn="just">
-              <a:buFont typeface="Arial" panose="020B0604020202020204" pitchFamily="34" charset="0"/>
-              <a:buChar char="•"/>
+            <a:pPr marL="286110" indent="-285750">
+              <a:lnSpc>
+                <a:spcPct val="100000"/>
+              </a:lnSpc>
+              <a:spcBef>
+                <a:spcPts val="1001"/>
+              </a:spcBef>
+              <a:buClr>
+                <a:srgbClr val="5FCBEF"/>
+              </a:buClr>
+              <a:buSzPct val="80000"/>
             </a:pPr>
             <a:r>
-              <a:rPr lang="en-US" sz="2000" dirty="0" err="1" smtClean="0">
-                <a:latin typeface="Trebuchet MS" panose="020B0603020202020204" pitchFamily="34" charset="0"/>
+              <a:rPr lang="ru-RU" sz="2300" spc="-1" dirty="0">
+                <a:latin typeface="Calibri" panose="020F0502020204030204" pitchFamily="34" charset="0"/>
+                <a:cs typeface="Calibri" panose="020F0502020204030204" pitchFamily="34" charset="0"/>
               </a:rPr>
-              <a:t>MsfVenom</a:t>
+              <a:t>Отключить или вывести из строя ИБ-системы для упрощения внешней атаки</a:t>
             </a:r>
-            <a:endParaRPr lang="ru-RU" sz="2000" dirty="0" smtClean="0">
-              <a:latin typeface="Trebuchet MS" panose="020B0603020202020204" pitchFamily="34" charset="0"/>
-            </a:endParaRPr>
+            <a:r>
+              <a:rPr lang="ru-RU" sz="2300" spc="-1" dirty="0" smtClean="0">
+                <a:latin typeface="Calibri" panose="020F0502020204030204" pitchFamily="34" charset="0"/>
+                <a:cs typeface="Calibri" panose="020F0502020204030204" pitchFamily="34" charset="0"/>
+              </a:rPr>
+              <a:t>.</a:t>
+            </a:r>
+            <a:endParaRPr lang="ru-RU" sz="2300" dirty="0"/>
           </a:p>
+        </p:txBody>
+      </p:sp>
+    </p:spTree>
+    <p:extLst>
+      <p:ext uri="{BB962C8B-B14F-4D97-AF65-F5344CB8AC3E}">
+        <p14:creationId xmlns:p14="http://schemas.microsoft.com/office/powerpoint/2010/main" val="2626016085"/>
+      </p:ext>
+    </p:extLst>
+  </p:cSld>
+  <p:clrMapOvr>
+    <a:masterClrMapping/>
+  </p:clrMapOvr>
+  <p:timing>
+    <p:tnLst>
+      <p:par>
+        <p:cTn id="1" dur="indefinite" restart="never" nodeType="tmRoot"/>
+      </p:par>
+    </p:tnLst>
+  </p:timing>
+</p:sld>
+</file>
+
+<file path=ppt/slides/slide8.xml><?xml version="1.0" encoding="utf-8"?>
+<p:sld xmlns:a="http://schemas.openxmlformats.org/drawingml/2006/main" xmlns:r="http://schemas.openxmlformats.org/officeDocument/2006/relationships" xmlns:p="http://schemas.openxmlformats.org/presentationml/2006/main">
+  <p:cSld>
+    <p:spTree>
+      <p:nvGrpSpPr>
+        <p:cNvPr id="1" name=""/>
+        <p:cNvGrpSpPr/>
+        <p:nvPr/>
+      </p:nvGrpSpPr>
+      <p:grpSpPr>
+        <a:xfrm>
+          <a:off x="0" y="0"/>
+          <a:ext cx="0" cy="0"/>
+          <a:chOff x="0" y="0"/>
+          <a:chExt cx="0" cy="0"/>
+        </a:xfrm>
+      </p:grpSpPr>
+      <p:sp>
+        <p:nvSpPr>
+          <p:cNvPr id="2" name="Заголовок 1"/>
+          <p:cNvSpPr>
+            <a:spLocks noGrp="1"/>
+          </p:cNvSpPr>
+          <p:nvPr>
+            <p:ph type="title"/>
+          </p:nvPr>
+        </p:nvSpPr>
+        <p:spPr>
+          <a:xfrm>
+            <a:off x="715971" y="485804"/>
+            <a:ext cx="8748870" cy="846295"/>
+          </a:xfrm>
+        </p:spPr>
+        <p:txBody>
+          <a:bodyPr/>
+          <a:lstStyle/>
           <a:p>
-            <a:pPr marL="285750" indent="-285750" algn="just">
-              <a:buFont typeface="Arial" panose="020B0604020202020204" pitchFamily="34" charset="0"/>
-              <a:buChar char="•"/>
-            </a:pPr>
-            <a:endParaRPr lang="ru-RU" dirty="0" smtClean="0">
-              <a:latin typeface="Trebuchet MS" panose="020B0603020202020204" pitchFamily="34" charset="0"/>
-            </a:endParaRPr>
-          </a:p>
-          <a:p>
-            <a:pPr marL="285750" indent="-285750" algn="just">
-              <a:buFont typeface="Arial" panose="020B0604020202020204" pitchFamily="34" charset="0"/>
-              <a:buChar char="•"/>
-            </a:pPr>
-            <a:endParaRPr lang="ru-RU" dirty="0" smtClean="0">
-              <a:latin typeface="Trebuchet MS" panose="020B0603020202020204" pitchFamily="34" charset="0"/>
-            </a:endParaRPr>
-          </a:p>
-          <a:p>
-            <a:pPr marL="285750" indent="-285750" algn="just">
-              <a:buFont typeface="Arial" panose="020B0604020202020204" pitchFamily="34" charset="0"/>
-              <a:buChar char="•"/>
-            </a:pPr>
-            <a:endParaRPr lang="ru-RU" sz="1400" dirty="0" smtClean="0">
-              <a:latin typeface="Trebuchet MS" panose="020B0603020202020204" pitchFamily="34" charset="0"/>
+            <a:r>
+              <a:rPr lang="ru-RU" sz="2800" b="1" spc="-1" dirty="0" smtClean="0">
+                <a:solidFill>
+                  <a:srgbClr val="226292"/>
+                </a:solidFill>
+                <a:latin typeface="Calibri" panose="020F0502020204030204" pitchFamily="34" charset="0"/>
+                <a:cs typeface="Calibri" panose="020F0502020204030204" pitchFamily="34" charset="0"/>
+              </a:rPr>
+              <a:t>Важные критерии системы мониторинга</a:t>
+            </a:r>
+            <a:endParaRPr lang="ru-RU" sz="2800" dirty="0">
+              <a:latin typeface="Calibri" panose="020F0502020204030204" pitchFamily="34" charset="0"/>
+              <a:cs typeface="Calibri" panose="020F0502020204030204" pitchFamily="34" charset="0"/>
             </a:endParaRPr>
           </a:p>
         </p:txBody>
@@ -19759,7 +21465,7 @@
           <a:p>
             <a:fld id="{CCAF5CA7-0BA7-4E3D-B87F-47D25C265696}" type="slidenum">
               <a:rPr lang="en-US" sz="2400" smtClean="0"/>
-              <a:t>7</a:t>
+              <a:t>8</a:t>
             </a:fld>
             <a:endParaRPr lang="ru-RU" sz="2400" dirty="0"/>
           </a:p>
@@ -19773,8 +21479,8 @@
         </p:nvSpPr>
         <p:spPr>
           <a:xfrm>
-            <a:off x="3740894" y="1465450"/>
-            <a:ext cx="5723947" cy="4247317"/>
+            <a:off x="715971" y="2303650"/>
+            <a:ext cx="8748870" cy="2385268"/>
           </a:xfrm>
           <a:prstGeom prst="rect">
             <a:avLst/>
@@ -19787,148 +21493,143 @@
           </a:bodyPr>
           <a:lstStyle/>
           <a:p>
-            <a:pPr algn="just"/>
-            <a:r>
-              <a:rPr lang="ru-RU" sz="2000" dirty="0" smtClean="0">
-                <a:latin typeface="Trebuchet MS" panose="020B0603020202020204" pitchFamily="34" charset="0"/>
-              </a:rPr>
-              <a:t>Критерии оценки:</a:t>
-            </a:r>
-          </a:p>
-          <a:p>
-            <a:pPr algn="just"/>
-            <a:endParaRPr lang="ru-RU" sz="2000" dirty="0" smtClean="0">
-              <a:latin typeface="Trebuchet MS" panose="020B0603020202020204" pitchFamily="34" charset="0"/>
-            </a:endParaRPr>
-          </a:p>
-          <a:p>
-            <a:pPr marL="285750" indent="-285750" algn="just">
+            <a:pPr marL="286110" indent="-285750">
+              <a:lnSpc>
+                <a:spcPct val="100000"/>
+              </a:lnSpc>
+              <a:spcBef>
+                <a:spcPts val="1001"/>
+              </a:spcBef>
+              <a:buClr>
+                <a:srgbClr val="5FCBEF"/>
+              </a:buClr>
+              <a:buSzPct val="80000"/>
               <a:buFont typeface="Arial" panose="020B0604020202020204" pitchFamily="34" charset="0"/>
               <a:buChar char="•"/>
             </a:pPr>
             <a:r>
-              <a:rPr lang="ru-RU" sz="2000" dirty="0" smtClean="0">
-                <a:latin typeface="Trebuchet MS" panose="020B0603020202020204" pitchFamily="34" charset="0"/>
+              <a:rPr lang="ru-RU" sz="2300" spc="-1" dirty="0" smtClean="0">
+                <a:latin typeface="Calibri" panose="020F0502020204030204" pitchFamily="34" charset="0"/>
+                <a:cs typeface="Calibri" panose="020F0502020204030204" pitchFamily="34" charset="0"/>
               </a:rPr>
-              <a:t>Работа в режиме реального времени</a:t>
+              <a:t>Работа </a:t>
             </a:r>
-            <a:endParaRPr lang="en-US" sz="2000" dirty="0" smtClean="0">
-              <a:latin typeface="Trebuchet MS" panose="020B0603020202020204" pitchFamily="34" charset="0"/>
+            <a:r>
+              <a:rPr lang="ru-RU" sz="2300" spc="-1" dirty="0">
+                <a:latin typeface="Calibri" panose="020F0502020204030204" pitchFamily="34" charset="0"/>
+                <a:cs typeface="Calibri" panose="020F0502020204030204" pitchFamily="34" charset="0"/>
+              </a:rPr>
+              <a:t>в режиме реального </a:t>
+            </a:r>
+            <a:r>
+              <a:rPr lang="ru-RU" sz="2300" spc="-1" dirty="0" smtClean="0">
+                <a:latin typeface="Calibri" panose="020F0502020204030204" pitchFamily="34" charset="0"/>
+                <a:cs typeface="Calibri" panose="020F0502020204030204" pitchFamily="34" charset="0"/>
+              </a:rPr>
+              <a:t>времени</a:t>
+            </a:r>
+            <a:endParaRPr lang="en-US" sz="2300" spc="-1" dirty="0" smtClean="0">
+              <a:latin typeface="Calibri" panose="020F0502020204030204" pitchFamily="34" charset="0"/>
+              <a:cs typeface="Calibri" panose="020F0502020204030204" pitchFamily="34" charset="0"/>
             </a:endParaRPr>
           </a:p>
           <a:p>
-            <a:pPr marL="285750" indent="-285750" algn="just">
+            <a:pPr marL="286110" indent="-285750">
+              <a:lnSpc>
+                <a:spcPct val="100000"/>
+              </a:lnSpc>
+              <a:spcBef>
+                <a:spcPts val="1001"/>
+              </a:spcBef>
+              <a:buClr>
+                <a:srgbClr val="5FCBEF"/>
+              </a:buClr>
+              <a:buSzPct val="80000"/>
               <a:buFont typeface="Arial" panose="020B0604020202020204" pitchFamily="34" charset="0"/>
               <a:buChar char="•"/>
             </a:pPr>
             <a:r>
-              <a:rPr lang="ru-RU" sz="2000" dirty="0" smtClean="0">
-                <a:latin typeface="Trebuchet MS" panose="020B0603020202020204" pitchFamily="34" charset="0"/>
+              <a:rPr lang="ru-RU" sz="2300" dirty="0" smtClean="0">
+                <a:latin typeface="Calibri" panose="020F0502020204030204" pitchFamily="34" charset="0"/>
+                <a:cs typeface="Calibri" panose="020F0502020204030204" pitchFamily="34" charset="0"/>
               </a:rPr>
               <a:t>Автоматизированный запуск</a:t>
             </a:r>
-            <a:endParaRPr lang="en-US" sz="2000" dirty="0" smtClean="0">
-              <a:latin typeface="Trebuchet MS" panose="020B0603020202020204" pitchFamily="34" charset="0"/>
+            <a:endParaRPr lang="en-US" sz="2300" dirty="0">
+              <a:latin typeface="Calibri" panose="020F0502020204030204" pitchFamily="34" charset="0"/>
+              <a:cs typeface="Calibri" panose="020F0502020204030204" pitchFamily="34" charset="0"/>
             </a:endParaRPr>
           </a:p>
           <a:p>
-            <a:pPr marL="285750" indent="-285750" algn="just">
+            <a:pPr marL="286110" indent="-285750">
+              <a:lnSpc>
+                <a:spcPct val="100000"/>
+              </a:lnSpc>
+              <a:spcBef>
+                <a:spcPts val="1001"/>
+              </a:spcBef>
+              <a:buClr>
+                <a:srgbClr val="5FCBEF"/>
+              </a:buClr>
+              <a:buSzPct val="80000"/>
               <a:buFont typeface="Arial" panose="020B0604020202020204" pitchFamily="34" charset="0"/>
               <a:buChar char="•"/>
             </a:pPr>
             <a:r>
-              <a:rPr lang="ru-RU" sz="2000" dirty="0" smtClean="0">
-                <a:latin typeface="Trebuchet MS" panose="020B0603020202020204" pitchFamily="34" charset="0"/>
+              <a:rPr lang="ru-RU" sz="2300" dirty="0">
+                <a:latin typeface="Calibri" panose="020F0502020204030204" pitchFamily="34" charset="0"/>
+                <a:cs typeface="Calibri" panose="020F0502020204030204" pitchFamily="34" charset="0"/>
               </a:rPr>
-              <a:t>Анализ действий пользователя</a:t>
+              <a:t>Устойчивость к нестабильному </a:t>
             </a:r>
+            <a:r>
+              <a:rPr lang="ru-RU" sz="2300" dirty="0" smtClean="0">
+                <a:latin typeface="Calibri" panose="020F0502020204030204" pitchFamily="34" charset="0"/>
+                <a:cs typeface="Calibri" panose="020F0502020204030204" pitchFamily="34" charset="0"/>
+              </a:rPr>
+              <a:t>соединению</a:t>
+            </a:r>
+            <a:endParaRPr lang="en-US" sz="2300" dirty="0">
+              <a:latin typeface="Calibri" panose="020F0502020204030204" pitchFamily="34" charset="0"/>
+              <a:cs typeface="Calibri" panose="020F0502020204030204" pitchFamily="34" charset="0"/>
+            </a:endParaRPr>
           </a:p>
           <a:p>
-            <a:pPr marL="285750" indent="-285750" algn="just">
+            <a:pPr marL="286110" indent="-285750">
+              <a:lnSpc>
+                <a:spcPct val="100000"/>
+              </a:lnSpc>
+              <a:spcBef>
+                <a:spcPts val="1001"/>
+              </a:spcBef>
+              <a:buClr>
+                <a:srgbClr val="5FCBEF"/>
+              </a:buClr>
+              <a:buSzPct val="80000"/>
               <a:buFont typeface="Arial" panose="020B0604020202020204" pitchFamily="34" charset="0"/>
               <a:buChar char="•"/>
             </a:pPr>
             <a:r>
-              <a:rPr lang="ru-RU" sz="2000" dirty="0" smtClean="0">
-                <a:latin typeface="Trebuchet MS" panose="020B0603020202020204" pitchFamily="34" charset="0"/>
+              <a:rPr lang="ru-RU" sz="2300" dirty="0" smtClean="0">
+                <a:latin typeface="Calibri" panose="020F0502020204030204" pitchFamily="34" charset="0"/>
+                <a:cs typeface="Calibri" panose="020F0502020204030204" pitchFamily="34" charset="0"/>
               </a:rPr>
-              <a:t>Анализ на наличие вредоносного ПО</a:t>
-            </a:r>
-            <a:endParaRPr lang="ru-RU" sz="2000" dirty="0">
-              <a:latin typeface="Trebuchet MS" panose="020B0603020202020204" pitchFamily="34" charset="0"/>
-            </a:endParaRPr>
-          </a:p>
-          <a:p>
-            <a:pPr marL="285750" indent="-285750" algn="just">
-              <a:buFont typeface="Arial" panose="020B0604020202020204" pitchFamily="34" charset="0"/>
-              <a:buChar char="•"/>
-            </a:pPr>
-            <a:r>
-              <a:rPr lang="ru-RU" sz="2000" dirty="0">
-                <a:latin typeface="Trebuchet MS" panose="020B0603020202020204" pitchFamily="34" charset="0"/>
-              </a:rPr>
-              <a:t>Корректность </a:t>
+              <a:t>Нейтральность </a:t>
             </a:r>
             <a:r>
-              <a:rPr lang="ru-RU" sz="2000" dirty="0" smtClean="0">
-                <a:latin typeface="Trebuchet MS" panose="020B0603020202020204" pitchFamily="34" charset="0"/>
+              <a:rPr lang="ru-RU" sz="2300" dirty="0" smtClean="0">
+                <a:latin typeface="Calibri" panose="020F0502020204030204" pitchFamily="34" charset="0"/>
+                <a:cs typeface="Calibri" panose="020F0502020204030204" pitchFamily="34" charset="0"/>
               </a:rPr>
-              <a:t>работы</a:t>
+              <a:t>для антивирусных </a:t>
             </a:r>
-          </a:p>
-          <a:p>
-            <a:pPr marL="285750" indent="-285750" algn="just">
-              <a:buFont typeface="Arial" panose="020B0604020202020204" pitchFamily="34" charset="0"/>
-              <a:buChar char="•"/>
-            </a:pPr>
             <a:r>
-              <a:rPr lang="ru-RU" sz="2000" dirty="0" smtClean="0">
-                <a:latin typeface="Trebuchet MS" panose="020B0603020202020204" pitchFamily="34" charset="0"/>
+              <a:rPr lang="ru-RU" sz="2300" dirty="0" smtClean="0">
+                <a:latin typeface="Calibri" panose="020F0502020204030204" pitchFamily="34" charset="0"/>
+                <a:cs typeface="Calibri" panose="020F0502020204030204" pitchFamily="34" charset="0"/>
               </a:rPr>
-              <a:t>Нейтральность для антивирусных систем</a:t>
+              <a:t>систем</a:t>
             </a:r>
-          </a:p>
-          <a:p>
-            <a:pPr marL="285750" indent="-285750" algn="just">
-              <a:buFont typeface="Arial" panose="020B0604020202020204" pitchFamily="34" charset="0"/>
-              <a:buChar char="•"/>
-            </a:pPr>
-            <a:r>
-              <a:rPr lang="ru-RU" sz="2000" dirty="0" smtClean="0">
-                <a:latin typeface="Trebuchet MS" panose="020B0603020202020204" pitchFamily="34" charset="0"/>
-              </a:rPr>
-              <a:t>Простота использования</a:t>
-            </a:r>
-          </a:p>
-          <a:p>
-            <a:pPr marL="285750" indent="-285750" algn="just">
-              <a:buFont typeface="Arial" panose="020B0604020202020204" pitchFamily="34" charset="0"/>
-              <a:buChar char="•"/>
-            </a:pPr>
-            <a:r>
-              <a:rPr lang="ru-RU" sz="2000" dirty="0" smtClean="0">
-                <a:latin typeface="Trebuchet MS" panose="020B0603020202020204" pitchFamily="34" charset="0"/>
-              </a:rPr>
-              <a:t>Устойчивость к нестабильному соединению</a:t>
-            </a:r>
-          </a:p>
-          <a:p>
-            <a:pPr marL="285750" indent="-285750" algn="just">
-              <a:buFont typeface="Arial" panose="020B0604020202020204" pitchFamily="34" charset="0"/>
-              <a:buChar char="•"/>
-            </a:pPr>
-            <a:r>
-              <a:rPr lang="ru-RU" sz="2000" dirty="0" smtClean="0">
-                <a:latin typeface="Trebuchet MS" panose="020B0603020202020204" pitchFamily="34" charset="0"/>
-              </a:rPr>
-              <a:t>Доступность</a:t>
-            </a:r>
-          </a:p>
-          <a:p>
-            <a:pPr marL="285750" indent="-285750" algn="just">
-              <a:buFont typeface="Arial" panose="020B0604020202020204" pitchFamily="34" charset="0"/>
-              <a:buChar char="•"/>
-            </a:pPr>
             <a:endParaRPr lang="ru-RU" dirty="0" smtClean="0">
               <a:latin typeface="Trebuchet MS" panose="020B0603020202020204" pitchFamily="34" charset="0"/>
             </a:endParaRPr>
@@ -19973,7 +21674,7 @@
 </p:sld>
 </file>
 
-<file path=ppt/slides/slide8.xml><?xml version="1.0" encoding="utf-8"?>
+<file path=ppt/slides/slide9.xml><?xml version="1.0" encoding="utf-8"?>
 <p:sld xmlns:a="http://schemas.openxmlformats.org/drawingml/2006/main" xmlns:r="http://schemas.openxmlformats.org/officeDocument/2006/relationships" xmlns:p="http://schemas.openxmlformats.org/presentationml/2006/main">
   <p:cSld>
     <p:spTree>
@@ -19990,6 +21691,36 @@
           <a:chExt cx="0" cy="0"/>
         </a:xfrm>
       </p:grpSpPr>
+      <p:pic>
+        <p:nvPicPr>
+          <p:cNvPr id="2" name="Рисунок 1"/>
+          <p:cNvPicPr>
+            <a:picLocks noChangeAspect="1"/>
+          </p:cNvPicPr>
+          <p:nvPr/>
+        </p:nvPicPr>
+        <p:blipFill>
+          <a:blip r:embed="rId3">
+            <a:extLst>
+              <a:ext uri="{28A0092B-C50C-407E-A947-70E740481C1C}">
+                <a14:useLocalDpi xmlns:a14="http://schemas.microsoft.com/office/drawing/2010/main" val="0"/>
+              </a:ext>
+            </a:extLst>
+          </a:blip>
+          <a:stretch>
+            <a:fillRect/>
+          </a:stretch>
+        </p:blipFill>
+        <p:spPr>
+          <a:xfrm>
+            <a:off x="3054767" y="609480"/>
+            <a:ext cx="5992980" cy="5949474"/>
+          </a:xfrm>
+          <a:prstGeom prst="rect">
+            <a:avLst/>
+          </a:prstGeom>
+        </p:spPr>
+      </p:pic>
       <p:sp>
         <p:nvSpPr>
           <p:cNvPr id="271" name="TextShape 1"/>
@@ -20021,102 +21752,25 @@
               </a:lnSpc>
             </a:pPr>
             <a:r>
-              <a:rPr lang="ru-RU" sz="2400" b="1" strike="noStrike" spc="-1" dirty="0" smtClean="0">
+              <a:rPr lang="ru-RU" sz="2800" b="1" strike="noStrike" spc="-1" dirty="0" smtClean="0">
                 <a:solidFill>
                   <a:srgbClr val="226292"/>
                 </a:solidFill>
-                <a:latin typeface="Trebuchet MS"/>
+                <a:latin typeface="Calibri" panose="020F0502020204030204" pitchFamily="34" charset="0"/>
+                <a:cs typeface="Calibri" panose="020F0502020204030204" pitchFamily="34" charset="0"/>
               </a:rPr>
               <a:t>Архитектура системы</a:t>
             </a:r>
-            <a:endParaRPr lang="en-US" sz="2400" b="0" strike="noStrike" spc="-1" dirty="0">
+            <a:endParaRPr lang="en-US" sz="2800" b="0" strike="noStrike" spc="-1" dirty="0">
               <a:solidFill>
                 <a:srgbClr val="000000"/>
               </a:solidFill>
-              <a:latin typeface="Trebuchet MS"/>
+              <a:latin typeface="Calibri" panose="020F0502020204030204" pitchFamily="34" charset="0"/>
+              <a:cs typeface="Calibri" panose="020F0502020204030204" pitchFamily="34" charset="0"/>
             </a:endParaRPr>
           </a:p>
         </p:txBody>
       </p:sp>
-      <p:sp>
-        <p:nvSpPr>
-          <p:cNvPr id="273" name="TextShape 3"/>
-          <p:cNvSpPr txBox="1"/>
-          <p:nvPr/>
-        </p:nvSpPr>
-        <p:spPr>
-          <a:xfrm>
-            <a:off x="677160" y="1181160"/>
-            <a:ext cx="7766199" cy="5070171"/>
-          </a:xfrm>
-          <a:prstGeom prst="rect">
-            <a:avLst/>
-          </a:prstGeom>
-          <a:noFill/>
-          <a:ln>
-            <a:noFill/>
-          </a:ln>
-        </p:spPr>
-        <p:txBody>
-          <a:bodyPr>
-            <a:normAutofit fontScale="94500"/>
-          </a:bodyPr>
-          <a:lstStyle/>
-          <a:p>
-            <a:pPr marL="360">
-              <a:lnSpc>
-                <a:spcPct val="100000"/>
-              </a:lnSpc>
-              <a:spcBef>
-                <a:spcPts val="1001"/>
-              </a:spcBef>
-              <a:buClr>
-                <a:srgbClr val="5FCBEF"/>
-              </a:buClr>
-              <a:buSzPct val="80000"/>
-            </a:pPr>
-            <a:endParaRPr lang="en-US" sz="1800" b="0" strike="noStrike" spc="-1" dirty="0">
-              <a:solidFill>
-                <a:srgbClr val="404040"/>
-              </a:solidFill>
-              <a:latin typeface="Trebuchet MS"/>
-            </a:endParaRPr>
-          </a:p>
-        </p:txBody>
-      </p:sp>
-      <p:pic>
-        <p:nvPicPr>
-          <p:cNvPr id="8" name="Рисунок 7" descr="C:\Users\redmo\Documents\Work\repos\Diploma\docs\Архитектура.png"/>
-          <p:cNvPicPr/>
-          <p:nvPr/>
-        </p:nvPicPr>
-        <p:blipFill>
-          <a:blip r:embed="rId3">
-            <a:extLst>
-              <a:ext uri="{28A0092B-C50C-407E-A947-70E740481C1C}">
-                <a14:useLocalDpi xmlns:a14="http://schemas.microsoft.com/office/drawing/2010/main" val="0"/>
-              </a:ext>
-            </a:extLst>
-          </a:blip>
-          <a:srcRect/>
-          <a:stretch>
-            <a:fillRect/>
-          </a:stretch>
-        </p:blipFill>
-        <p:spPr bwMode="auto">
-          <a:xfrm>
-            <a:off x="1507401" y="1401978"/>
-            <a:ext cx="6935958" cy="4653554"/>
-          </a:xfrm>
-          <a:prstGeom prst="rect">
-            <a:avLst/>
-          </a:prstGeom>
-          <a:noFill/>
-          <a:ln>
-            <a:noFill/>
-          </a:ln>
-        </p:spPr>
-      </p:pic>
       <p:sp>
         <p:nvSpPr>
           <p:cNvPr id="9" name="TextBox 8"/>
@@ -20141,501 +21795,6 @@
           <a:p>
             <a:fld id="{F75A5EEA-AB91-47E7-BCC5-783331C28AD1}" type="slidenum">
               <a:rPr lang="en-US" sz="2400" smtClean="0"/>
-              <a:t>8</a:t>
-            </a:fld>
-            <a:endParaRPr lang="ru-RU" sz="2400" dirty="0"/>
-          </a:p>
-        </p:txBody>
-      </p:sp>
-    </p:spTree>
-  </p:cSld>
-  <p:clrMapOvr>
-    <a:masterClrMapping/>
-  </p:clrMapOvr>
-  <p:timing>
-    <p:tnLst>
-      <p:par>
-        <p:cTn id="1" dur="indefinite" restart="never" nodeType="tmRoot"/>
-      </p:par>
-    </p:tnLst>
-  </p:timing>
-</p:sld>
-</file>
-
-<file path=ppt/slides/slide9.xml><?xml version="1.0" encoding="utf-8"?>
-<p:sld xmlns:a="http://schemas.openxmlformats.org/drawingml/2006/main" xmlns:r="http://schemas.openxmlformats.org/officeDocument/2006/relationships" xmlns:p="http://schemas.openxmlformats.org/presentationml/2006/main">
-  <p:cSld>
-    <p:spTree>
-      <p:nvGrpSpPr>
-        <p:cNvPr id="1" name=""/>
-        <p:cNvGrpSpPr/>
-        <p:nvPr/>
-      </p:nvGrpSpPr>
-      <p:grpSpPr>
-        <a:xfrm>
-          <a:off x="0" y="0"/>
-          <a:ext cx="0" cy="0"/>
-          <a:chOff x="0" y="0"/>
-          <a:chExt cx="0" cy="0"/>
-        </a:xfrm>
-      </p:grpSpPr>
-      <p:sp>
-        <p:nvSpPr>
-          <p:cNvPr id="271" name="TextShape 1"/>
-          <p:cNvSpPr txBox="1"/>
-          <p:nvPr/>
-        </p:nvSpPr>
-        <p:spPr>
-          <a:xfrm>
-            <a:off x="677160" y="609480"/>
-            <a:ext cx="8596440" cy="364680"/>
-          </a:xfrm>
-          <a:prstGeom prst="rect">
-            <a:avLst/>
-          </a:prstGeom>
-          <a:noFill/>
-          <a:ln>
-            <a:noFill/>
-          </a:ln>
-        </p:spPr>
-        <p:txBody>
-          <a:bodyPr>
-            <a:noAutofit/>
-          </a:bodyPr>
-          <a:lstStyle/>
-          <a:p>
-            <a:pPr>
-              <a:lnSpc>
-                <a:spcPct val="100000"/>
-              </a:lnSpc>
-            </a:pPr>
-            <a:r>
-              <a:rPr lang="ru-RU" sz="2400" b="1" strike="noStrike" spc="-1" dirty="0" smtClean="0">
-                <a:solidFill>
-                  <a:srgbClr val="226292"/>
-                </a:solidFill>
-                <a:latin typeface="Trebuchet MS"/>
-              </a:rPr>
-              <a:t>Мобильное приложение</a:t>
-            </a:r>
-            <a:endParaRPr lang="en-US" sz="2400" b="0" strike="noStrike" spc="-1" dirty="0">
-              <a:solidFill>
-                <a:srgbClr val="000000"/>
-              </a:solidFill>
-              <a:latin typeface="Trebuchet MS"/>
-            </a:endParaRPr>
-          </a:p>
-        </p:txBody>
-      </p:sp>
-      <p:sp>
-        <p:nvSpPr>
-          <p:cNvPr id="273" name="TextShape 3"/>
-          <p:cNvSpPr txBox="1"/>
-          <p:nvPr/>
-        </p:nvSpPr>
-        <p:spPr>
-          <a:xfrm>
-            <a:off x="1503638" y="1532306"/>
-            <a:ext cx="2294640" cy="3959860"/>
-          </a:xfrm>
-          <a:prstGeom prst="rect">
-            <a:avLst/>
-          </a:prstGeom>
-          <a:noFill/>
-          <a:ln>
-            <a:noFill/>
-          </a:ln>
-        </p:spPr>
-        <p:txBody>
-          <a:bodyPr>
-            <a:normAutofit fontScale="94500"/>
-          </a:bodyPr>
-          <a:lstStyle/>
-          <a:p>
-            <a:pPr marL="360">
-              <a:lnSpc>
-                <a:spcPct val="100000"/>
-              </a:lnSpc>
-              <a:spcBef>
-                <a:spcPts val="1001"/>
-              </a:spcBef>
-              <a:buClr>
-                <a:srgbClr val="5FCBEF"/>
-              </a:buClr>
-              <a:buSzPct val="80000"/>
-            </a:pPr>
-            <a:r>
-              <a:rPr lang="ru-RU" sz="1800" b="0" strike="noStrike" spc="-1" dirty="0" smtClean="0">
-                <a:solidFill>
-                  <a:srgbClr val="404040"/>
-                </a:solidFill>
-                <a:latin typeface="Trebuchet MS"/>
-              </a:rPr>
-              <a:t>Модули:</a:t>
-            </a:r>
-          </a:p>
-          <a:p>
-            <a:pPr marL="286110" indent="-285750">
-              <a:lnSpc>
-                <a:spcPct val="100000"/>
-              </a:lnSpc>
-              <a:spcBef>
-                <a:spcPts val="1001"/>
-              </a:spcBef>
-              <a:buClr>
-                <a:srgbClr val="5FCBEF"/>
-              </a:buClr>
-              <a:buSzPct val="80000"/>
-              <a:buFont typeface="Arial" panose="020B0604020202020204" pitchFamily="34" charset="0"/>
-              <a:buChar char="•"/>
-            </a:pPr>
-            <a:r>
-              <a:rPr lang="ru-RU" spc="-1" dirty="0" smtClean="0">
-                <a:solidFill>
-                  <a:srgbClr val="404040"/>
-                </a:solidFill>
-                <a:latin typeface="Trebuchet MS"/>
-              </a:rPr>
-              <a:t>Приложений</a:t>
-            </a:r>
-          </a:p>
-          <a:p>
-            <a:pPr marL="286110" indent="-285750">
-              <a:lnSpc>
-                <a:spcPct val="100000"/>
-              </a:lnSpc>
-              <a:spcBef>
-                <a:spcPts val="1001"/>
-              </a:spcBef>
-              <a:buClr>
-                <a:srgbClr val="5FCBEF"/>
-              </a:buClr>
-              <a:buSzPct val="80000"/>
-              <a:buFont typeface="Arial" panose="020B0604020202020204" pitchFamily="34" charset="0"/>
-              <a:buChar char="•"/>
-            </a:pPr>
-            <a:r>
-              <a:rPr lang="ru-RU" sz="1800" b="0" strike="noStrike" spc="-1" dirty="0" smtClean="0">
-                <a:solidFill>
-                  <a:srgbClr val="404040"/>
-                </a:solidFill>
-                <a:latin typeface="Trebuchet MS"/>
-              </a:rPr>
-              <a:t>Вызовов</a:t>
-            </a:r>
-          </a:p>
-          <a:p>
-            <a:pPr marL="286110" indent="-285750">
-              <a:lnSpc>
-                <a:spcPct val="100000"/>
-              </a:lnSpc>
-              <a:spcBef>
-                <a:spcPts val="1001"/>
-              </a:spcBef>
-              <a:buClr>
-                <a:srgbClr val="5FCBEF"/>
-              </a:buClr>
-              <a:buSzPct val="80000"/>
-              <a:buFont typeface="Arial" panose="020B0604020202020204" pitchFamily="34" charset="0"/>
-              <a:buChar char="•"/>
-            </a:pPr>
-            <a:r>
-              <a:rPr lang="ru-RU" spc="-1" dirty="0" smtClean="0">
-                <a:solidFill>
-                  <a:srgbClr val="404040"/>
-                </a:solidFill>
-                <a:latin typeface="Trebuchet MS"/>
-              </a:rPr>
-              <a:t>Контактов</a:t>
-            </a:r>
-          </a:p>
-          <a:p>
-            <a:pPr marL="286110" indent="-285750">
-              <a:lnSpc>
-                <a:spcPct val="100000"/>
-              </a:lnSpc>
-              <a:spcBef>
-                <a:spcPts val="1001"/>
-              </a:spcBef>
-              <a:buClr>
-                <a:srgbClr val="5FCBEF"/>
-              </a:buClr>
-              <a:buSzPct val="80000"/>
-              <a:buFont typeface="Arial" panose="020B0604020202020204" pitchFamily="34" charset="0"/>
-              <a:buChar char="•"/>
-            </a:pPr>
-            <a:r>
-              <a:rPr lang="ru-RU" sz="1800" b="0" strike="noStrike" spc="-1" dirty="0" err="1" smtClean="0">
-                <a:solidFill>
-                  <a:srgbClr val="404040"/>
-                </a:solidFill>
-                <a:latin typeface="Trebuchet MS"/>
-              </a:rPr>
-              <a:t>Геолокации</a:t>
-            </a:r>
-            <a:endParaRPr lang="ru-RU" sz="1800" b="0" strike="noStrike" spc="-1" dirty="0" smtClean="0">
-              <a:solidFill>
-                <a:srgbClr val="404040"/>
-              </a:solidFill>
-              <a:latin typeface="Trebuchet MS"/>
-            </a:endParaRPr>
-          </a:p>
-          <a:p>
-            <a:pPr marL="286110" indent="-285750">
-              <a:lnSpc>
-                <a:spcPct val="100000"/>
-              </a:lnSpc>
-              <a:spcBef>
-                <a:spcPts val="1001"/>
-              </a:spcBef>
-              <a:buClr>
-                <a:srgbClr val="5FCBEF"/>
-              </a:buClr>
-              <a:buSzPct val="80000"/>
-              <a:buFont typeface="Arial" panose="020B0604020202020204" pitchFamily="34" charset="0"/>
-              <a:buChar char="•"/>
-            </a:pPr>
-            <a:r>
-              <a:rPr lang="en-US" spc="-1" dirty="0" smtClean="0">
-                <a:solidFill>
-                  <a:srgbClr val="404040"/>
-                </a:solidFill>
-                <a:latin typeface="Trebuchet MS"/>
-              </a:rPr>
-              <a:t>SMS</a:t>
-            </a:r>
-          </a:p>
-          <a:p>
-            <a:pPr marL="286110" indent="-285750">
-              <a:lnSpc>
-                <a:spcPct val="100000"/>
-              </a:lnSpc>
-              <a:spcBef>
-                <a:spcPts val="1001"/>
-              </a:spcBef>
-              <a:buClr>
-                <a:srgbClr val="5FCBEF"/>
-              </a:buClr>
-              <a:buSzPct val="80000"/>
-              <a:buFont typeface="Arial" panose="020B0604020202020204" pitchFamily="34" charset="0"/>
-              <a:buChar char="•"/>
-            </a:pPr>
-            <a:r>
-              <a:rPr lang="en-US" sz="1800" b="0" strike="noStrike" spc="-1" dirty="0" smtClean="0">
-                <a:solidFill>
-                  <a:srgbClr val="404040"/>
-                </a:solidFill>
-                <a:latin typeface="Trebuchet MS"/>
-              </a:rPr>
-              <a:t>Wi-Fi</a:t>
-            </a:r>
-          </a:p>
-          <a:p>
-            <a:pPr marL="286110" indent="-285750">
-              <a:lnSpc>
-                <a:spcPct val="100000"/>
-              </a:lnSpc>
-              <a:spcBef>
-                <a:spcPts val="1001"/>
-              </a:spcBef>
-              <a:buClr>
-                <a:srgbClr val="5FCBEF"/>
-              </a:buClr>
-              <a:buSzPct val="80000"/>
-              <a:buFont typeface="Arial" panose="020B0604020202020204" pitchFamily="34" charset="0"/>
-              <a:buChar char="•"/>
-            </a:pPr>
-            <a:r>
-              <a:rPr lang="ru-RU" sz="1800" b="0" strike="noStrike" spc="-1" dirty="0" smtClean="0">
-                <a:solidFill>
-                  <a:srgbClr val="404040"/>
-                </a:solidFill>
-                <a:latin typeface="Trebuchet MS"/>
-              </a:rPr>
-              <a:t>Уведомлений</a:t>
-            </a:r>
-          </a:p>
-          <a:p>
-            <a:pPr marL="286110" indent="-285750">
-              <a:lnSpc>
-                <a:spcPct val="100000"/>
-              </a:lnSpc>
-              <a:spcBef>
-                <a:spcPts val="1001"/>
-              </a:spcBef>
-              <a:buClr>
-                <a:srgbClr val="5FCBEF"/>
-              </a:buClr>
-              <a:buSzPct val="80000"/>
-              <a:buFont typeface="Arial" panose="020B0604020202020204" pitchFamily="34" charset="0"/>
-              <a:buChar char="•"/>
-            </a:pPr>
-            <a:r>
-              <a:rPr lang="ru-RU" spc="-1" dirty="0" smtClean="0">
-                <a:solidFill>
-                  <a:srgbClr val="404040"/>
-                </a:solidFill>
-                <a:latin typeface="Trebuchet MS"/>
-              </a:rPr>
-              <a:t>Разрешений</a:t>
-            </a:r>
-          </a:p>
-          <a:p>
-            <a:pPr marL="286110" indent="-285750">
-              <a:lnSpc>
-                <a:spcPct val="100000"/>
-              </a:lnSpc>
-              <a:spcBef>
-                <a:spcPts val="1001"/>
-              </a:spcBef>
-              <a:buClr>
-                <a:srgbClr val="5FCBEF"/>
-              </a:buClr>
-              <a:buSzPct val="80000"/>
-              <a:buFont typeface="Arial" panose="020B0604020202020204" pitchFamily="34" charset="0"/>
-              <a:buChar char="•"/>
-            </a:pPr>
-            <a:r>
-              <a:rPr lang="ru-RU" sz="1800" b="0" strike="noStrike" spc="-1" dirty="0" smtClean="0">
-                <a:solidFill>
-                  <a:srgbClr val="404040"/>
-                </a:solidFill>
-                <a:latin typeface="Trebuchet MS"/>
-              </a:rPr>
-              <a:t>Файлов</a:t>
-            </a:r>
-            <a:endParaRPr lang="en-US" sz="1800" b="0" strike="noStrike" spc="-1" dirty="0">
-              <a:solidFill>
-                <a:srgbClr val="404040"/>
-              </a:solidFill>
-              <a:latin typeface="Trebuchet MS"/>
-            </a:endParaRPr>
-          </a:p>
-        </p:txBody>
-      </p:sp>
-      <p:pic>
-        <p:nvPicPr>
-          <p:cNvPr id="8" name="Рисунок 7" descr="C:\Users\redmo\Documents\Work\repos\Diploma\files\app.jpg"/>
-          <p:cNvPicPr/>
-          <p:nvPr/>
-        </p:nvPicPr>
-        <p:blipFill>
-          <a:blip r:embed="rId3" cstate="print">
-            <a:extLst>
-              <a:ext uri="{28A0092B-C50C-407E-A947-70E740481C1C}">
-                <a14:useLocalDpi xmlns:a14="http://schemas.microsoft.com/office/drawing/2010/main" val="0"/>
-              </a:ext>
-            </a:extLst>
-          </a:blip>
-          <a:srcRect/>
-          <a:stretch>
-            <a:fillRect/>
-          </a:stretch>
-        </p:blipFill>
-        <p:spPr bwMode="auto">
-          <a:xfrm>
-            <a:off x="3798278" y="1532306"/>
-            <a:ext cx="1901825" cy="3959860"/>
-          </a:xfrm>
-          <a:prstGeom prst="rect">
-            <a:avLst/>
-          </a:prstGeom>
-          <a:noFill/>
-          <a:ln>
-            <a:noFill/>
-          </a:ln>
-        </p:spPr>
-      </p:pic>
-      <p:pic>
-        <p:nvPicPr>
-          <p:cNvPr id="9" name="Рисунок 8" descr="C:\Users\redmo\Documents\Work\repos\Diploma\files\notification.jpg"/>
-          <p:cNvPicPr/>
-          <p:nvPr/>
-        </p:nvPicPr>
-        <p:blipFill>
-          <a:blip r:embed="rId4" cstate="print">
-            <a:extLst>
-              <a:ext uri="{28A0092B-C50C-407E-A947-70E740481C1C}">
-                <a14:useLocalDpi xmlns:a14="http://schemas.microsoft.com/office/drawing/2010/main" val="0"/>
-              </a:ext>
-            </a:extLst>
-          </a:blip>
-          <a:srcRect/>
-          <a:stretch>
-            <a:fillRect/>
-          </a:stretch>
-        </p:blipFill>
-        <p:spPr bwMode="auto">
-          <a:xfrm>
-            <a:off x="6125063" y="1532306"/>
-            <a:ext cx="1901825" cy="3959860"/>
-          </a:xfrm>
-          <a:prstGeom prst="rect">
-            <a:avLst/>
-          </a:prstGeom>
-          <a:noFill/>
-          <a:ln>
-            <a:noFill/>
-          </a:ln>
-        </p:spPr>
-      </p:pic>
-      <p:pic>
-        <p:nvPicPr>
-          <p:cNvPr id="10" name="Рисунок 9" descr="C:\Users\redmo\Documents\Work\repos\Diploma\files\location.jpg"/>
-          <p:cNvPicPr/>
-          <p:nvPr/>
-        </p:nvPicPr>
-        <p:blipFill>
-          <a:blip r:embed="rId5" cstate="print">
-            <a:extLst>
-              <a:ext uri="{28A0092B-C50C-407E-A947-70E740481C1C}">
-                <a14:useLocalDpi xmlns:a14="http://schemas.microsoft.com/office/drawing/2010/main" val="0"/>
-              </a:ext>
-            </a:extLst>
-          </a:blip>
-          <a:srcRect/>
-          <a:stretch>
-            <a:fillRect/>
-          </a:stretch>
-        </p:blipFill>
-        <p:spPr bwMode="auto">
-          <a:xfrm>
-            <a:off x="8412407" y="1532306"/>
-            <a:ext cx="1901825" cy="3959860"/>
-          </a:xfrm>
-          <a:prstGeom prst="rect">
-            <a:avLst/>
-          </a:prstGeom>
-          <a:noFill/>
-          <a:ln>
-            <a:noFill/>
-          </a:ln>
-        </p:spPr>
-      </p:pic>
-      <p:sp>
-        <p:nvSpPr>
-          <p:cNvPr id="11" name="TextBox 10"/>
-          <p:cNvSpPr txBox="1"/>
-          <p:nvPr/>
-        </p:nvSpPr>
-        <p:spPr>
-          <a:xfrm>
-            <a:off x="11530361" y="6248356"/>
-            <a:ext cx="345688" cy="461665"/>
-          </a:xfrm>
-          <a:prstGeom prst="rect">
-            <a:avLst/>
-          </a:prstGeom>
-          <a:noFill/>
-        </p:spPr>
-        <p:txBody>
-          <a:bodyPr wrap="square" rtlCol="0">
-            <a:spAutoFit/>
-          </a:bodyPr>
-          <a:lstStyle/>
-          <a:p>
-            <a:fld id="{C49606C7-B0ED-4672-BC2B-D711D329F11C}" type="slidenum">
-              <a:rPr lang="en-US" sz="2400" smtClean="0"/>
               <a:t>9</a:t>
             </a:fld>
             <a:endParaRPr lang="ru-RU" sz="2400" dirty="0"/>
@@ -20643,11 +21802,6 @@
         </p:txBody>
       </p:sp>
     </p:spTree>
-    <p:extLst>
-      <p:ext uri="{BB962C8B-B14F-4D97-AF65-F5344CB8AC3E}">
-        <p14:creationId xmlns:p14="http://schemas.microsoft.com/office/powerpoint/2010/main" val="2966220268"/>
-      </p:ext>
-    </p:extLst>
   </p:cSld>
   <p:clrMapOvr>
     <a:masterClrMapping/>
